--- a/images/theory_analysis/Istio_Architecture/Istio_Architecture.pptx
+++ b/images/theory_analysis/Istio_Architecture/Istio_Architecture.pptx
@@ -271,7 +271,7 @@
           <a:p>
             <a:fld id="{6CD5550B-26C4-49A9-A5BA-636EF7BE6CE9}" type="datetimeFigureOut">
               <a:rPr lang="ko-KR" altLang="en-US" smtClean="0"/>
-              <a:t>2020-12-30</a:t>
+              <a:t>2020-12-31</a:t>
             </a:fld>
             <a:endParaRPr lang="ko-KR" altLang="en-US"/>
           </a:p>
@@ -1053,7 +1053,7 @@
           <a:p>
             <a:fld id="{FB30EDBD-1C2D-4C1E-B459-B60219FAB484}" type="datetimeFigureOut">
               <a:rPr lang="ko-KR" altLang="en-US" smtClean="0"/>
-              <a:t>2020-12-30</a:t>
+              <a:t>2020-12-31</a:t>
             </a:fld>
             <a:endParaRPr lang="ko-KR" altLang="en-US"/>
           </a:p>
@@ -1216,7 +1216,7 @@
           <a:p>
             <a:fld id="{FB30EDBD-1C2D-4C1E-B459-B60219FAB484}" type="datetimeFigureOut">
               <a:rPr lang="ko-KR" altLang="en-US" smtClean="0"/>
-              <a:t>2020-12-30</a:t>
+              <a:t>2020-12-31</a:t>
             </a:fld>
             <a:endParaRPr lang="ko-KR" altLang="en-US"/>
           </a:p>
@@ -1389,7 +1389,7 @@
           <a:p>
             <a:fld id="{FB30EDBD-1C2D-4C1E-B459-B60219FAB484}" type="datetimeFigureOut">
               <a:rPr lang="ko-KR" altLang="en-US" smtClean="0"/>
-              <a:t>2020-12-30</a:t>
+              <a:t>2020-12-31</a:t>
             </a:fld>
             <a:endParaRPr lang="ko-KR" altLang="en-US"/>
           </a:p>
@@ -1552,7 +1552,7 @@
           <a:p>
             <a:fld id="{FB30EDBD-1C2D-4C1E-B459-B60219FAB484}" type="datetimeFigureOut">
               <a:rPr lang="ko-KR" altLang="en-US" smtClean="0"/>
-              <a:t>2020-12-30</a:t>
+              <a:t>2020-12-31</a:t>
             </a:fld>
             <a:endParaRPr lang="ko-KR" altLang="en-US"/>
           </a:p>
@@ -1792,7 +1792,7 @@
           <a:p>
             <a:fld id="{FB30EDBD-1C2D-4C1E-B459-B60219FAB484}" type="datetimeFigureOut">
               <a:rPr lang="ko-KR" altLang="en-US" smtClean="0"/>
-              <a:t>2020-12-30</a:t>
+              <a:t>2020-12-31</a:t>
             </a:fld>
             <a:endParaRPr lang="ko-KR" altLang="en-US"/>
           </a:p>
@@ -2072,7 +2072,7 @@
           <a:p>
             <a:fld id="{FB30EDBD-1C2D-4C1E-B459-B60219FAB484}" type="datetimeFigureOut">
               <a:rPr lang="ko-KR" altLang="en-US" smtClean="0"/>
-              <a:t>2020-12-30</a:t>
+              <a:t>2020-12-31</a:t>
             </a:fld>
             <a:endParaRPr lang="ko-KR" altLang="en-US"/>
           </a:p>
@@ -2486,7 +2486,7 @@
           <a:p>
             <a:fld id="{FB30EDBD-1C2D-4C1E-B459-B60219FAB484}" type="datetimeFigureOut">
               <a:rPr lang="ko-KR" altLang="en-US" smtClean="0"/>
-              <a:t>2020-12-30</a:t>
+              <a:t>2020-12-31</a:t>
             </a:fld>
             <a:endParaRPr lang="ko-KR" altLang="en-US"/>
           </a:p>
@@ -2598,7 +2598,7 @@
           <a:p>
             <a:fld id="{FB30EDBD-1C2D-4C1E-B459-B60219FAB484}" type="datetimeFigureOut">
               <a:rPr lang="ko-KR" altLang="en-US" smtClean="0"/>
-              <a:t>2020-12-30</a:t>
+              <a:t>2020-12-31</a:t>
             </a:fld>
             <a:endParaRPr lang="ko-KR" altLang="en-US"/>
           </a:p>
@@ -2688,7 +2688,7 @@
           <a:p>
             <a:fld id="{FB30EDBD-1C2D-4C1E-B459-B60219FAB484}" type="datetimeFigureOut">
               <a:rPr lang="ko-KR" altLang="en-US" smtClean="0"/>
-              <a:t>2020-12-30</a:t>
+              <a:t>2020-12-31</a:t>
             </a:fld>
             <a:endParaRPr lang="ko-KR" altLang="en-US"/>
           </a:p>
@@ -2958,7 +2958,7 @@
           <a:p>
             <a:fld id="{FB30EDBD-1C2D-4C1E-B459-B60219FAB484}" type="datetimeFigureOut">
               <a:rPr lang="ko-KR" altLang="en-US" smtClean="0"/>
-              <a:t>2020-12-30</a:t>
+              <a:t>2020-12-31</a:t>
             </a:fld>
             <a:endParaRPr lang="ko-KR" altLang="en-US"/>
           </a:p>
@@ -3205,7 +3205,7 @@
           <a:p>
             <a:fld id="{FB30EDBD-1C2D-4C1E-B459-B60219FAB484}" type="datetimeFigureOut">
               <a:rPr lang="ko-KR" altLang="en-US" smtClean="0"/>
-              <a:t>2020-12-30</a:t>
+              <a:t>2020-12-31</a:t>
             </a:fld>
             <a:endParaRPr lang="ko-KR" altLang="en-US"/>
           </a:p>
@@ -3411,7 +3411,7 @@
           <a:p>
             <a:fld id="{FB30EDBD-1C2D-4C1E-B459-B60219FAB484}" type="datetimeFigureOut">
               <a:rPr lang="ko-KR" altLang="en-US" smtClean="0"/>
-              <a:t>2020-12-30</a:t>
+              <a:t>2020-12-31</a:t>
             </a:fld>
             <a:endParaRPr lang="ko-KR" altLang="en-US"/>
           </a:p>
@@ -4095,8 +4095,8 @@
         </p:nvSpPr>
         <p:spPr>
           <a:xfrm>
-            <a:off x="2267742" y="3032494"/>
-            <a:ext cx="1584178" cy="1555480"/>
+            <a:off x="2267742" y="3032493"/>
+            <a:ext cx="1584178" cy="1699475"/>
           </a:xfrm>
           <a:prstGeom prst="roundRect">
             <a:avLst>
@@ -4194,7 +4194,7 @@
         <p:spPr>
           <a:xfrm>
             <a:off x="2379512" y="3138698"/>
-            <a:ext cx="1378311" cy="364466"/>
+            <a:ext cx="1378311" cy="430886"/>
           </a:xfrm>
           <a:prstGeom prst="roundRect">
             <a:avLst/>
@@ -4223,6 +4223,13 @@
               <a:rPr lang="en-US" altLang="ko-KR" sz="1400"/>
               <a:t>Envoy Sidecar</a:t>
             </a:r>
+          </a:p>
+          <a:p>
+            <a:pPr algn="ctr"/>
+            <a:r>
+              <a:rPr lang="en-US" altLang="ko-KR" sz="1400"/>
+              <a:t>Container</a:t>
+            </a:r>
             <a:endParaRPr lang="ko-KR" altLang="en-US" sz="1400"/>
           </a:p>
         </p:txBody>
@@ -4241,8 +4248,8 @@
         </p:nvSpPr>
         <p:spPr>
           <a:xfrm>
-            <a:off x="2379512" y="3723877"/>
-            <a:ext cx="1378311" cy="504056"/>
+            <a:off x="2379512" y="3795886"/>
+            <a:ext cx="1378311" cy="648072"/>
           </a:xfrm>
           <a:prstGeom prst="roundRect">
             <a:avLst>
@@ -4271,7 +4278,7 @@
             <a:pPr algn="ctr"/>
             <a:r>
               <a:rPr lang="en-US" altLang="ko-KR" sz="1400"/>
-              <a:t>Service A</a:t>
+              <a:t>App Container (Service)</a:t>
             </a:r>
             <a:endParaRPr lang="ko-KR" altLang="en-US" sz="1400"/>
           </a:p>
@@ -4291,8 +4298,8 @@
         </p:nvSpPr>
         <p:spPr>
           <a:xfrm>
-            <a:off x="5292080" y="3032494"/>
-            <a:ext cx="1584178" cy="1555480"/>
+            <a:off x="5292080" y="3032493"/>
+            <a:ext cx="1584178" cy="1699475"/>
           </a:xfrm>
           <a:prstGeom prst="roundRect">
             <a:avLst>
@@ -4342,7 +4349,7 @@
         <p:spPr>
           <a:xfrm>
             <a:off x="5396040" y="3138698"/>
-            <a:ext cx="1378311" cy="364466"/>
+            <a:ext cx="1378311" cy="430886"/>
           </a:xfrm>
           <a:prstGeom prst="roundRect">
             <a:avLst/>
@@ -4371,6 +4378,13 @@
               <a:rPr lang="en-US" altLang="ko-KR" sz="1400"/>
               <a:t>Envoy Sidecar</a:t>
             </a:r>
+          </a:p>
+          <a:p>
+            <a:pPr algn="ctr"/>
+            <a:r>
+              <a:rPr lang="en-US" altLang="ko-KR" sz="1400"/>
+              <a:t>Container</a:t>
+            </a:r>
             <a:endParaRPr lang="ko-KR" altLang="en-US" sz="1400"/>
           </a:p>
         </p:txBody>
@@ -4389,8 +4403,8 @@
         </p:nvSpPr>
         <p:spPr>
           <a:xfrm>
-            <a:off x="5396040" y="3723877"/>
-            <a:ext cx="1378311" cy="504056"/>
+            <a:off x="5396040" y="3795886"/>
+            <a:ext cx="1378311" cy="648072"/>
           </a:xfrm>
           <a:prstGeom prst="roundRect">
             <a:avLst>
@@ -4419,7 +4433,7 @@
             <a:pPr algn="ctr"/>
             <a:r>
               <a:rPr lang="en-US" altLang="ko-KR" sz="1400"/>
-              <a:t>Service B</a:t>
+              <a:t>App Container (Service)</a:t>
             </a:r>
             <a:endParaRPr lang="ko-KR" altLang="en-US" sz="1400"/>
           </a:p>
@@ -4443,7 +4457,7 @@
         </p:nvCxnSpPr>
         <p:spPr>
           <a:xfrm>
-            <a:off x="3757823" y="3320931"/>
+            <a:off x="3757823" y="3354141"/>
             <a:ext cx="1638217" cy="0"/>
           </a:xfrm>
           <a:prstGeom prst="straightConnector1">
@@ -4534,8 +4548,8 @@
         </p:nvCxnSpPr>
         <p:spPr>
           <a:xfrm>
-            <a:off x="3068668" y="3503164"/>
-            <a:ext cx="0" cy="220713"/>
+            <a:off x="3068668" y="3569584"/>
+            <a:ext cx="0" cy="226302"/>
           </a:xfrm>
           <a:prstGeom prst="straightConnector1">
             <a:avLst/>
@@ -4581,8 +4595,8 @@
         </p:nvCxnSpPr>
         <p:spPr>
           <a:xfrm>
-            <a:off x="6085196" y="3503164"/>
-            <a:ext cx="0" cy="220713"/>
+            <a:off x="6085196" y="3569584"/>
+            <a:ext cx="0" cy="226302"/>
           </a:xfrm>
           <a:prstGeom prst="straightConnector1">
             <a:avLst/>
@@ -4636,7 +4650,7 @@
           </a:prstGeom>
           <a:ln w="19050">
             <a:solidFill>
-              <a:schemeClr val="tx1"/>
+              <a:srgbClr val="C00000"/>
             </a:solidFill>
             <a:headEnd type="none" w="med" len="med"/>
             <a:tailEnd type="arrow" w="med" len="med"/>
@@ -4677,6 +4691,188 @@
           <a:xfrm flipH="1">
             <a:off x="6085196" y="2270453"/>
             <a:ext cx="142988" cy="868245"/>
+          </a:xfrm>
+          <a:prstGeom prst="straightConnector1">
+            <a:avLst/>
+          </a:prstGeom>
+          <a:ln w="19050">
+            <a:solidFill>
+              <a:schemeClr val="accent3">
+                <a:lumMod val="75000"/>
+              </a:schemeClr>
+            </a:solidFill>
+            <a:headEnd type="none" w="med" len="med"/>
+            <a:tailEnd type="arrow" w="med" len="med"/>
+          </a:ln>
+        </p:spPr>
+        <p:style>
+          <a:lnRef idx="1">
+            <a:schemeClr val="accent1"/>
+          </a:lnRef>
+          <a:fillRef idx="0">
+            <a:schemeClr val="accent1"/>
+          </a:fillRef>
+          <a:effectRef idx="0">
+            <a:schemeClr val="accent1"/>
+          </a:effectRef>
+          <a:fontRef idx="minor">
+            <a:schemeClr val="tx1"/>
+          </a:fontRef>
+        </p:style>
+      </p:cxnSp>
+      <p:cxnSp>
+        <p:nvCxnSpPr>
+          <p:cNvPr id="32" name="직선 화살표 연결선 31">
+            <a:extLst>
+              <a:ext uri="{FF2B5EF4-FFF2-40B4-BE49-F238E27FC236}">
+                <a16:creationId xmlns:a16="http://schemas.microsoft.com/office/drawing/2014/main" id="{8CB8C923-23AC-44F6-A907-979FD0A2671C}"/>
+              </a:ext>
+            </a:extLst>
+          </p:cNvPr>
+          <p:cNvCxnSpPr>
+            <a:cxnSpLocks/>
+            <a:stCxn id="21" idx="2"/>
+            <a:endCxn id="14" idx="0"/>
+          </p:cNvCxnSpPr>
+          <p:nvPr/>
+        </p:nvCxnSpPr>
+        <p:spPr>
+          <a:xfrm>
+            <a:off x="2915816" y="2270453"/>
+            <a:ext cx="3169380" cy="868245"/>
+          </a:xfrm>
+          <a:prstGeom prst="straightConnector1">
+            <a:avLst/>
+          </a:prstGeom>
+          <a:ln w="19050">
+            <a:solidFill>
+              <a:srgbClr val="C00000"/>
+            </a:solidFill>
+            <a:headEnd type="none" w="med" len="med"/>
+            <a:tailEnd type="arrow" w="med" len="med"/>
+          </a:ln>
+        </p:spPr>
+        <p:style>
+          <a:lnRef idx="1">
+            <a:schemeClr val="accent1"/>
+          </a:lnRef>
+          <a:fillRef idx="0">
+            <a:schemeClr val="accent1"/>
+          </a:fillRef>
+          <a:effectRef idx="0">
+            <a:schemeClr val="accent1"/>
+          </a:effectRef>
+          <a:fontRef idx="minor">
+            <a:schemeClr val="tx1"/>
+          </a:fontRef>
+        </p:style>
+      </p:cxnSp>
+      <p:cxnSp>
+        <p:nvCxnSpPr>
+          <p:cNvPr id="37" name="직선 화살표 연결선 36">
+            <a:extLst>
+              <a:ext uri="{FF2B5EF4-FFF2-40B4-BE49-F238E27FC236}">
+                <a16:creationId xmlns:a16="http://schemas.microsoft.com/office/drawing/2014/main" id="{1A8559E0-BB7B-498E-81C5-E1B803048D10}"/>
+              </a:ext>
+            </a:extLst>
+          </p:cNvPr>
+          <p:cNvCxnSpPr>
+            <a:cxnSpLocks/>
+            <a:stCxn id="22" idx="2"/>
+            <a:endCxn id="11" idx="0"/>
+          </p:cNvCxnSpPr>
+          <p:nvPr/>
+        </p:nvCxnSpPr>
+        <p:spPr>
+          <a:xfrm flipH="1">
+            <a:off x="3068668" y="2270453"/>
+            <a:ext cx="3159516" cy="868245"/>
+          </a:xfrm>
+          <a:prstGeom prst="straightConnector1">
+            <a:avLst/>
+          </a:prstGeom>
+          <a:ln w="19050">
+            <a:solidFill>
+              <a:schemeClr val="accent3">
+                <a:lumMod val="75000"/>
+              </a:schemeClr>
+            </a:solidFill>
+            <a:headEnd type="none" w="med" len="med"/>
+            <a:tailEnd type="arrow" w="med" len="med"/>
+          </a:ln>
+        </p:spPr>
+        <p:style>
+          <a:lnRef idx="1">
+            <a:schemeClr val="accent1"/>
+          </a:lnRef>
+          <a:fillRef idx="0">
+            <a:schemeClr val="accent1"/>
+          </a:fillRef>
+          <a:effectRef idx="0">
+            <a:schemeClr val="accent1"/>
+          </a:effectRef>
+          <a:fontRef idx="minor">
+            <a:schemeClr val="tx1"/>
+          </a:fontRef>
+        </p:style>
+      </p:cxnSp>
+      <p:sp>
+        <p:nvSpPr>
+          <p:cNvPr id="40" name="TextBox 39">
+            <a:extLst>
+              <a:ext uri="{FF2B5EF4-FFF2-40B4-BE49-F238E27FC236}">
+                <a16:creationId xmlns:a16="http://schemas.microsoft.com/office/drawing/2014/main" id="{CA986F38-8E99-4A3C-9761-6D727CD90436}"/>
+              </a:ext>
+            </a:extLst>
+          </p:cNvPr>
+          <p:cNvSpPr txBox="1"/>
+          <p:nvPr/>
+        </p:nvSpPr>
+        <p:spPr>
+          <a:xfrm>
+            <a:off x="3322680" y="1302028"/>
+            <a:ext cx="1937650" cy="261610"/>
+          </a:xfrm>
+          <a:prstGeom prst="rect">
+            <a:avLst/>
+          </a:prstGeom>
+          <a:noFill/>
+        </p:spPr>
+        <p:txBody>
+          <a:bodyPr wrap="square" rtlCol="0" anchor="ctr">
+            <a:spAutoFit/>
+          </a:bodyPr>
+          <a:lstStyle/>
+          <a:p>
+            <a:pPr algn="ctr"/>
+            <a:r>
+              <a:rPr lang="en-US" altLang="ko-KR" sz="1100"/>
+              <a:t>Config </a:t>
+            </a:r>
+            <a:endParaRPr lang="ko-KR" altLang="en-US" sz="1100"/>
+          </a:p>
+        </p:txBody>
+      </p:sp>
+      <p:cxnSp>
+        <p:nvCxnSpPr>
+          <p:cNvPr id="41" name="직선 화살표 연결선 40">
+            <a:extLst>
+              <a:ext uri="{FF2B5EF4-FFF2-40B4-BE49-F238E27FC236}">
+                <a16:creationId xmlns:a16="http://schemas.microsoft.com/office/drawing/2014/main" id="{7AD3A802-D381-4ED5-8EB6-29CF31FBD044}"/>
+              </a:ext>
+            </a:extLst>
+          </p:cNvPr>
+          <p:cNvCxnSpPr>
+            <a:cxnSpLocks/>
+            <a:stCxn id="10" idx="2"/>
+            <a:endCxn id="2" idx="0"/>
+          </p:cNvCxnSpPr>
+          <p:nvPr/>
+        </p:nvCxnSpPr>
+        <p:spPr>
+          <a:xfrm>
+            <a:off x="4572000" y="1136016"/>
+            <a:ext cx="0" cy="567212"/>
           </a:xfrm>
           <a:prstGeom prst="straightConnector1">
             <a:avLst/>
@@ -4706,24 +4902,24 @@
       </p:cxnSp>
       <p:cxnSp>
         <p:nvCxnSpPr>
-          <p:cNvPr id="32" name="직선 화살표 연결선 31">
-            <a:extLst>
-              <a:ext uri="{FF2B5EF4-FFF2-40B4-BE49-F238E27FC236}">
-                <a16:creationId xmlns:a16="http://schemas.microsoft.com/office/drawing/2014/main" id="{8CB8C923-23AC-44F6-A907-979FD0A2671C}"/>
+          <p:cNvPr id="45" name="직선 화살표 연결선 44">
+            <a:extLst>
+              <a:ext uri="{FF2B5EF4-FFF2-40B4-BE49-F238E27FC236}">
+                <a16:creationId xmlns:a16="http://schemas.microsoft.com/office/drawing/2014/main" id="{241E5EE8-630C-4AC2-B5EF-5C4F70B3AABC}"/>
               </a:ext>
             </a:extLst>
           </p:cNvPr>
           <p:cNvCxnSpPr>
             <a:cxnSpLocks/>
-            <a:stCxn id="21" idx="2"/>
-            <a:endCxn id="14" idx="0"/>
+            <a:stCxn id="10" idx="2"/>
+            <a:endCxn id="21" idx="0"/>
           </p:cNvCxnSpPr>
           <p:nvPr/>
         </p:nvCxnSpPr>
         <p:spPr>
-          <a:xfrm>
-            <a:off x="2915816" y="2270453"/>
-            <a:ext cx="3169380" cy="868245"/>
+          <a:xfrm flipH="1">
+            <a:off x="2915816" y="1136016"/>
+            <a:ext cx="1656184" cy="769971"/>
           </a:xfrm>
           <a:prstGeom prst="straightConnector1">
             <a:avLst/>
@@ -4751,59 +4947,12 @@
           </a:fontRef>
         </p:style>
       </p:cxnSp>
-      <p:cxnSp>
-        <p:nvCxnSpPr>
-          <p:cNvPr id="37" name="직선 화살표 연결선 36">
-            <a:extLst>
-              <a:ext uri="{FF2B5EF4-FFF2-40B4-BE49-F238E27FC236}">
-                <a16:creationId xmlns:a16="http://schemas.microsoft.com/office/drawing/2014/main" id="{1A8559E0-BB7B-498E-81C5-E1B803048D10}"/>
-              </a:ext>
-            </a:extLst>
-          </p:cNvPr>
-          <p:cNvCxnSpPr>
-            <a:cxnSpLocks/>
-            <a:stCxn id="22" idx="2"/>
-            <a:endCxn id="11" idx="0"/>
-          </p:cNvCxnSpPr>
-          <p:nvPr/>
-        </p:nvCxnSpPr>
-        <p:spPr>
-          <a:xfrm flipH="1">
-            <a:off x="3068668" y="2270453"/>
-            <a:ext cx="3159516" cy="868245"/>
-          </a:xfrm>
-          <a:prstGeom prst="straightConnector1">
-            <a:avLst/>
-          </a:prstGeom>
-          <a:ln w="19050">
-            <a:solidFill>
-              <a:schemeClr val="tx1"/>
-            </a:solidFill>
-            <a:headEnd type="none" w="med" len="med"/>
-            <a:tailEnd type="arrow" w="med" len="med"/>
-          </a:ln>
-        </p:spPr>
-        <p:style>
-          <a:lnRef idx="1">
-            <a:schemeClr val="accent1"/>
-          </a:lnRef>
-          <a:fillRef idx="0">
-            <a:schemeClr val="accent1"/>
-          </a:fillRef>
-          <a:effectRef idx="0">
-            <a:schemeClr val="accent1"/>
-          </a:effectRef>
-          <a:fontRef idx="minor">
-            <a:schemeClr val="tx1"/>
-          </a:fontRef>
-        </p:style>
-      </p:cxnSp>
-      <p:sp>
-        <p:nvSpPr>
-          <p:cNvPr id="40" name="TextBox 39">
-            <a:extLst>
-              <a:ext uri="{FF2B5EF4-FFF2-40B4-BE49-F238E27FC236}">
-                <a16:creationId xmlns:a16="http://schemas.microsoft.com/office/drawing/2014/main" id="{CA986F38-8E99-4A3C-9761-6D727CD90436}"/>
+      <p:sp>
+        <p:nvSpPr>
+          <p:cNvPr id="48" name="TextBox 47">
+            <a:extLst>
+              <a:ext uri="{FF2B5EF4-FFF2-40B4-BE49-F238E27FC236}">
+                <a16:creationId xmlns:a16="http://schemas.microsoft.com/office/drawing/2014/main" id="{32A6DA01-6CF3-428C-B318-828BF9D4A40C}"/>
               </a:ext>
             </a:extLst>
           </p:cNvPr>
@@ -4812,8 +4961,8 @@
         </p:nvSpPr>
         <p:spPr>
           <a:xfrm>
-            <a:off x="3322680" y="1302028"/>
-            <a:ext cx="1937650" cy="261610"/>
+            <a:off x="1563092" y="2283717"/>
+            <a:ext cx="1857834" cy="430887"/>
           </a:xfrm>
           <a:prstGeom prst="rect">
             <a:avLst/>
@@ -4828,113 +4977,38 @@
           <a:p>
             <a:pPr algn="ctr"/>
             <a:r>
-              <a:rPr lang="en-US" altLang="ko-KR" sz="1100"/>
-              <a:t>Config </a:t>
-            </a:r>
-            <a:endParaRPr lang="ko-KR" altLang="en-US" sz="1100"/>
-          </a:p>
-        </p:txBody>
-      </p:sp>
-      <p:cxnSp>
-        <p:nvCxnSpPr>
-          <p:cNvPr id="41" name="직선 화살표 연결선 40">
-            <a:extLst>
-              <a:ext uri="{FF2B5EF4-FFF2-40B4-BE49-F238E27FC236}">
-                <a16:creationId xmlns:a16="http://schemas.microsoft.com/office/drawing/2014/main" id="{7AD3A802-D381-4ED5-8EB6-29CF31FBD044}"/>
-              </a:ext>
-            </a:extLst>
-          </p:cNvPr>
-          <p:cNvCxnSpPr>
-            <a:cxnSpLocks/>
-            <a:stCxn id="10" idx="2"/>
-            <a:endCxn id="2" idx="0"/>
-          </p:cNvCxnSpPr>
-          <p:nvPr/>
-        </p:nvCxnSpPr>
-        <p:spPr>
-          <a:xfrm>
-            <a:off x="4572000" y="1136016"/>
-            <a:ext cx="0" cy="567212"/>
-          </a:xfrm>
-          <a:prstGeom prst="straightConnector1">
-            <a:avLst/>
-          </a:prstGeom>
-          <a:ln w="19050">
-            <a:solidFill>
-              <a:schemeClr val="tx1"/>
-            </a:solidFill>
-            <a:headEnd type="none" w="med" len="med"/>
-            <a:tailEnd type="arrow" w="med" len="med"/>
-          </a:ln>
-        </p:spPr>
-        <p:style>
-          <a:lnRef idx="1">
-            <a:schemeClr val="accent1"/>
-          </a:lnRef>
-          <a:fillRef idx="0">
-            <a:schemeClr val="accent1"/>
-          </a:fillRef>
-          <a:effectRef idx="0">
-            <a:schemeClr val="accent1"/>
-          </a:effectRef>
-          <a:fontRef idx="minor">
-            <a:schemeClr val="tx1"/>
-          </a:fontRef>
-        </p:style>
-      </p:cxnSp>
-      <p:cxnSp>
-        <p:nvCxnSpPr>
-          <p:cNvPr id="45" name="직선 화살표 연결선 44">
-            <a:extLst>
-              <a:ext uri="{FF2B5EF4-FFF2-40B4-BE49-F238E27FC236}">
-                <a16:creationId xmlns:a16="http://schemas.microsoft.com/office/drawing/2014/main" id="{241E5EE8-630C-4AC2-B5EF-5C4F70B3AABC}"/>
-              </a:ext>
-            </a:extLst>
-          </p:cNvPr>
-          <p:cNvCxnSpPr>
-            <a:cxnSpLocks/>
-            <a:stCxn id="10" idx="2"/>
-            <a:endCxn id="21" idx="0"/>
-          </p:cNvCxnSpPr>
-          <p:nvPr/>
-        </p:nvCxnSpPr>
-        <p:spPr>
-          <a:xfrm flipH="1">
-            <a:off x="2915816" y="1136016"/>
-            <a:ext cx="1656184" cy="769971"/>
-          </a:xfrm>
-          <a:prstGeom prst="straightConnector1">
-            <a:avLst/>
-          </a:prstGeom>
-          <a:ln w="19050">
-            <a:solidFill>
-              <a:schemeClr val="tx1"/>
-            </a:solidFill>
-            <a:headEnd type="none" w="med" len="med"/>
-            <a:tailEnd type="arrow" w="med" len="med"/>
-          </a:ln>
-        </p:spPr>
-        <p:style>
-          <a:lnRef idx="1">
-            <a:schemeClr val="accent1"/>
-          </a:lnRef>
-          <a:fillRef idx="0">
-            <a:schemeClr val="accent1"/>
-          </a:fillRef>
-          <a:effectRef idx="0">
-            <a:schemeClr val="accent1"/>
-          </a:effectRef>
-          <a:fontRef idx="minor">
-            <a:schemeClr val="tx1"/>
-          </a:fontRef>
-        </p:style>
-      </p:cxnSp>
-      <p:sp>
-        <p:nvSpPr>
-          <p:cNvPr id="48" name="TextBox 47">
-            <a:extLst>
-              <a:ext uri="{FF2B5EF4-FFF2-40B4-BE49-F238E27FC236}">
-                <a16:creationId xmlns:a16="http://schemas.microsoft.com/office/drawing/2014/main" id="{32A6DA01-6CF3-428C-B318-828BF9D4A40C}"/>
+              <a:rPr lang="en-US" altLang="ko-KR" sz="1100">
+                <a:solidFill>
+                  <a:srgbClr val="C00000"/>
+                </a:solidFill>
+              </a:rPr>
+              <a:t>Service Info,</a:t>
+            </a:r>
+          </a:p>
+          <a:p>
+            <a:pPr algn="ctr"/>
+            <a:r>
+              <a:rPr lang="en-US" altLang="ko-KR" sz="1100">
+                <a:solidFill>
+                  <a:srgbClr val="C00000"/>
+                </a:solidFill>
+              </a:rPr>
+              <a:t>Routing Info</a:t>
+            </a:r>
+            <a:endParaRPr lang="ko-KR" altLang="en-US" sz="1100">
+              <a:solidFill>
+                <a:srgbClr val="C00000"/>
+              </a:solidFill>
+            </a:endParaRPr>
+          </a:p>
+        </p:txBody>
+      </p:sp>
+      <p:sp>
+        <p:nvSpPr>
+          <p:cNvPr id="49" name="TextBox 48">
+            <a:extLst>
+              <a:ext uri="{FF2B5EF4-FFF2-40B4-BE49-F238E27FC236}">
+                <a16:creationId xmlns:a16="http://schemas.microsoft.com/office/drawing/2014/main" id="{24A20AA7-25C9-453E-B64D-59058FB36796}"/>
               </a:ext>
             </a:extLst>
           </p:cNvPr>
@@ -4943,8 +5017,8 @@
         </p:nvSpPr>
         <p:spPr>
           <a:xfrm>
-            <a:off x="1563092" y="2283717"/>
-            <a:ext cx="1857834" cy="430887"/>
+            <a:off x="5802702" y="2262776"/>
+            <a:ext cx="1503332" cy="261610"/>
           </a:xfrm>
           <a:prstGeom prst="rect">
             <a:avLst/>
@@ -4959,54 +5033,22 @@
           <a:p>
             <a:pPr algn="ctr"/>
             <a:r>
-              <a:rPr lang="en-US" altLang="ko-KR" sz="1100"/>
-              <a:t>Service Info,</a:t>
-            </a:r>
-          </a:p>
-          <a:p>
-            <a:pPr algn="ctr"/>
-            <a:r>
-              <a:rPr lang="en-US" altLang="ko-KR" sz="1100"/>
-              <a:t>Routing Info</a:t>
-            </a:r>
-            <a:endParaRPr lang="ko-KR" altLang="en-US" sz="1100"/>
-          </a:p>
-        </p:txBody>
-      </p:sp>
-      <p:sp>
-        <p:nvSpPr>
-          <p:cNvPr id="49" name="TextBox 48">
-            <a:extLst>
-              <a:ext uri="{FF2B5EF4-FFF2-40B4-BE49-F238E27FC236}">
-                <a16:creationId xmlns:a16="http://schemas.microsoft.com/office/drawing/2014/main" id="{24A20AA7-25C9-453E-B64D-59058FB36796}"/>
-              </a:ext>
-            </a:extLst>
-          </p:cNvPr>
-          <p:cNvSpPr txBox="1"/>
-          <p:nvPr/>
-        </p:nvSpPr>
-        <p:spPr>
-          <a:xfrm>
-            <a:off x="5802702" y="2262776"/>
-            <a:ext cx="1503332" cy="261610"/>
-          </a:xfrm>
-          <a:prstGeom prst="rect">
-            <a:avLst/>
-          </a:prstGeom>
-          <a:noFill/>
-        </p:spPr>
-        <p:txBody>
-          <a:bodyPr wrap="square" rtlCol="0" anchor="ctr">
-            <a:spAutoFit/>
-          </a:bodyPr>
-          <a:lstStyle/>
-          <a:p>
-            <a:pPr algn="ctr"/>
-            <a:r>
-              <a:rPr lang="en-US" altLang="ko-KR" sz="1100"/>
+              <a:rPr lang="en-US" altLang="ko-KR" sz="1100">
+                <a:solidFill>
+                  <a:schemeClr val="accent3">
+                    <a:lumMod val="75000"/>
+                  </a:schemeClr>
+                </a:solidFill>
+              </a:rPr>
               <a:t>TLS Cert</a:t>
             </a:r>
-            <a:endParaRPr lang="ko-KR" altLang="en-US" sz="1100"/>
+            <a:endParaRPr lang="ko-KR" altLang="en-US" sz="1100">
+              <a:solidFill>
+                <a:schemeClr val="accent3">
+                  <a:lumMod val="75000"/>
+                </a:schemeClr>
+              </a:solidFill>
+            </a:endParaRPr>
           </a:p>
         </p:txBody>
       </p:sp>
@@ -5036,7 +5078,7 @@
           </a:prstGeom>
           <a:ln w="19050">
             <a:solidFill>
-              <a:schemeClr val="tx1"/>
+              <a:schemeClr val="tx2"/>
             </a:solidFill>
             <a:headEnd type="arrow" w="med" len="med"/>
             <a:tailEnd type="arrow" w="med" len="med"/>
@@ -5083,7 +5125,7 @@
           </a:prstGeom>
           <a:ln w="19050">
             <a:solidFill>
-              <a:schemeClr val="tx1"/>
+              <a:schemeClr val="tx2"/>
             </a:solidFill>
             <a:headEnd type="arrow" w="med" len="med"/>
             <a:tailEnd type="arrow" w="med" len="med"/>
@@ -5134,17 +5176,29 @@
           <a:p>
             <a:pPr algn="ctr"/>
             <a:r>
-              <a:rPr lang="en-US" altLang="ko-KR" sz="1100"/>
+              <a:rPr lang="en-US" altLang="ko-KR" sz="1100">
+                <a:solidFill>
+                  <a:schemeClr val="tx2"/>
+                </a:solidFill>
+              </a:rPr>
               <a:t>Policy, </a:t>
             </a:r>
           </a:p>
           <a:p>
             <a:pPr algn="ctr"/>
             <a:r>
-              <a:rPr lang="en-US" altLang="ko-KR" sz="1100"/>
+              <a:rPr lang="en-US" altLang="ko-KR" sz="1100">
+                <a:solidFill>
+                  <a:schemeClr val="tx2"/>
+                </a:solidFill>
+              </a:rPr>
               <a:t>Metric</a:t>
             </a:r>
-            <a:endParaRPr lang="ko-KR" altLang="en-US" sz="1100"/>
+            <a:endParaRPr lang="ko-KR" altLang="en-US" sz="1100">
+              <a:solidFill>
+                <a:schemeClr val="tx2"/>
+              </a:solidFill>
+            </a:endParaRPr>
           </a:p>
         </p:txBody>
       </p:sp>
@@ -5732,8 +5786,8 @@
         </p:nvSpPr>
         <p:spPr>
           <a:xfrm>
-            <a:off x="2267742" y="3032494"/>
-            <a:ext cx="1584178" cy="1555480"/>
+            <a:off x="2267742" y="3032493"/>
+            <a:ext cx="1584178" cy="1699485"/>
           </a:xfrm>
           <a:prstGeom prst="roundRect">
             <a:avLst>
@@ -5831,7 +5885,7 @@
         <p:spPr>
           <a:xfrm>
             <a:off x="2379512" y="3138698"/>
-            <a:ext cx="1378311" cy="364466"/>
+            <a:ext cx="1378311" cy="430822"/>
           </a:xfrm>
           <a:prstGeom prst="roundRect">
             <a:avLst/>
@@ -5860,6 +5914,13 @@
               <a:rPr lang="en-US" altLang="ko-KR" sz="1400"/>
               <a:t>Envoy Sidecar</a:t>
             </a:r>
+          </a:p>
+          <a:p>
+            <a:pPr algn="ctr"/>
+            <a:r>
+              <a:rPr lang="en-US" altLang="ko-KR" sz="1400"/>
+              <a:t>Container</a:t>
+            </a:r>
             <a:endParaRPr lang="ko-KR" altLang="en-US" sz="1400"/>
           </a:p>
         </p:txBody>
@@ -5878,8 +5939,8 @@
         </p:nvSpPr>
         <p:spPr>
           <a:xfrm>
-            <a:off x="2379512" y="3723877"/>
-            <a:ext cx="1378311" cy="504056"/>
+            <a:off x="2379512" y="3795886"/>
+            <a:ext cx="1378311" cy="648072"/>
           </a:xfrm>
           <a:prstGeom prst="roundRect">
             <a:avLst>
@@ -5908,7 +5969,7 @@
             <a:pPr algn="ctr"/>
             <a:r>
               <a:rPr lang="en-US" altLang="ko-KR" sz="1400"/>
-              <a:t>Service A</a:t>
+              <a:t>App Container (Service)</a:t>
             </a:r>
             <a:endParaRPr lang="ko-KR" altLang="en-US" sz="1400"/>
           </a:p>
@@ -5928,8 +5989,8 @@
         </p:nvSpPr>
         <p:spPr>
           <a:xfrm>
-            <a:off x="5292080" y="3032494"/>
-            <a:ext cx="1584178" cy="1555480"/>
+            <a:off x="5292080" y="3032493"/>
+            <a:ext cx="1584178" cy="1699485"/>
           </a:xfrm>
           <a:prstGeom prst="roundRect">
             <a:avLst>
@@ -5979,7 +6040,7 @@
         <p:spPr>
           <a:xfrm>
             <a:off x="5396040" y="3138698"/>
-            <a:ext cx="1378311" cy="364466"/>
+            <a:ext cx="1378311" cy="430822"/>
           </a:xfrm>
           <a:prstGeom prst="roundRect">
             <a:avLst/>
@@ -6008,6 +6069,13 @@
               <a:rPr lang="en-US" altLang="ko-KR" sz="1400"/>
               <a:t>Envoy Sidecar</a:t>
             </a:r>
+          </a:p>
+          <a:p>
+            <a:pPr algn="ctr"/>
+            <a:r>
+              <a:rPr lang="en-US" altLang="ko-KR" sz="1400"/>
+              <a:t>Container</a:t>
+            </a:r>
             <a:endParaRPr lang="ko-KR" altLang="en-US" sz="1400"/>
           </a:p>
         </p:txBody>
@@ -6026,8 +6094,8 @@
         </p:nvSpPr>
         <p:spPr>
           <a:xfrm>
-            <a:off x="5396040" y="3723877"/>
-            <a:ext cx="1378311" cy="504056"/>
+            <a:off x="5396040" y="3795886"/>
+            <a:ext cx="1378311" cy="648072"/>
           </a:xfrm>
           <a:prstGeom prst="roundRect">
             <a:avLst>
@@ -6056,7 +6124,7 @@
             <a:pPr algn="ctr"/>
             <a:r>
               <a:rPr lang="en-US" altLang="ko-KR" sz="1400"/>
-              <a:t>Service B</a:t>
+              <a:t>App Container (Service)</a:t>
             </a:r>
             <a:endParaRPr lang="ko-KR" altLang="en-US" sz="1400"/>
           </a:p>
@@ -6080,7 +6148,7 @@
         </p:nvCxnSpPr>
         <p:spPr>
           <a:xfrm>
-            <a:off x="3757823" y="3320931"/>
+            <a:off x="3757823" y="3354109"/>
             <a:ext cx="1638217" cy="0"/>
           </a:xfrm>
           <a:prstGeom prst="straightConnector1">
@@ -6171,8 +6239,8 @@
         </p:nvCxnSpPr>
         <p:spPr>
           <a:xfrm>
-            <a:off x="3068668" y="3503164"/>
-            <a:ext cx="0" cy="220713"/>
+            <a:off x="3068668" y="3569520"/>
+            <a:ext cx="0" cy="226366"/>
           </a:xfrm>
           <a:prstGeom prst="straightConnector1">
             <a:avLst/>
@@ -6218,8 +6286,8 @@
         </p:nvCxnSpPr>
         <p:spPr>
           <a:xfrm>
-            <a:off x="6085196" y="3503164"/>
-            <a:ext cx="0" cy="220713"/>
+            <a:off x="6085196" y="3569520"/>
+            <a:ext cx="0" cy="226366"/>
           </a:xfrm>
           <a:prstGeom prst="straightConnector1">
             <a:avLst/>
@@ -6271,7 +6339,7 @@
           </a:prstGeom>
           <a:ln w="19050">
             <a:solidFill>
-              <a:schemeClr val="tx1"/>
+              <a:srgbClr val="C00000"/>
             </a:solidFill>
             <a:headEnd type="none" w="med" len="med"/>
             <a:tailEnd type="arrow" w="med" len="med"/>
@@ -6322,17 +6390,29 @@
           <a:p>
             <a:pPr algn="ctr"/>
             <a:r>
-              <a:rPr lang="en-US" altLang="ko-KR" sz="1100"/>
+              <a:rPr lang="en-US" altLang="ko-KR" sz="1100">
+                <a:solidFill>
+                  <a:srgbClr val="C00000"/>
+                </a:solidFill>
+              </a:rPr>
               <a:t>Service Info, Routing Info,</a:t>
             </a:r>
           </a:p>
           <a:p>
             <a:pPr algn="ctr"/>
             <a:r>
-              <a:rPr lang="en-US" altLang="ko-KR" sz="1100"/>
+              <a:rPr lang="en-US" altLang="ko-KR" sz="1100">
+                <a:solidFill>
+                  <a:srgbClr val="C00000"/>
+                </a:solidFill>
+              </a:rPr>
               <a:t>Policy, TLS Cert</a:t>
             </a:r>
-            <a:endParaRPr lang="ko-KR" altLang="en-US" sz="1100"/>
+            <a:endParaRPr lang="ko-KR" altLang="en-US" sz="1100">
+              <a:solidFill>
+                <a:srgbClr val="C00000"/>
+              </a:solidFill>
+            </a:endParaRPr>
           </a:p>
         </p:txBody>
       </p:sp>
@@ -6454,7 +6534,7 @@
           </a:prstGeom>
           <a:ln w="19050">
             <a:solidFill>
-              <a:schemeClr val="tx1"/>
+              <a:srgbClr val="C00000"/>
             </a:solidFill>
             <a:headEnd type="none" w="med" len="med"/>
             <a:tailEnd type="none" w="med" len="med"/>
@@ -6499,7 +6579,7 @@
           </a:prstGeom>
           <a:ln w="19050">
             <a:solidFill>
-              <a:schemeClr val="tx1"/>
+              <a:srgbClr val="C00000"/>
             </a:solidFill>
             <a:headEnd type="none" w="med" len="med"/>
             <a:tailEnd type="arrow" w="med" len="med"/>
@@ -6545,7 +6625,7 @@
           </a:prstGeom>
           <a:ln w="19050">
             <a:solidFill>
-              <a:schemeClr val="tx1"/>
+              <a:srgbClr val="C00000"/>
             </a:solidFill>
             <a:headEnd type="none" w="med" len="med"/>
             <a:tailEnd type="none" w="med" len="med"/>
@@ -6590,7 +6670,7 @@
           </a:prstGeom>
           <a:ln w="19050">
             <a:solidFill>
-              <a:schemeClr val="tx1"/>
+              <a:schemeClr val="tx2"/>
             </a:solidFill>
             <a:headEnd type="none" w="med" len="med"/>
             <a:tailEnd type="none" w="med" len="med"/>
@@ -6635,7 +6715,7 @@
           </a:prstGeom>
           <a:ln w="19050">
             <a:solidFill>
-              <a:schemeClr val="tx1"/>
+              <a:schemeClr val="tx2"/>
             </a:solidFill>
             <a:headEnd type="none" w="med" len="med"/>
             <a:tailEnd type="none" w="med" len="med"/>
@@ -6680,7 +6760,7 @@
           </a:prstGeom>
           <a:ln w="19050">
             <a:solidFill>
-              <a:schemeClr val="tx1"/>
+              <a:schemeClr val="tx2"/>
             </a:solidFill>
             <a:headEnd type="none" w="med" len="med"/>
             <a:tailEnd type="none" w="med" len="med"/>
@@ -6725,7 +6805,7 @@
           </a:prstGeom>
           <a:ln w="19050">
             <a:solidFill>
-              <a:schemeClr val="tx1"/>
+              <a:schemeClr val="tx2"/>
             </a:solidFill>
             <a:headEnd type="none" w="med" len="med"/>
             <a:tailEnd type="none" w="med" len="med"/>
@@ -6771,7 +6851,7 @@
           </a:prstGeom>
           <a:ln w="19050">
             <a:solidFill>
-              <a:schemeClr val="tx1"/>
+              <a:schemeClr val="tx2"/>
             </a:solidFill>
             <a:headEnd type="none" w="med" len="med"/>
             <a:tailEnd type="arrow" w="med" len="med"/>
@@ -6817,7 +6897,7 @@
           </a:prstGeom>
           <a:ln w="19050">
             <a:solidFill>
-              <a:schemeClr val="tx1"/>
+              <a:schemeClr val="tx2"/>
             </a:solidFill>
             <a:headEnd type="none" w="med" len="med"/>
             <a:tailEnd type="arrow" w="med" len="med"/>
@@ -6868,10 +6948,18 @@
           <a:p>
             <a:pPr algn="ctr"/>
             <a:r>
-              <a:rPr lang="en-US" altLang="ko-KR" sz="1100"/>
+              <a:rPr lang="en-US" altLang="ko-KR" sz="1100">
+                <a:solidFill>
+                  <a:schemeClr val="tx2"/>
+                </a:solidFill>
+              </a:rPr>
               <a:t>Metric</a:t>
             </a:r>
-            <a:endParaRPr lang="ko-KR" altLang="en-US" sz="1100"/>
+            <a:endParaRPr lang="ko-KR" altLang="en-US" sz="1100">
+              <a:solidFill>
+                <a:schemeClr val="tx2"/>
+              </a:solidFill>
+            </a:endParaRPr>
           </a:p>
         </p:txBody>
       </p:sp>

--- a/images/theory_analysis/Istio_Architecture/Istio_Architecture.pptx
+++ b/images/theory_analysis/Istio_Architecture/Istio_Architecture.pptx
@@ -271,7 +271,7 @@
           <a:p>
             <a:fld id="{6CD5550B-26C4-49A9-A5BA-636EF7BE6CE9}" type="datetimeFigureOut">
               <a:rPr lang="ko-KR" altLang="en-US" smtClean="0"/>
-              <a:t>2020-12-31</a:t>
+              <a:t>2021-01-02</a:t>
             </a:fld>
             <a:endParaRPr lang="ko-KR" altLang="en-US"/>
           </a:p>
@@ -1053,7 +1053,7 @@
           <a:p>
             <a:fld id="{FB30EDBD-1C2D-4C1E-B459-B60219FAB484}" type="datetimeFigureOut">
               <a:rPr lang="ko-KR" altLang="en-US" smtClean="0"/>
-              <a:t>2020-12-31</a:t>
+              <a:t>2021-01-02</a:t>
             </a:fld>
             <a:endParaRPr lang="ko-KR" altLang="en-US"/>
           </a:p>
@@ -1216,7 +1216,7 @@
           <a:p>
             <a:fld id="{FB30EDBD-1C2D-4C1E-B459-B60219FAB484}" type="datetimeFigureOut">
               <a:rPr lang="ko-KR" altLang="en-US" smtClean="0"/>
-              <a:t>2020-12-31</a:t>
+              <a:t>2021-01-02</a:t>
             </a:fld>
             <a:endParaRPr lang="ko-KR" altLang="en-US"/>
           </a:p>
@@ -1389,7 +1389,7 @@
           <a:p>
             <a:fld id="{FB30EDBD-1C2D-4C1E-B459-B60219FAB484}" type="datetimeFigureOut">
               <a:rPr lang="ko-KR" altLang="en-US" smtClean="0"/>
-              <a:t>2020-12-31</a:t>
+              <a:t>2021-01-02</a:t>
             </a:fld>
             <a:endParaRPr lang="ko-KR" altLang="en-US"/>
           </a:p>
@@ -1552,7 +1552,7 @@
           <a:p>
             <a:fld id="{FB30EDBD-1C2D-4C1E-B459-B60219FAB484}" type="datetimeFigureOut">
               <a:rPr lang="ko-KR" altLang="en-US" smtClean="0"/>
-              <a:t>2020-12-31</a:t>
+              <a:t>2021-01-02</a:t>
             </a:fld>
             <a:endParaRPr lang="ko-KR" altLang="en-US"/>
           </a:p>
@@ -1792,7 +1792,7 @@
           <a:p>
             <a:fld id="{FB30EDBD-1C2D-4C1E-B459-B60219FAB484}" type="datetimeFigureOut">
               <a:rPr lang="ko-KR" altLang="en-US" smtClean="0"/>
-              <a:t>2020-12-31</a:t>
+              <a:t>2021-01-02</a:t>
             </a:fld>
             <a:endParaRPr lang="ko-KR" altLang="en-US"/>
           </a:p>
@@ -2072,7 +2072,7 @@
           <a:p>
             <a:fld id="{FB30EDBD-1C2D-4C1E-B459-B60219FAB484}" type="datetimeFigureOut">
               <a:rPr lang="ko-KR" altLang="en-US" smtClean="0"/>
-              <a:t>2020-12-31</a:t>
+              <a:t>2021-01-02</a:t>
             </a:fld>
             <a:endParaRPr lang="ko-KR" altLang="en-US"/>
           </a:p>
@@ -2486,7 +2486,7 @@
           <a:p>
             <a:fld id="{FB30EDBD-1C2D-4C1E-B459-B60219FAB484}" type="datetimeFigureOut">
               <a:rPr lang="ko-KR" altLang="en-US" smtClean="0"/>
-              <a:t>2020-12-31</a:t>
+              <a:t>2021-01-02</a:t>
             </a:fld>
             <a:endParaRPr lang="ko-KR" altLang="en-US"/>
           </a:p>
@@ -2598,7 +2598,7 @@
           <a:p>
             <a:fld id="{FB30EDBD-1C2D-4C1E-B459-B60219FAB484}" type="datetimeFigureOut">
               <a:rPr lang="ko-KR" altLang="en-US" smtClean="0"/>
-              <a:t>2020-12-31</a:t>
+              <a:t>2021-01-02</a:t>
             </a:fld>
             <a:endParaRPr lang="ko-KR" altLang="en-US"/>
           </a:p>
@@ -2688,7 +2688,7 @@
           <a:p>
             <a:fld id="{FB30EDBD-1C2D-4C1E-B459-B60219FAB484}" type="datetimeFigureOut">
               <a:rPr lang="ko-KR" altLang="en-US" smtClean="0"/>
-              <a:t>2020-12-31</a:t>
+              <a:t>2021-01-02</a:t>
             </a:fld>
             <a:endParaRPr lang="ko-KR" altLang="en-US"/>
           </a:p>
@@ -2958,7 +2958,7 @@
           <a:p>
             <a:fld id="{FB30EDBD-1C2D-4C1E-B459-B60219FAB484}" type="datetimeFigureOut">
               <a:rPr lang="ko-KR" altLang="en-US" smtClean="0"/>
-              <a:t>2020-12-31</a:t>
+              <a:t>2021-01-02</a:t>
             </a:fld>
             <a:endParaRPr lang="ko-KR" altLang="en-US"/>
           </a:p>
@@ -3205,7 +3205,7 @@
           <a:p>
             <a:fld id="{FB30EDBD-1C2D-4C1E-B459-B60219FAB484}" type="datetimeFigureOut">
               <a:rPr lang="ko-KR" altLang="en-US" smtClean="0"/>
-              <a:t>2020-12-31</a:t>
+              <a:t>2021-01-02</a:t>
             </a:fld>
             <a:endParaRPr lang="ko-KR" altLang="en-US"/>
           </a:p>
@@ -3411,7 +3411,7 @@
           <a:p>
             <a:fld id="{FB30EDBD-1C2D-4C1E-B459-B60219FAB484}" type="datetimeFigureOut">
               <a:rPr lang="ko-KR" altLang="en-US" smtClean="0"/>
-              <a:t>2020-12-31</a:t>
+              <a:t>2021-01-02</a:t>
             </a:fld>
             <a:endParaRPr lang="ko-KR" altLang="en-US"/>
           </a:p>
@@ -3793,7 +3793,7 @@
         </p:nvSpPr>
         <p:spPr>
           <a:xfrm>
-            <a:off x="457200" y="-20538"/>
+            <a:off x="457200" y="-236562"/>
             <a:ext cx="8229600" cy="857250"/>
           </a:xfrm>
         </p:spPr>
@@ -3863,7 +3863,14 @@
               <a:rPr lang="en-US" altLang="ko-KR" sz="1400"/>
               <a:t>Istio Mixer</a:t>
             </a:r>
-            <a:endParaRPr lang="ko-KR" altLang="en-US" sz="1400"/>
+          </a:p>
+          <a:p>
+            <a:pPr algn="ctr"/>
+            <a:r>
+              <a:rPr lang="en-US" altLang="ko-KR" sz="1100"/>
+              <a:t>(telemetry)</a:t>
+            </a:r>
+            <a:endParaRPr lang="ko-KR" altLang="en-US" sz="1100"/>
           </a:p>
         </p:txBody>
       </p:sp>
@@ -4083,6 +4090,603 @@
       </p:sp>
       <p:sp>
         <p:nvSpPr>
+          <p:cNvPr id="10" name="사각형: 둥근 모서리 9">
+            <a:extLst>
+              <a:ext uri="{FF2B5EF4-FFF2-40B4-BE49-F238E27FC236}">
+                <a16:creationId xmlns:a16="http://schemas.microsoft.com/office/drawing/2014/main" id="{61193B69-8AE4-46C8-8DE5-9DC6FFEAD8BA}"/>
+              </a:ext>
+            </a:extLst>
+          </p:cNvPr>
+          <p:cNvSpPr/>
+          <p:nvPr/>
+        </p:nvSpPr>
+        <p:spPr>
+          <a:xfrm>
+            <a:off x="3923928" y="771550"/>
+            <a:ext cx="1296144" cy="364466"/>
+          </a:xfrm>
+          <a:prstGeom prst="roundRect">
+            <a:avLst/>
+          </a:prstGeom>
+        </p:spPr>
+        <p:style>
+          <a:lnRef idx="2">
+            <a:schemeClr val="dk1"/>
+          </a:lnRef>
+          <a:fillRef idx="1">
+            <a:schemeClr val="lt1"/>
+          </a:fillRef>
+          <a:effectRef idx="0">
+            <a:schemeClr val="dk1"/>
+          </a:effectRef>
+          <a:fontRef idx="minor">
+            <a:schemeClr val="dk1"/>
+          </a:fontRef>
+        </p:style>
+        <p:txBody>
+          <a:bodyPr rtlCol="0" anchor="ctr"/>
+          <a:lstStyle/>
+          <a:p>
+            <a:pPr algn="ctr"/>
+            <a:r>
+              <a:rPr lang="en-US" altLang="ko-KR" sz="1400"/>
+              <a:t>Istio Gallery</a:t>
+            </a:r>
+            <a:endParaRPr lang="ko-KR" altLang="en-US" sz="1400"/>
+          </a:p>
+        </p:txBody>
+      </p:sp>
+      <p:sp>
+        <p:nvSpPr>
+          <p:cNvPr id="18" name="TextBox 17">
+            <a:extLst>
+              <a:ext uri="{FF2B5EF4-FFF2-40B4-BE49-F238E27FC236}">
+                <a16:creationId xmlns:a16="http://schemas.microsoft.com/office/drawing/2014/main" id="{84669EE0-4BA2-435A-9F05-ACD4C5D654A3}"/>
+              </a:ext>
+            </a:extLst>
+          </p:cNvPr>
+          <p:cNvSpPr txBox="1"/>
+          <p:nvPr/>
+        </p:nvSpPr>
+        <p:spPr>
+          <a:xfrm>
+            <a:off x="3603175" y="3674720"/>
+            <a:ext cx="1937650" cy="430887"/>
+          </a:xfrm>
+          <a:prstGeom prst="rect">
+            <a:avLst/>
+          </a:prstGeom>
+          <a:noFill/>
+        </p:spPr>
+        <p:txBody>
+          <a:bodyPr wrap="square" rtlCol="0" anchor="ctr">
+            <a:spAutoFit/>
+          </a:bodyPr>
+          <a:lstStyle/>
+          <a:p>
+            <a:pPr algn="ctr"/>
+            <a:r>
+              <a:rPr lang="en-US" altLang="ko-KR" sz="1100"/>
+              <a:t>HTTP/1.1, HTTP/2 </a:t>
+            </a:r>
+          </a:p>
+          <a:p>
+            <a:pPr algn="ctr"/>
+            <a:r>
+              <a:rPr lang="en-US" altLang="ko-KR" sz="1100"/>
+              <a:t>gRPC, TCP (with TLS)</a:t>
+            </a:r>
+            <a:endParaRPr lang="ko-KR" altLang="en-US" sz="1100"/>
+          </a:p>
+        </p:txBody>
+      </p:sp>
+      <p:sp>
+        <p:nvSpPr>
+          <p:cNvPr id="40" name="TextBox 39">
+            <a:extLst>
+              <a:ext uri="{FF2B5EF4-FFF2-40B4-BE49-F238E27FC236}">
+                <a16:creationId xmlns:a16="http://schemas.microsoft.com/office/drawing/2014/main" id="{CA986F38-8E99-4A3C-9761-6D727CD90436}"/>
+              </a:ext>
+            </a:extLst>
+          </p:cNvPr>
+          <p:cNvSpPr txBox="1"/>
+          <p:nvPr/>
+        </p:nvSpPr>
+        <p:spPr>
+          <a:xfrm>
+            <a:off x="3322680" y="1302028"/>
+            <a:ext cx="1937650" cy="261610"/>
+          </a:xfrm>
+          <a:prstGeom prst="rect">
+            <a:avLst/>
+          </a:prstGeom>
+          <a:noFill/>
+        </p:spPr>
+        <p:txBody>
+          <a:bodyPr wrap="square" rtlCol="0" anchor="ctr">
+            <a:spAutoFit/>
+          </a:bodyPr>
+          <a:lstStyle/>
+          <a:p>
+            <a:pPr algn="ctr"/>
+            <a:r>
+              <a:rPr lang="en-US" altLang="ko-KR" sz="1100"/>
+              <a:t>Config </a:t>
+            </a:r>
+            <a:endParaRPr lang="ko-KR" altLang="en-US" sz="1100"/>
+          </a:p>
+        </p:txBody>
+      </p:sp>
+      <p:cxnSp>
+        <p:nvCxnSpPr>
+          <p:cNvPr id="41" name="직선 화살표 연결선 40">
+            <a:extLst>
+              <a:ext uri="{FF2B5EF4-FFF2-40B4-BE49-F238E27FC236}">
+                <a16:creationId xmlns:a16="http://schemas.microsoft.com/office/drawing/2014/main" id="{7AD3A802-D381-4ED5-8EB6-29CF31FBD044}"/>
+              </a:ext>
+            </a:extLst>
+          </p:cNvPr>
+          <p:cNvCxnSpPr>
+            <a:cxnSpLocks/>
+            <a:stCxn id="10" idx="2"/>
+            <a:endCxn id="2" idx="0"/>
+          </p:cNvCxnSpPr>
+          <p:nvPr/>
+        </p:nvCxnSpPr>
+        <p:spPr>
+          <a:xfrm>
+            <a:off x="4572000" y="1136016"/>
+            <a:ext cx="0" cy="567212"/>
+          </a:xfrm>
+          <a:prstGeom prst="straightConnector1">
+            <a:avLst/>
+          </a:prstGeom>
+          <a:ln w="19050">
+            <a:solidFill>
+              <a:schemeClr val="tx1"/>
+            </a:solidFill>
+            <a:headEnd type="none" w="med" len="med"/>
+            <a:tailEnd type="arrow" w="med" len="med"/>
+          </a:ln>
+        </p:spPr>
+        <p:style>
+          <a:lnRef idx="1">
+            <a:schemeClr val="accent1"/>
+          </a:lnRef>
+          <a:fillRef idx="0">
+            <a:schemeClr val="accent1"/>
+          </a:fillRef>
+          <a:effectRef idx="0">
+            <a:schemeClr val="accent1"/>
+          </a:effectRef>
+          <a:fontRef idx="minor">
+            <a:schemeClr val="tx1"/>
+          </a:fontRef>
+        </p:style>
+      </p:cxnSp>
+      <p:cxnSp>
+        <p:nvCxnSpPr>
+          <p:cNvPr id="45" name="직선 화살표 연결선 44">
+            <a:extLst>
+              <a:ext uri="{FF2B5EF4-FFF2-40B4-BE49-F238E27FC236}">
+                <a16:creationId xmlns:a16="http://schemas.microsoft.com/office/drawing/2014/main" id="{241E5EE8-630C-4AC2-B5EF-5C4F70B3AABC}"/>
+              </a:ext>
+            </a:extLst>
+          </p:cNvPr>
+          <p:cNvCxnSpPr>
+            <a:cxnSpLocks/>
+            <a:stCxn id="10" idx="2"/>
+            <a:endCxn id="21" idx="0"/>
+          </p:cNvCxnSpPr>
+          <p:nvPr/>
+        </p:nvCxnSpPr>
+        <p:spPr>
+          <a:xfrm flipH="1">
+            <a:off x="2915816" y="1136016"/>
+            <a:ext cx="1656184" cy="769971"/>
+          </a:xfrm>
+          <a:prstGeom prst="straightConnector1">
+            <a:avLst/>
+          </a:prstGeom>
+          <a:ln w="19050">
+            <a:solidFill>
+              <a:schemeClr val="tx1"/>
+            </a:solidFill>
+            <a:headEnd type="none" w="med" len="med"/>
+            <a:tailEnd type="arrow" w="med" len="med"/>
+          </a:ln>
+        </p:spPr>
+        <p:style>
+          <a:lnRef idx="1">
+            <a:schemeClr val="accent1"/>
+          </a:lnRef>
+          <a:fillRef idx="0">
+            <a:schemeClr val="accent1"/>
+          </a:fillRef>
+          <a:effectRef idx="0">
+            <a:schemeClr val="accent1"/>
+          </a:effectRef>
+          <a:fontRef idx="minor">
+            <a:schemeClr val="tx1"/>
+          </a:fontRef>
+        </p:style>
+      </p:cxnSp>
+      <p:sp>
+        <p:nvSpPr>
+          <p:cNvPr id="48" name="TextBox 47">
+            <a:extLst>
+              <a:ext uri="{FF2B5EF4-FFF2-40B4-BE49-F238E27FC236}">
+                <a16:creationId xmlns:a16="http://schemas.microsoft.com/office/drawing/2014/main" id="{32A6DA01-6CF3-428C-B318-828BF9D4A40C}"/>
+              </a:ext>
+            </a:extLst>
+          </p:cNvPr>
+          <p:cNvSpPr txBox="1"/>
+          <p:nvPr/>
+        </p:nvSpPr>
+        <p:spPr>
+          <a:xfrm>
+            <a:off x="1563092" y="2368355"/>
+            <a:ext cx="1857834" cy="261610"/>
+          </a:xfrm>
+          <a:prstGeom prst="rect">
+            <a:avLst/>
+          </a:prstGeom>
+          <a:noFill/>
+        </p:spPr>
+        <p:txBody>
+          <a:bodyPr wrap="square" rtlCol="0" anchor="ctr">
+            <a:spAutoFit/>
+          </a:bodyPr>
+          <a:lstStyle/>
+          <a:p>
+            <a:pPr algn="ctr"/>
+            <a:r>
+              <a:rPr lang="en-US" altLang="ko-KR" sz="1100">
+                <a:solidFill>
+                  <a:srgbClr val="C00000"/>
+                </a:solidFill>
+              </a:rPr>
+              <a:t>Service Info</a:t>
+            </a:r>
+          </a:p>
+        </p:txBody>
+      </p:sp>
+      <p:sp>
+        <p:nvSpPr>
+          <p:cNvPr id="49" name="TextBox 48">
+            <a:extLst>
+              <a:ext uri="{FF2B5EF4-FFF2-40B4-BE49-F238E27FC236}">
+                <a16:creationId xmlns:a16="http://schemas.microsoft.com/office/drawing/2014/main" id="{24A20AA7-25C9-453E-B64D-59058FB36796}"/>
+              </a:ext>
+            </a:extLst>
+          </p:cNvPr>
+          <p:cNvSpPr txBox="1"/>
+          <p:nvPr/>
+        </p:nvSpPr>
+        <p:spPr>
+          <a:xfrm>
+            <a:off x="5802702" y="2262776"/>
+            <a:ext cx="1503332" cy="261610"/>
+          </a:xfrm>
+          <a:prstGeom prst="rect">
+            <a:avLst/>
+          </a:prstGeom>
+          <a:noFill/>
+        </p:spPr>
+        <p:txBody>
+          <a:bodyPr wrap="square" rtlCol="0" anchor="ctr">
+            <a:spAutoFit/>
+          </a:bodyPr>
+          <a:lstStyle/>
+          <a:p>
+            <a:pPr algn="ctr"/>
+            <a:r>
+              <a:rPr lang="en-US" altLang="ko-KR" sz="1100">
+                <a:solidFill>
+                  <a:schemeClr val="accent3">
+                    <a:lumMod val="75000"/>
+                  </a:schemeClr>
+                </a:solidFill>
+              </a:rPr>
+              <a:t>TLS Cert</a:t>
+            </a:r>
+            <a:endParaRPr lang="ko-KR" altLang="en-US" sz="1100">
+              <a:solidFill>
+                <a:schemeClr val="accent3">
+                  <a:lumMod val="75000"/>
+                </a:schemeClr>
+              </a:solidFill>
+            </a:endParaRPr>
+          </a:p>
+        </p:txBody>
+      </p:sp>
+      <p:sp>
+        <p:nvSpPr>
+          <p:cNvPr id="59" name="TextBox 58">
+            <a:extLst>
+              <a:ext uri="{FF2B5EF4-FFF2-40B4-BE49-F238E27FC236}">
+                <a16:creationId xmlns:a16="http://schemas.microsoft.com/office/drawing/2014/main" id="{47478D2F-0AF1-4E2E-8745-10256E11F7F9}"/>
+              </a:ext>
+            </a:extLst>
+          </p:cNvPr>
+          <p:cNvSpPr txBox="1"/>
+          <p:nvPr/>
+        </p:nvSpPr>
+        <p:spPr>
+          <a:xfrm>
+            <a:off x="3885539" y="2310140"/>
+            <a:ext cx="1370536" cy="261610"/>
+          </a:xfrm>
+          <a:prstGeom prst="rect">
+            <a:avLst/>
+          </a:prstGeom>
+          <a:noFill/>
+        </p:spPr>
+        <p:txBody>
+          <a:bodyPr wrap="square" rtlCol="0" anchor="ctr">
+            <a:spAutoFit/>
+          </a:bodyPr>
+          <a:lstStyle/>
+          <a:p>
+            <a:pPr algn="ctr"/>
+            <a:r>
+              <a:rPr lang="en-US" altLang="ko-KR" sz="1100">
+                <a:solidFill>
+                  <a:schemeClr val="tx2"/>
+                </a:solidFill>
+              </a:rPr>
+              <a:t>Metric</a:t>
+            </a:r>
+            <a:endParaRPr lang="ko-KR" altLang="en-US" sz="1100">
+              <a:solidFill>
+                <a:schemeClr val="tx2"/>
+              </a:solidFill>
+            </a:endParaRPr>
+          </a:p>
+        </p:txBody>
+      </p:sp>
+      <p:sp>
+        <p:nvSpPr>
+          <p:cNvPr id="34" name="사각형: 둥근 모서리 33">
+            <a:extLst>
+              <a:ext uri="{FF2B5EF4-FFF2-40B4-BE49-F238E27FC236}">
+                <a16:creationId xmlns:a16="http://schemas.microsoft.com/office/drawing/2014/main" id="{6ADCB343-2E87-464D-9DF0-35FDA54CAD91}"/>
+              </a:ext>
+            </a:extLst>
+          </p:cNvPr>
+          <p:cNvSpPr/>
+          <p:nvPr/>
+        </p:nvSpPr>
+        <p:spPr>
+          <a:xfrm>
+            <a:off x="5767104" y="976424"/>
+            <a:ext cx="1109152" cy="335861"/>
+          </a:xfrm>
+          <a:prstGeom prst="roundRect">
+            <a:avLst/>
+          </a:prstGeom>
+        </p:spPr>
+        <p:style>
+          <a:lnRef idx="2">
+            <a:schemeClr val="dk1"/>
+          </a:lnRef>
+          <a:fillRef idx="1">
+            <a:schemeClr val="lt1"/>
+          </a:fillRef>
+          <a:effectRef idx="0">
+            <a:schemeClr val="dk1"/>
+          </a:effectRef>
+          <a:fontRef idx="minor">
+            <a:schemeClr val="dk1"/>
+          </a:fontRef>
+        </p:style>
+        <p:txBody>
+          <a:bodyPr rtlCol="0" anchor="ctr"/>
+          <a:lstStyle/>
+          <a:p>
+            <a:pPr algn="ctr"/>
+            <a:r>
+              <a:rPr lang="en-US" altLang="ko-KR" sz="1100"/>
+              <a:t>Prometheus</a:t>
+            </a:r>
+          </a:p>
+          <a:p>
+            <a:pPr algn="ctr"/>
+            <a:r>
+              <a:rPr lang="en-US" altLang="ko-KR" sz="1100"/>
+              <a:t>(Adaptor)</a:t>
+            </a:r>
+          </a:p>
+        </p:txBody>
+      </p:sp>
+      <p:sp>
+        <p:nvSpPr>
+          <p:cNvPr id="35" name="사각형: 둥근 모서리 34">
+            <a:extLst>
+              <a:ext uri="{FF2B5EF4-FFF2-40B4-BE49-F238E27FC236}">
+                <a16:creationId xmlns:a16="http://schemas.microsoft.com/office/drawing/2014/main" id="{0E4A5F02-280A-457E-9827-0FB1C6A130D7}"/>
+              </a:ext>
+            </a:extLst>
+          </p:cNvPr>
+          <p:cNvSpPr/>
+          <p:nvPr/>
+        </p:nvSpPr>
+        <p:spPr>
+          <a:xfrm>
+            <a:off x="5767104" y="1430535"/>
+            <a:ext cx="1109152" cy="335861"/>
+          </a:xfrm>
+          <a:prstGeom prst="roundRect">
+            <a:avLst/>
+          </a:prstGeom>
+        </p:spPr>
+        <p:style>
+          <a:lnRef idx="2">
+            <a:schemeClr val="dk1"/>
+          </a:lnRef>
+          <a:fillRef idx="1">
+            <a:schemeClr val="lt1"/>
+          </a:fillRef>
+          <a:effectRef idx="0">
+            <a:schemeClr val="dk1"/>
+          </a:effectRef>
+          <a:fontRef idx="minor">
+            <a:schemeClr val="dk1"/>
+          </a:fontRef>
+        </p:style>
+        <p:txBody>
+          <a:bodyPr rtlCol="0" anchor="ctr"/>
+          <a:lstStyle/>
+          <a:p>
+            <a:pPr algn="ctr"/>
+            <a:r>
+              <a:rPr lang="en-US" altLang="ko-KR" sz="1100"/>
+              <a:t>Stackdriver</a:t>
+            </a:r>
+          </a:p>
+          <a:p>
+            <a:pPr algn="ctr"/>
+            <a:r>
+              <a:rPr lang="en-US" altLang="ko-KR" sz="1100"/>
+              <a:t>(Adaptor)</a:t>
+            </a:r>
+            <a:endParaRPr lang="ko-KR" altLang="en-US" sz="1100"/>
+          </a:p>
+        </p:txBody>
+      </p:sp>
+      <p:cxnSp>
+        <p:nvCxnSpPr>
+          <p:cNvPr id="36" name="직선 화살표 연결선 35">
+            <a:extLst>
+              <a:ext uri="{FF2B5EF4-FFF2-40B4-BE49-F238E27FC236}">
+                <a16:creationId xmlns:a16="http://schemas.microsoft.com/office/drawing/2014/main" id="{1FC8ED53-0AD3-4A0C-8B9A-851B8F610457}"/>
+              </a:ext>
+            </a:extLst>
+          </p:cNvPr>
+          <p:cNvCxnSpPr>
+            <a:cxnSpLocks/>
+            <a:stCxn id="2" idx="3"/>
+            <a:endCxn id="34" idx="1"/>
+          </p:cNvCxnSpPr>
+          <p:nvPr/>
+        </p:nvCxnSpPr>
+        <p:spPr>
+          <a:xfrm flipV="1">
+            <a:off x="5220072" y="1144355"/>
+            <a:ext cx="547032" cy="741106"/>
+          </a:xfrm>
+          <a:prstGeom prst="straightConnector1">
+            <a:avLst/>
+          </a:prstGeom>
+          <a:ln w="19050">
+            <a:solidFill>
+              <a:schemeClr val="tx1"/>
+            </a:solidFill>
+            <a:headEnd type="none" w="med" len="med"/>
+            <a:tailEnd type="arrow" w="med" len="med"/>
+          </a:ln>
+        </p:spPr>
+        <p:style>
+          <a:lnRef idx="1">
+            <a:schemeClr val="accent1"/>
+          </a:lnRef>
+          <a:fillRef idx="0">
+            <a:schemeClr val="accent1"/>
+          </a:fillRef>
+          <a:effectRef idx="0">
+            <a:schemeClr val="accent1"/>
+          </a:effectRef>
+          <a:fontRef idx="minor">
+            <a:schemeClr val="tx1"/>
+          </a:fontRef>
+        </p:style>
+      </p:cxnSp>
+      <p:cxnSp>
+        <p:nvCxnSpPr>
+          <p:cNvPr id="39" name="직선 화살표 연결선 38">
+            <a:extLst>
+              <a:ext uri="{FF2B5EF4-FFF2-40B4-BE49-F238E27FC236}">
+                <a16:creationId xmlns:a16="http://schemas.microsoft.com/office/drawing/2014/main" id="{CFE0763D-4732-447B-B7BE-B88FF1BAF656}"/>
+              </a:ext>
+            </a:extLst>
+          </p:cNvPr>
+          <p:cNvCxnSpPr>
+            <a:cxnSpLocks/>
+            <a:stCxn id="2" idx="3"/>
+            <a:endCxn id="35" idx="1"/>
+          </p:cNvCxnSpPr>
+          <p:nvPr/>
+        </p:nvCxnSpPr>
+        <p:spPr>
+          <a:xfrm flipV="1">
+            <a:off x="5220072" y="1598466"/>
+            <a:ext cx="547032" cy="286995"/>
+          </a:xfrm>
+          <a:prstGeom prst="straightConnector1">
+            <a:avLst/>
+          </a:prstGeom>
+          <a:ln w="19050">
+            <a:solidFill>
+              <a:schemeClr val="tx1"/>
+            </a:solidFill>
+            <a:headEnd type="none" w="med" len="med"/>
+            <a:tailEnd type="arrow" w="med" len="med"/>
+          </a:ln>
+        </p:spPr>
+        <p:style>
+          <a:lnRef idx="1">
+            <a:schemeClr val="accent1"/>
+          </a:lnRef>
+          <a:fillRef idx="0">
+            <a:schemeClr val="accent1"/>
+          </a:fillRef>
+          <a:effectRef idx="0">
+            <a:schemeClr val="accent1"/>
+          </a:effectRef>
+          <a:fontRef idx="minor">
+            <a:schemeClr val="tx1"/>
+          </a:fontRef>
+        </p:style>
+      </p:cxnSp>
+      <p:sp>
+        <p:nvSpPr>
+          <p:cNvPr id="42" name="TextBox 41">
+            <a:extLst>
+              <a:ext uri="{FF2B5EF4-FFF2-40B4-BE49-F238E27FC236}">
+                <a16:creationId xmlns:a16="http://schemas.microsoft.com/office/drawing/2014/main" id="{1FC1BA85-0000-4E67-B51B-6CB3207E4E2F}"/>
+              </a:ext>
+            </a:extLst>
+          </p:cNvPr>
+          <p:cNvSpPr txBox="1"/>
+          <p:nvPr/>
+        </p:nvSpPr>
+        <p:spPr>
+          <a:xfrm>
+            <a:off x="4858051" y="1400971"/>
+            <a:ext cx="641506" cy="261610"/>
+          </a:xfrm>
+          <a:prstGeom prst="rect">
+            <a:avLst/>
+          </a:prstGeom>
+          <a:noFill/>
+        </p:spPr>
+        <p:txBody>
+          <a:bodyPr wrap="square" rtlCol="0" anchor="ctr">
+            <a:spAutoFit/>
+          </a:bodyPr>
+          <a:lstStyle/>
+          <a:p>
+            <a:pPr algn="ctr"/>
+            <a:r>
+              <a:rPr lang="en-US" altLang="ko-KR" sz="1100"/>
+              <a:t>Metric</a:t>
+            </a:r>
+            <a:endParaRPr lang="ko-KR" altLang="en-US" sz="1100"/>
+          </a:p>
+        </p:txBody>
+      </p:sp>
+      <p:sp>
+        <p:nvSpPr>
           <p:cNvPr id="30" name="사각형: 둥근 모서리 29">
             <a:extLst>
               <a:ext uri="{FF2B5EF4-FFF2-40B4-BE49-F238E27FC236}">
@@ -4095,8 +4699,8 @@
         </p:nvSpPr>
         <p:spPr>
           <a:xfrm>
-            <a:off x="2267742" y="3032493"/>
-            <a:ext cx="1584178" cy="1699475"/>
+            <a:off x="2051720" y="3032493"/>
+            <a:ext cx="1745914" cy="1987524"/>
           </a:xfrm>
           <a:prstGeom prst="roundRect">
             <a:avLst>
@@ -4125,7 +4729,7 @@
             <a:pPr algn="ctr"/>
             <a:r>
               <a:rPr lang="en-US" altLang="ko-KR" sz="1400"/>
-              <a:t>Pod</a:t>
+              <a:t>App Pod</a:t>
             </a:r>
             <a:endParaRPr lang="ko-KR" altLang="en-US" sz="1400"/>
           </a:p>
@@ -4133,10 +4737,10 @@
       </p:sp>
       <p:sp>
         <p:nvSpPr>
-          <p:cNvPr id="10" name="사각형: 둥근 모서리 9">
-            <a:extLst>
-              <a:ext uri="{FF2B5EF4-FFF2-40B4-BE49-F238E27FC236}">
-                <a16:creationId xmlns:a16="http://schemas.microsoft.com/office/drawing/2014/main" id="{61193B69-8AE4-46C8-8DE5-9DC6FFEAD8BA}"/>
+          <p:cNvPr id="11" name="사각형: 둥근 모서리 10">
+            <a:extLst>
+              <a:ext uri="{FF2B5EF4-FFF2-40B4-BE49-F238E27FC236}">
+                <a16:creationId xmlns:a16="http://schemas.microsoft.com/office/drawing/2014/main" id="{D8946450-F94A-47A3-A7A0-768126968021}"/>
               </a:ext>
             </a:extLst>
           </p:cNvPr>
@@ -4145,11 +4749,13 @@
         </p:nvSpPr>
         <p:spPr>
           <a:xfrm>
-            <a:off x="3923928" y="771550"/>
-            <a:ext cx="1296144" cy="364466"/>
+            <a:off x="2165163" y="3138697"/>
+            <a:ext cx="1519029" cy="947539"/>
           </a:xfrm>
           <a:prstGeom prst="roundRect">
-            <a:avLst/>
+            <a:avLst>
+              <a:gd name="adj" fmla="val 7777"/>
+            </a:avLst>
           </a:prstGeom>
         </p:spPr>
         <p:style>
@@ -4167,24 +4773,24 @@
           </a:fontRef>
         </p:style>
         <p:txBody>
-          <a:bodyPr rtlCol="0" anchor="ctr"/>
+          <a:bodyPr rtlCol="0" anchor="b"/>
           <a:lstStyle/>
           <a:p>
             <a:pPr algn="ctr"/>
             <a:r>
-              <a:rPr lang="en-US" altLang="ko-KR" sz="1400"/>
-              <a:t>Istio Gallery</a:t>
-            </a:r>
-            <a:endParaRPr lang="ko-KR" altLang="en-US" sz="1400"/>
-          </a:p>
-        </p:txBody>
-      </p:sp>
-      <p:sp>
-        <p:nvSpPr>
-          <p:cNvPr id="11" name="사각형: 둥근 모서리 10">
-            <a:extLst>
-              <a:ext uri="{FF2B5EF4-FFF2-40B4-BE49-F238E27FC236}">
-                <a16:creationId xmlns:a16="http://schemas.microsoft.com/office/drawing/2014/main" id="{D8946450-F94A-47A3-A7A0-768126968021}"/>
+              <a:rPr lang="en-US" altLang="ko-KR" sz="1200"/>
+              <a:t>Sidecar Container</a:t>
+            </a:r>
+            <a:endParaRPr lang="ko-KR" altLang="en-US" sz="1200"/>
+          </a:p>
+        </p:txBody>
+      </p:sp>
+      <p:sp>
+        <p:nvSpPr>
+          <p:cNvPr id="12" name="사각형: 둥근 모서리 11">
+            <a:extLst>
+              <a:ext uri="{FF2B5EF4-FFF2-40B4-BE49-F238E27FC236}">
+                <a16:creationId xmlns:a16="http://schemas.microsoft.com/office/drawing/2014/main" id="{A05FEBB3-9237-4C4A-BBEA-ACF2D32063B2}"/>
               </a:ext>
             </a:extLst>
           </p:cNvPr>
@@ -4193,63 +4799,8 @@
         </p:nvSpPr>
         <p:spPr>
           <a:xfrm>
-            <a:off x="2379512" y="3138698"/>
-            <a:ext cx="1378311" cy="430886"/>
-          </a:xfrm>
-          <a:prstGeom prst="roundRect">
-            <a:avLst/>
-          </a:prstGeom>
-        </p:spPr>
-        <p:style>
-          <a:lnRef idx="2">
-            <a:schemeClr val="dk1"/>
-          </a:lnRef>
-          <a:fillRef idx="1">
-            <a:schemeClr val="lt1"/>
-          </a:fillRef>
-          <a:effectRef idx="0">
-            <a:schemeClr val="dk1"/>
-          </a:effectRef>
-          <a:fontRef idx="minor">
-            <a:schemeClr val="dk1"/>
-          </a:fontRef>
-        </p:style>
-        <p:txBody>
-          <a:bodyPr rtlCol="0" anchor="ctr"/>
-          <a:lstStyle/>
-          <a:p>
-            <a:pPr algn="ctr"/>
-            <a:r>
-              <a:rPr lang="en-US" altLang="ko-KR" sz="1400"/>
-              <a:t>Envoy Sidecar</a:t>
-            </a:r>
-          </a:p>
-          <a:p>
-            <a:pPr algn="ctr"/>
-            <a:r>
-              <a:rPr lang="en-US" altLang="ko-KR" sz="1400"/>
-              <a:t>Container</a:t>
-            </a:r>
-            <a:endParaRPr lang="ko-KR" altLang="en-US" sz="1400"/>
-          </a:p>
-        </p:txBody>
-      </p:sp>
-      <p:sp>
-        <p:nvSpPr>
-          <p:cNvPr id="12" name="사각형: 둥근 모서리 11">
-            <a:extLst>
-              <a:ext uri="{FF2B5EF4-FFF2-40B4-BE49-F238E27FC236}">
-                <a16:creationId xmlns:a16="http://schemas.microsoft.com/office/drawing/2014/main" id="{A05FEBB3-9237-4C4A-BBEA-ACF2D32063B2}"/>
-              </a:ext>
-            </a:extLst>
-          </p:cNvPr>
-          <p:cNvSpPr/>
-          <p:nvPr/>
-        </p:nvSpPr>
-        <p:spPr>
-          <a:xfrm>
-            <a:off x="2379512" y="3795886"/>
-            <a:ext cx="1378311" cy="648072"/>
+            <a:off x="2165163" y="4301102"/>
+            <a:ext cx="1519029" cy="430888"/>
           </a:xfrm>
           <a:prstGeom prst="roundRect">
             <a:avLst>
@@ -4277,188 +4828,33 @@
           <a:p>
             <a:pPr algn="ctr"/>
             <a:r>
-              <a:rPr lang="en-US" altLang="ko-KR" sz="1400"/>
+              <a:rPr lang="en-US" altLang="ko-KR" sz="1200"/>
               <a:t>App Container (Service)</a:t>
             </a:r>
-            <a:endParaRPr lang="ko-KR" altLang="en-US" sz="1400"/>
-          </a:p>
-        </p:txBody>
-      </p:sp>
-      <p:sp>
-        <p:nvSpPr>
-          <p:cNvPr id="13" name="사각형: 둥근 모서리 12">
-            <a:extLst>
-              <a:ext uri="{FF2B5EF4-FFF2-40B4-BE49-F238E27FC236}">
-                <a16:creationId xmlns:a16="http://schemas.microsoft.com/office/drawing/2014/main" id="{5CBB8B62-D9CC-4293-8B0D-4DD838D053B7}"/>
-              </a:ext>
-            </a:extLst>
-          </p:cNvPr>
-          <p:cNvSpPr/>
-          <p:nvPr/>
-        </p:nvSpPr>
-        <p:spPr>
-          <a:xfrm>
-            <a:off x="5292080" y="3032493"/>
-            <a:ext cx="1584178" cy="1699475"/>
-          </a:xfrm>
-          <a:prstGeom prst="roundRect">
-            <a:avLst>
-              <a:gd name="adj" fmla="val 5660"/>
-            </a:avLst>
-          </a:prstGeom>
-        </p:spPr>
-        <p:style>
-          <a:lnRef idx="2">
-            <a:schemeClr val="dk1"/>
-          </a:lnRef>
-          <a:fillRef idx="1">
-            <a:schemeClr val="lt1"/>
-          </a:fillRef>
-          <a:effectRef idx="0">
-            <a:schemeClr val="dk1"/>
-          </a:effectRef>
-          <a:fontRef idx="minor">
-            <a:schemeClr val="dk1"/>
-          </a:fontRef>
-        </p:style>
-        <p:txBody>
-          <a:bodyPr rtlCol="0" anchor="b"/>
-          <a:lstStyle/>
-          <a:p>
-            <a:pPr algn="ctr"/>
-            <a:r>
-              <a:rPr lang="en-US" altLang="ko-KR" sz="1400"/>
-              <a:t>Pod</a:t>
-            </a:r>
-            <a:endParaRPr lang="ko-KR" altLang="en-US" sz="1400"/>
-          </a:p>
-        </p:txBody>
-      </p:sp>
-      <p:sp>
-        <p:nvSpPr>
-          <p:cNvPr id="14" name="사각형: 둥근 모서리 13">
-            <a:extLst>
-              <a:ext uri="{FF2B5EF4-FFF2-40B4-BE49-F238E27FC236}">
-                <a16:creationId xmlns:a16="http://schemas.microsoft.com/office/drawing/2014/main" id="{5C84BC6B-636B-4C3B-86BA-31EECC0CB58A}"/>
-              </a:ext>
-            </a:extLst>
-          </p:cNvPr>
-          <p:cNvSpPr/>
-          <p:nvPr/>
-        </p:nvSpPr>
-        <p:spPr>
-          <a:xfrm>
-            <a:off x="5396040" y="3138698"/>
-            <a:ext cx="1378311" cy="430886"/>
-          </a:xfrm>
-          <a:prstGeom prst="roundRect">
-            <a:avLst/>
-          </a:prstGeom>
-        </p:spPr>
-        <p:style>
-          <a:lnRef idx="2">
-            <a:schemeClr val="dk1"/>
-          </a:lnRef>
-          <a:fillRef idx="1">
-            <a:schemeClr val="lt1"/>
-          </a:fillRef>
-          <a:effectRef idx="0">
-            <a:schemeClr val="dk1"/>
-          </a:effectRef>
-          <a:fontRef idx="minor">
-            <a:schemeClr val="dk1"/>
-          </a:fontRef>
-        </p:style>
-        <p:txBody>
-          <a:bodyPr rtlCol="0" anchor="ctr"/>
-          <a:lstStyle/>
-          <a:p>
-            <a:pPr algn="ctr"/>
-            <a:r>
-              <a:rPr lang="en-US" altLang="ko-KR" sz="1400"/>
-              <a:t>Envoy Sidecar</a:t>
-            </a:r>
-          </a:p>
-          <a:p>
-            <a:pPr algn="ctr"/>
-            <a:r>
-              <a:rPr lang="en-US" altLang="ko-KR" sz="1400"/>
-              <a:t>Container</a:t>
-            </a:r>
-            <a:endParaRPr lang="ko-KR" altLang="en-US" sz="1400"/>
-          </a:p>
-        </p:txBody>
-      </p:sp>
-      <p:sp>
-        <p:nvSpPr>
-          <p:cNvPr id="15" name="사각형: 둥근 모서리 14">
-            <a:extLst>
-              <a:ext uri="{FF2B5EF4-FFF2-40B4-BE49-F238E27FC236}">
-                <a16:creationId xmlns:a16="http://schemas.microsoft.com/office/drawing/2014/main" id="{82C8FB89-6702-4694-82CD-216649078B59}"/>
-              </a:ext>
-            </a:extLst>
-          </p:cNvPr>
-          <p:cNvSpPr/>
-          <p:nvPr/>
-        </p:nvSpPr>
-        <p:spPr>
-          <a:xfrm>
-            <a:off x="5396040" y="3795886"/>
-            <a:ext cx="1378311" cy="648072"/>
-          </a:xfrm>
-          <a:prstGeom prst="roundRect">
-            <a:avLst>
-              <a:gd name="adj" fmla="val 8434"/>
-            </a:avLst>
-          </a:prstGeom>
-        </p:spPr>
-        <p:style>
-          <a:lnRef idx="2">
-            <a:schemeClr val="dk1"/>
-          </a:lnRef>
-          <a:fillRef idx="1">
-            <a:schemeClr val="lt1"/>
-          </a:fillRef>
-          <a:effectRef idx="0">
-            <a:schemeClr val="dk1"/>
-          </a:effectRef>
-          <a:fontRef idx="minor">
-            <a:schemeClr val="dk1"/>
-          </a:fontRef>
-        </p:style>
-        <p:txBody>
-          <a:bodyPr rtlCol="0" anchor="ctr"/>
-          <a:lstStyle/>
-          <a:p>
-            <a:pPr algn="ctr"/>
-            <a:r>
-              <a:rPr lang="en-US" altLang="ko-KR" sz="1400"/>
-              <a:t>App Container (Service)</a:t>
-            </a:r>
-            <a:endParaRPr lang="ko-KR" altLang="en-US" sz="1400"/>
+            <a:endParaRPr lang="ko-KR" altLang="en-US" sz="1200"/>
           </a:p>
         </p:txBody>
       </p:sp>
       <p:cxnSp>
         <p:nvCxnSpPr>
-          <p:cNvPr id="4" name="직선 화살표 연결선 3">
-            <a:extLst>
-              <a:ext uri="{FF2B5EF4-FFF2-40B4-BE49-F238E27FC236}">
-                <a16:creationId xmlns:a16="http://schemas.microsoft.com/office/drawing/2014/main" id="{730910B9-BECA-44DA-B857-FD6B9700E337}"/>
+          <p:cNvPr id="20" name="직선 화살표 연결선 19">
+            <a:extLst>
+              <a:ext uri="{FF2B5EF4-FFF2-40B4-BE49-F238E27FC236}">
+                <a16:creationId xmlns:a16="http://schemas.microsoft.com/office/drawing/2014/main" id="{FF296AC7-043E-4283-A0B2-C4601D195B9D}"/>
               </a:ext>
             </a:extLst>
           </p:cNvPr>
           <p:cNvCxnSpPr>
             <a:cxnSpLocks/>
-            <a:stCxn id="11" idx="3"/>
-            <a:endCxn id="14" idx="1"/>
+            <a:stCxn id="11" idx="2"/>
+            <a:endCxn id="12" idx="0"/>
           </p:cNvCxnSpPr>
           <p:nvPr/>
         </p:nvCxnSpPr>
         <p:spPr>
           <a:xfrm>
-            <a:off x="3757823" y="3354141"/>
-            <a:ext cx="1638217" cy="0"/>
+            <a:off x="2924678" y="4086236"/>
+            <a:ext cx="0" cy="214866"/>
           </a:xfrm>
           <a:prstGeom prst="straightConnector1">
             <a:avLst/>
@@ -4488,142 +4884,104 @@
       </p:cxnSp>
       <p:sp>
         <p:nvSpPr>
-          <p:cNvPr id="18" name="TextBox 17">
-            <a:extLst>
-              <a:ext uri="{FF2B5EF4-FFF2-40B4-BE49-F238E27FC236}">
-                <a16:creationId xmlns:a16="http://schemas.microsoft.com/office/drawing/2014/main" id="{84669EE0-4BA2-435A-9F05-ACD4C5D654A3}"/>
-              </a:ext>
-            </a:extLst>
-          </p:cNvPr>
-          <p:cNvSpPr txBox="1"/>
-          <p:nvPr/>
-        </p:nvSpPr>
-        <p:spPr>
-          <a:xfrm>
-            <a:off x="3603175" y="3320117"/>
-            <a:ext cx="1937650" cy="430887"/>
-          </a:xfrm>
-          <a:prstGeom prst="rect">
-            <a:avLst/>
-          </a:prstGeom>
-          <a:noFill/>
-        </p:spPr>
-        <p:txBody>
-          <a:bodyPr wrap="square" rtlCol="0" anchor="ctr">
-            <a:spAutoFit/>
-          </a:bodyPr>
+          <p:cNvPr id="72" name="사각형: 둥근 모서리 71">
+            <a:extLst>
+              <a:ext uri="{FF2B5EF4-FFF2-40B4-BE49-F238E27FC236}">
+                <a16:creationId xmlns:a16="http://schemas.microsoft.com/office/drawing/2014/main" id="{A86F2377-A381-453F-8B54-23913D03C589}"/>
+              </a:ext>
+            </a:extLst>
+          </p:cNvPr>
+          <p:cNvSpPr/>
+          <p:nvPr/>
+        </p:nvSpPr>
+        <p:spPr>
+          <a:xfrm>
+            <a:off x="2347606" y="3218884"/>
+            <a:ext cx="1154141" cy="216962"/>
+          </a:xfrm>
+          <a:prstGeom prst="roundRect">
+            <a:avLst>
+              <a:gd name="adj" fmla="val 19315"/>
+            </a:avLst>
+          </a:prstGeom>
+        </p:spPr>
+        <p:style>
+          <a:lnRef idx="2">
+            <a:schemeClr val="dk1"/>
+          </a:lnRef>
+          <a:fillRef idx="1">
+            <a:schemeClr val="lt1"/>
+          </a:fillRef>
+          <a:effectRef idx="0">
+            <a:schemeClr val="dk1"/>
+          </a:effectRef>
+          <a:fontRef idx="minor">
+            <a:schemeClr val="dk1"/>
+          </a:fontRef>
+        </p:style>
+        <p:txBody>
+          <a:bodyPr rtlCol="0" anchor="ctr"/>
           <a:lstStyle/>
           <a:p>
             <a:pPr algn="ctr"/>
             <a:r>
-              <a:rPr lang="en-US" altLang="ko-KR" sz="1100"/>
-              <a:t>HTTP/1.1, HTTP/2 </a:t>
-            </a:r>
-          </a:p>
+              <a:rPr lang="en-US" altLang="ko-KR" sz="1200"/>
+              <a:t>pilot-agent</a:t>
+            </a:r>
+            <a:endParaRPr lang="ko-KR" altLang="en-US" sz="1100"/>
+          </a:p>
+        </p:txBody>
+      </p:sp>
+      <p:sp>
+        <p:nvSpPr>
+          <p:cNvPr id="78" name="사각형: 둥근 모서리 77">
+            <a:extLst>
+              <a:ext uri="{FF2B5EF4-FFF2-40B4-BE49-F238E27FC236}">
+                <a16:creationId xmlns:a16="http://schemas.microsoft.com/office/drawing/2014/main" id="{8EA9E200-B49A-4DFB-87AB-B35CC5217368}"/>
+              </a:ext>
+            </a:extLst>
+          </p:cNvPr>
+          <p:cNvSpPr/>
+          <p:nvPr/>
+        </p:nvSpPr>
+        <p:spPr>
+          <a:xfrm>
+            <a:off x="2347606" y="3578924"/>
+            <a:ext cx="1154141" cy="216962"/>
+          </a:xfrm>
+          <a:prstGeom prst="roundRect">
+            <a:avLst>
+              <a:gd name="adj" fmla="val 19315"/>
+            </a:avLst>
+          </a:prstGeom>
+        </p:spPr>
+        <p:style>
+          <a:lnRef idx="2">
+            <a:schemeClr val="dk1"/>
+          </a:lnRef>
+          <a:fillRef idx="1">
+            <a:schemeClr val="lt1"/>
+          </a:fillRef>
+          <a:effectRef idx="0">
+            <a:schemeClr val="dk1"/>
+          </a:effectRef>
+          <a:fontRef idx="minor">
+            <a:schemeClr val="dk1"/>
+          </a:fontRef>
+        </p:style>
+        <p:txBody>
+          <a:bodyPr rtlCol="0" anchor="ctr"/>
+          <a:lstStyle/>
           <a:p>
             <a:pPr algn="ctr"/>
             <a:r>
-              <a:rPr lang="en-US" altLang="ko-KR" sz="1100"/>
-              <a:t>gRPC, TCP (with TLS)</a:t>
+              <a:rPr lang="en-US" altLang="ko-KR" sz="1200"/>
+              <a:t>Envoy</a:t>
             </a:r>
             <a:endParaRPr lang="ko-KR" altLang="en-US" sz="1100"/>
           </a:p>
         </p:txBody>
       </p:sp>
-      <p:cxnSp>
-        <p:nvCxnSpPr>
-          <p:cNvPr id="20" name="직선 화살표 연결선 19">
-            <a:extLst>
-              <a:ext uri="{FF2B5EF4-FFF2-40B4-BE49-F238E27FC236}">
-                <a16:creationId xmlns:a16="http://schemas.microsoft.com/office/drawing/2014/main" id="{FF296AC7-043E-4283-A0B2-C4601D195B9D}"/>
-              </a:ext>
-            </a:extLst>
-          </p:cNvPr>
-          <p:cNvCxnSpPr>
-            <a:cxnSpLocks/>
-            <a:stCxn id="11" idx="2"/>
-            <a:endCxn id="12" idx="0"/>
-          </p:cNvCxnSpPr>
-          <p:nvPr/>
-        </p:nvCxnSpPr>
-        <p:spPr>
-          <a:xfrm>
-            <a:off x="3068668" y="3569584"/>
-            <a:ext cx="0" cy="226302"/>
-          </a:xfrm>
-          <a:prstGeom prst="straightConnector1">
-            <a:avLst/>
-          </a:prstGeom>
-          <a:ln w="19050">
-            <a:solidFill>
-              <a:schemeClr val="tx1"/>
-            </a:solidFill>
-            <a:headEnd type="arrow" w="med" len="med"/>
-            <a:tailEnd type="arrow" w="med" len="med"/>
-          </a:ln>
-        </p:spPr>
-        <p:style>
-          <a:lnRef idx="1">
-            <a:schemeClr val="accent1"/>
-          </a:lnRef>
-          <a:fillRef idx="0">
-            <a:schemeClr val="accent1"/>
-          </a:fillRef>
-          <a:effectRef idx="0">
-            <a:schemeClr val="accent1"/>
-          </a:effectRef>
-          <a:fontRef idx="minor">
-            <a:schemeClr val="tx1"/>
-          </a:fontRef>
-        </p:style>
-      </p:cxnSp>
-      <p:cxnSp>
-        <p:nvCxnSpPr>
-          <p:cNvPr id="24" name="직선 화살표 연결선 23">
-            <a:extLst>
-              <a:ext uri="{FF2B5EF4-FFF2-40B4-BE49-F238E27FC236}">
-                <a16:creationId xmlns:a16="http://schemas.microsoft.com/office/drawing/2014/main" id="{79A52169-39C4-4BD1-8DE6-B4CE804C4B4E}"/>
-              </a:ext>
-            </a:extLst>
-          </p:cNvPr>
-          <p:cNvCxnSpPr>
-            <a:cxnSpLocks/>
-            <a:stCxn id="14" idx="2"/>
-            <a:endCxn id="15" idx="0"/>
-          </p:cNvCxnSpPr>
-          <p:nvPr/>
-        </p:nvCxnSpPr>
-        <p:spPr>
-          <a:xfrm>
-            <a:off x="6085196" y="3569584"/>
-            <a:ext cx="0" cy="226302"/>
-          </a:xfrm>
-          <a:prstGeom prst="straightConnector1">
-            <a:avLst/>
-          </a:prstGeom>
-          <a:ln w="19050">
-            <a:solidFill>
-              <a:schemeClr val="tx1"/>
-            </a:solidFill>
-            <a:headEnd type="arrow" w="med" len="med"/>
-            <a:tailEnd type="arrow" w="med" len="med"/>
-          </a:ln>
-        </p:spPr>
-        <p:style>
-          <a:lnRef idx="1">
-            <a:schemeClr val="accent1"/>
-          </a:lnRef>
-          <a:fillRef idx="0">
-            <a:schemeClr val="accent1"/>
-          </a:fillRef>
-          <a:effectRef idx="0">
-            <a:schemeClr val="accent1"/>
-          </a:effectRef>
-          <a:fontRef idx="minor">
-            <a:schemeClr val="tx1"/>
-          </a:fontRef>
-        </p:style>
-      </p:cxnSp>
       <p:cxnSp>
         <p:nvCxnSpPr>
           <p:cNvPr id="26" name="직선 화살표 연결선 25">
@@ -4636,14 +4994,14 @@
           <p:cNvCxnSpPr>
             <a:cxnSpLocks/>
             <a:stCxn id="21" idx="2"/>
-            <a:endCxn id="11" idx="0"/>
+            <a:endCxn id="72" idx="0"/>
           </p:cNvCxnSpPr>
           <p:nvPr/>
         </p:nvCxnSpPr>
         <p:spPr>
           <a:xfrm>
             <a:off x="2915816" y="2270453"/>
-            <a:ext cx="152852" cy="868245"/>
+            <a:ext cx="8861" cy="948431"/>
           </a:xfrm>
           <a:prstGeom prst="straightConnector1">
             <a:avLst/>
@@ -4673,24 +5031,71 @@
       </p:cxnSp>
       <p:cxnSp>
         <p:nvCxnSpPr>
-          <p:cNvPr id="31" name="직선 화살표 연결선 30">
-            <a:extLst>
-              <a:ext uri="{FF2B5EF4-FFF2-40B4-BE49-F238E27FC236}">
-                <a16:creationId xmlns:a16="http://schemas.microsoft.com/office/drawing/2014/main" id="{9A2D860F-4A9B-42E1-9A92-7F92F85826E6}"/>
+          <p:cNvPr id="56" name="직선 화살표 연결선 55">
+            <a:extLst>
+              <a:ext uri="{FF2B5EF4-FFF2-40B4-BE49-F238E27FC236}">
+                <a16:creationId xmlns:a16="http://schemas.microsoft.com/office/drawing/2014/main" id="{AD2B73C4-82B3-41D5-A1F2-4EE03938FF53}"/>
+              </a:ext>
+            </a:extLst>
+          </p:cNvPr>
+          <p:cNvCxnSpPr>
+            <a:cxnSpLocks/>
+            <a:stCxn id="2" idx="2"/>
+            <a:endCxn id="78" idx="3"/>
+          </p:cNvCxnSpPr>
+          <p:nvPr/>
+        </p:nvCxnSpPr>
+        <p:spPr>
+          <a:xfrm flipH="1">
+            <a:off x="3501747" y="2067694"/>
+            <a:ext cx="1070253" cy="1619711"/>
+          </a:xfrm>
+          <a:prstGeom prst="straightConnector1">
+            <a:avLst/>
+          </a:prstGeom>
+          <a:ln w="19050">
+            <a:solidFill>
+              <a:schemeClr val="tx2"/>
+            </a:solidFill>
+            <a:headEnd type="arrow" w="med" len="med"/>
+            <a:tailEnd type="none" w="med" len="med"/>
+          </a:ln>
+        </p:spPr>
+        <p:style>
+          <a:lnRef idx="1">
+            <a:schemeClr val="accent1"/>
+          </a:lnRef>
+          <a:fillRef idx="0">
+            <a:schemeClr val="accent1"/>
+          </a:fillRef>
+          <a:effectRef idx="0">
+            <a:schemeClr val="accent1"/>
+          </a:effectRef>
+          <a:fontRef idx="minor">
+            <a:schemeClr val="tx1"/>
+          </a:fontRef>
+        </p:style>
+      </p:cxnSp>
+      <p:cxnSp>
+        <p:nvCxnSpPr>
+          <p:cNvPr id="37" name="직선 화살표 연결선 36">
+            <a:extLst>
+              <a:ext uri="{FF2B5EF4-FFF2-40B4-BE49-F238E27FC236}">
+                <a16:creationId xmlns:a16="http://schemas.microsoft.com/office/drawing/2014/main" id="{1A8559E0-BB7B-498E-81C5-E1B803048D10}"/>
               </a:ext>
             </a:extLst>
           </p:cNvPr>
           <p:cNvCxnSpPr>
             <a:cxnSpLocks/>
             <a:stCxn id="22" idx="2"/>
-            <a:endCxn id="14" idx="0"/>
+            <a:endCxn id="72" idx="0"/>
           </p:cNvCxnSpPr>
           <p:nvPr/>
         </p:nvCxnSpPr>
         <p:spPr>
           <a:xfrm flipH="1">
-            <a:off x="6085196" y="2270453"/>
-            <a:ext cx="142988" cy="868245"/>
+            <a:off x="2924677" y="2270453"/>
+            <a:ext cx="3303507" cy="948431"/>
           </a:xfrm>
           <a:prstGeom prst="straightConnector1">
             <a:avLst/>
@@ -4722,6 +5127,492 @@
       </p:cxnSp>
       <p:cxnSp>
         <p:nvCxnSpPr>
+          <p:cNvPr id="86" name="직선 화살표 연결선 85">
+            <a:extLst>
+              <a:ext uri="{FF2B5EF4-FFF2-40B4-BE49-F238E27FC236}">
+                <a16:creationId xmlns:a16="http://schemas.microsoft.com/office/drawing/2014/main" id="{A9601AA6-D221-498D-9A7E-8E696D7B2973}"/>
+              </a:ext>
+            </a:extLst>
+          </p:cNvPr>
+          <p:cNvCxnSpPr>
+            <a:cxnSpLocks/>
+            <a:stCxn id="2" idx="2"/>
+            <a:endCxn id="72" idx="0"/>
+          </p:cNvCxnSpPr>
+          <p:nvPr/>
+        </p:nvCxnSpPr>
+        <p:spPr>
+          <a:xfrm flipH="1">
+            <a:off x="2924677" y="2067694"/>
+            <a:ext cx="1647323" cy="1151190"/>
+          </a:xfrm>
+          <a:prstGeom prst="straightConnector1">
+            <a:avLst/>
+          </a:prstGeom>
+          <a:ln w="19050">
+            <a:solidFill>
+              <a:schemeClr val="accent6"/>
+            </a:solidFill>
+            <a:headEnd type="none" w="med" len="med"/>
+            <a:tailEnd type="arrow" w="med" len="med"/>
+          </a:ln>
+        </p:spPr>
+        <p:style>
+          <a:lnRef idx="1">
+            <a:schemeClr val="accent1"/>
+          </a:lnRef>
+          <a:fillRef idx="0">
+            <a:schemeClr val="accent1"/>
+          </a:fillRef>
+          <a:effectRef idx="0">
+            <a:schemeClr val="accent1"/>
+          </a:effectRef>
+          <a:fontRef idx="minor">
+            <a:schemeClr val="tx1"/>
+          </a:fontRef>
+        </p:style>
+      </p:cxnSp>
+      <p:sp>
+        <p:nvSpPr>
+          <p:cNvPr id="92" name="TextBox 91">
+            <a:extLst>
+              <a:ext uri="{FF2B5EF4-FFF2-40B4-BE49-F238E27FC236}">
+                <a16:creationId xmlns:a16="http://schemas.microsoft.com/office/drawing/2014/main" id="{4138E510-D45A-490B-B3BD-1F9792AAAF45}"/>
+              </a:ext>
+            </a:extLst>
+          </p:cNvPr>
+          <p:cNvSpPr txBox="1"/>
+          <p:nvPr/>
+        </p:nvSpPr>
+        <p:spPr>
+          <a:xfrm>
+            <a:off x="3354316" y="2067694"/>
+            <a:ext cx="1370536" cy="261610"/>
+          </a:xfrm>
+          <a:prstGeom prst="rect">
+            <a:avLst/>
+          </a:prstGeom>
+          <a:noFill/>
+        </p:spPr>
+        <p:txBody>
+          <a:bodyPr wrap="square" rtlCol="0" anchor="ctr">
+            <a:spAutoFit/>
+          </a:bodyPr>
+          <a:lstStyle/>
+          <a:p>
+            <a:pPr algn="ctr"/>
+            <a:r>
+              <a:rPr lang="en-US" altLang="ko-KR" sz="1100">
+                <a:solidFill>
+                  <a:schemeClr val="accent6">
+                    <a:lumMod val="75000"/>
+                  </a:schemeClr>
+                </a:solidFill>
+              </a:rPr>
+              <a:t>Policy</a:t>
+            </a:r>
+            <a:endParaRPr lang="ko-KR" altLang="en-US" sz="1100">
+              <a:solidFill>
+                <a:schemeClr val="accent6">
+                  <a:lumMod val="75000"/>
+                </a:schemeClr>
+              </a:solidFill>
+            </a:endParaRPr>
+          </a:p>
+        </p:txBody>
+      </p:sp>
+      <p:sp>
+        <p:nvSpPr>
+          <p:cNvPr id="108" name="사각형: 둥근 모서리 107">
+            <a:extLst>
+              <a:ext uri="{FF2B5EF4-FFF2-40B4-BE49-F238E27FC236}">
+                <a16:creationId xmlns:a16="http://schemas.microsoft.com/office/drawing/2014/main" id="{5880B792-CFE6-40FF-AF6A-7F273BE86D2E}"/>
+              </a:ext>
+            </a:extLst>
+          </p:cNvPr>
+          <p:cNvSpPr/>
+          <p:nvPr/>
+        </p:nvSpPr>
+        <p:spPr>
+          <a:xfrm>
+            <a:off x="5354329" y="3032493"/>
+            <a:ext cx="1745914" cy="1987524"/>
+          </a:xfrm>
+          <a:prstGeom prst="roundRect">
+            <a:avLst>
+              <a:gd name="adj" fmla="val 5660"/>
+            </a:avLst>
+          </a:prstGeom>
+        </p:spPr>
+        <p:style>
+          <a:lnRef idx="2">
+            <a:schemeClr val="dk1"/>
+          </a:lnRef>
+          <a:fillRef idx="1">
+            <a:schemeClr val="lt1"/>
+          </a:fillRef>
+          <a:effectRef idx="0">
+            <a:schemeClr val="dk1"/>
+          </a:effectRef>
+          <a:fontRef idx="minor">
+            <a:schemeClr val="dk1"/>
+          </a:fontRef>
+        </p:style>
+        <p:txBody>
+          <a:bodyPr rtlCol="0" anchor="b"/>
+          <a:lstStyle/>
+          <a:p>
+            <a:pPr algn="ctr"/>
+            <a:r>
+              <a:rPr lang="en-US" altLang="ko-KR" sz="1400"/>
+              <a:t>App Pod</a:t>
+            </a:r>
+            <a:endParaRPr lang="ko-KR" altLang="en-US" sz="1400"/>
+          </a:p>
+        </p:txBody>
+      </p:sp>
+      <p:sp>
+        <p:nvSpPr>
+          <p:cNvPr id="109" name="사각형: 둥근 모서리 108">
+            <a:extLst>
+              <a:ext uri="{FF2B5EF4-FFF2-40B4-BE49-F238E27FC236}">
+                <a16:creationId xmlns:a16="http://schemas.microsoft.com/office/drawing/2014/main" id="{CDDE3392-D162-4AB0-A3DA-AE639A127856}"/>
+              </a:ext>
+            </a:extLst>
+          </p:cNvPr>
+          <p:cNvSpPr/>
+          <p:nvPr/>
+        </p:nvSpPr>
+        <p:spPr>
+          <a:xfrm>
+            <a:off x="5467772" y="3138697"/>
+            <a:ext cx="1519029" cy="947539"/>
+          </a:xfrm>
+          <a:prstGeom prst="roundRect">
+            <a:avLst>
+              <a:gd name="adj" fmla="val 7777"/>
+            </a:avLst>
+          </a:prstGeom>
+        </p:spPr>
+        <p:style>
+          <a:lnRef idx="2">
+            <a:schemeClr val="dk1"/>
+          </a:lnRef>
+          <a:fillRef idx="1">
+            <a:schemeClr val="lt1"/>
+          </a:fillRef>
+          <a:effectRef idx="0">
+            <a:schemeClr val="dk1"/>
+          </a:effectRef>
+          <a:fontRef idx="minor">
+            <a:schemeClr val="dk1"/>
+          </a:fontRef>
+        </p:style>
+        <p:txBody>
+          <a:bodyPr rtlCol="0" anchor="b"/>
+          <a:lstStyle/>
+          <a:p>
+            <a:pPr algn="ctr"/>
+            <a:r>
+              <a:rPr lang="en-US" altLang="ko-KR" sz="1200"/>
+              <a:t>Sidecar Container</a:t>
+            </a:r>
+            <a:endParaRPr lang="ko-KR" altLang="en-US" sz="1200"/>
+          </a:p>
+        </p:txBody>
+      </p:sp>
+      <p:sp>
+        <p:nvSpPr>
+          <p:cNvPr id="110" name="사각형: 둥근 모서리 109">
+            <a:extLst>
+              <a:ext uri="{FF2B5EF4-FFF2-40B4-BE49-F238E27FC236}">
+                <a16:creationId xmlns:a16="http://schemas.microsoft.com/office/drawing/2014/main" id="{9C1485F2-D75A-4DC6-B75B-01E5AF756E66}"/>
+              </a:ext>
+            </a:extLst>
+          </p:cNvPr>
+          <p:cNvSpPr/>
+          <p:nvPr/>
+        </p:nvSpPr>
+        <p:spPr>
+          <a:xfrm>
+            <a:off x="5467772" y="4301102"/>
+            <a:ext cx="1519029" cy="430888"/>
+          </a:xfrm>
+          <a:prstGeom prst="roundRect">
+            <a:avLst>
+              <a:gd name="adj" fmla="val 8434"/>
+            </a:avLst>
+          </a:prstGeom>
+        </p:spPr>
+        <p:style>
+          <a:lnRef idx="2">
+            <a:schemeClr val="dk1"/>
+          </a:lnRef>
+          <a:fillRef idx="1">
+            <a:schemeClr val="lt1"/>
+          </a:fillRef>
+          <a:effectRef idx="0">
+            <a:schemeClr val="dk1"/>
+          </a:effectRef>
+          <a:fontRef idx="minor">
+            <a:schemeClr val="dk1"/>
+          </a:fontRef>
+        </p:style>
+        <p:txBody>
+          <a:bodyPr rtlCol="0" anchor="ctr"/>
+          <a:lstStyle/>
+          <a:p>
+            <a:pPr algn="ctr"/>
+            <a:r>
+              <a:rPr lang="en-US" altLang="ko-KR" sz="1200"/>
+              <a:t>App Container (Service)</a:t>
+            </a:r>
+            <a:endParaRPr lang="ko-KR" altLang="en-US" sz="1200"/>
+          </a:p>
+        </p:txBody>
+      </p:sp>
+      <p:cxnSp>
+        <p:nvCxnSpPr>
+          <p:cNvPr id="111" name="직선 화살표 연결선 110">
+            <a:extLst>
+              <a:ext uri="{FF2B5EF4-FFF2-40B4-BE49-F238E27FC236}">
+                <a16:creationId xmlns:a16="http://schemas.microsoft.com/office/drawing/2014/main" id="{22CC2A56-2E3E-4403-A4E7-5195B1BA5377}"/>
+              </a:ext>
+            </a:extLst>
+          </p:cNvPr>
+          <p:cNvCxnSpPr>
+            <a:cxnSpLocks/>
+            <a:stCxn id="109" idx="2"/>
+            <a:endCxn id="110" idx="0"/>
+          </p:cNvCxnSpPr>
+          <p:nvPr/>
+        </p:nvCxnSpPr>
+        <p:spPr>
+          <a:xfrm>
+            <a:off x="6227287" y="4086236"/>
+            <a:ext cx="0" cy="214866"/>
+          </a:xfrm>
+          <a:prstGeom prst="straightConnector1">
+            <a:avLst/>
+          </a:prstGeom>
+          <a:ln w="19050">
+            <a:solidFill>
+              <a:schemeClr val="tx1"/>
+            </a:solidFill>
+            <a:headEnd type="arrow" w="med" len="med"/>
+            <a:tailEnd type="arrow" w="med" len="med"/>
+          </a:ln>
+        </p:spPr>
+        <p:style>
+          <a:lnRef idx="1">
+            <a:schemeClr val="accent1"/>
+          </a:lnRef>
+          <a:fillRef idx="0">
+            <a:schemeClr val="accent1"/>
+          </a:fillRef>
+          <a:effectRef idx="0">
+            <a:schemeClr val="accent1"/>
+          </a:effectRef>
+          <a:fontRef idx="minor">
+            <a:schemeClr val="tx1"/>
+          </a:fontRef>
+        </p:style>
+      </p:cxnSp>
+      <p:sp>
+        <p:nvSpPr>
+          <p:cNvPr id="112" name="사각형: 둥근 모서리 111">
+            <a:extLst>
+              <a:ext uri="{FF2B5EF4-FFF2-40B4-BE49-F238E27FC236}">
+                <a16:creationId xmlns:a16="http://schemas.microsoft.com/office/drawing/2014/main" id="{4B170447-B6AB-472E-9035-D5B169C8B0E6}"/>
+              </a:ext>
+            </a:extLst>
+          </p:cNvPr>
+          <p:cNvSpPr/>
+          <p:nvPr/>
+        </p:nvSpPr>
+        <p:spPr>
+          <a:xfrm>
+            <a:off x="5650215" y="3218884"/>
+            <a:ext cx="1154141" cy="216962"/>
+          </a:xfrm>
+          <a:prstGeom prst="roundRect">
+            <a:avLst>
+              <a:gd name="adj" fmla="val 19315"/>
+            </a:avLst>
+          </a:prstGeom>
+        </p:spPr>
+        <p:style>
+          <a:lnRef idx="2">
+            <a:schemeClr val="dk1"/>
+          </a:lnRef>
+          <a:fillRef idx="1">
+            <a:schemeClr val="lt1"/>
+          </a:fillRef>
+          <a:effectRef idx="0">
+            <a:schemeClr val="dk1"/>
+          </a:effectRef>
+          <a:fontRef idx="minor">
+            <a:schemeClr val="dk1"/>
+          </a:fontRef>
+        </p:style>
+        <p:txBody>
+          <a:bodyPr rtlCol="0" anchor="ctr"/>
+          <a:lstStyle/>
+          <a:p>
+            <a:pPr algn="ctr"/>
+            <a:r>
+              <a:rPr lang="en-US" altLang="ko-KR" sz="1200"/>
+              <a:t>pilot-agent</a:t>
+            </a:r>
+            <a:endParaRPr lang="ko-KR" altLang="en-US" sz="1100"/>
+          </a:p>
+        </p:txBody>
+      </p:sp>
+      <p:sp>
+        <p:nvSpPr>
+          <p:cNvPr id="113" name="사각형: 둥근 모서리 112">
+            <a:extLst>
+              <a:ext uri="{FF2B5EF4-FFF2-40B4-BE49-F238E27FC236}">
+                <a16:creationId xmlns:a16="http://schemas.microsoft.com/office/drawing/2014/main" id="{F33267DD-8C2C-44CF-9546-9B026B9E4C02}"/>
+              </a:ext>
+            </a:extLst>
+          </p:cNvPr>
+          <p:cNvSpPr/>
+          <p:nvPr/>
+        </p:nvSpPr>
+        <p:spPr>
+          <a:xfrm>
+            <a:off x="5650215" y="3578924"/>
+            <a:ext cx="1154141" cy="216962"/>
+          </a:xfrm>
+          <a:prstGeom prst="roundRect">
+            <a:avLst>
+              <a:gd name="adj" fmla="val 19315"/>
+            </a:avLst>
+          </a:prstGeom>
+        </p:spPr>
+        <p:style>
+          <a:lnRef idx="2">
+            <a:schemeClr val="dk1"/>
+          </a:lnRef>
+          <a:fillRef idx="1">
+            <a:schemeClr val="lt1"/>
+          </a:fillRef>
+          <a:effectRef idx="0">
+            <a:schemeClr val="dk1"/>
+          </a:effectRef>
+          <a:fontRef idx="minor">
+            <a:schemeClr val="dk1"/>
+          </a:fontRef>
+        </p:style>
+        <p:txBody>
+          <a:bodyPr rtlCol="0" anchor="ctr"/>
+          <a:lstStyle/>
+          <a:p>
+            <a:pPr algn="ctr"/>
+            <a:r>
+              <a:rPr lang="en-US" altLang="ko-KR" sz="1200"/>
+              <a:t>Envoy</a:t>
+            </a:r>
+            <a:endParaRPr lang="ko-KR" altLang="en-US" sz="1100"/>
+          </a:p>
+        </p:txBody>
+      </p:sp>
+      <p:cxnSp>
+        <p:nvCxnSpPr>
+          <p:cNvPr id="4" name="직선 화살표 연결선 3">
+            <a:extLst>
+              <a:ext uri="{FF2B5EF4-FFF2-40B4-BE49-F238E27FC236}">
+                <a16:creationId xmlns:a16="http://schemas.microsoft.com/office/drawing/2014/main" id="{730910B9-BECA-44DA-B857-FD6B9700E337}"/>
+              </a:ext>
+            </a:extLst>
+          </p:cNvPr>
+          <p:cNvCxnSpPr>
+            <a:cxnSpLocks/>
+            <a:endCxn id="113" idx="1"/>
+          </p:cNvCxnSpPr>
+          <p:nvPr/>
+        </p:nvCxnSpPr>
+        <p:spPr>
+          <a:xfrm>
+            <a:off x="3501747" y="3684095"/>
+            <a:ext cx="2148468" cy="3310"/>
+          </a:xfrm>
+          <a:prstGeom prst="straightConnector1">
+            <a:avLst/>
+          </a:prstGeom>
+          <a:ln w="19050">
+            <a:solidFill>
+              <a:schemeClr val="tx1"/>
+            </a:solidFill>
+            <a:headEnd type="arrow" w="med" len="med"/>
+            <a:tailEnd type="arrow" w="med" len="med"/>
+          </a:ln>
+        </p:spPr>
+        <p:style>
+          <a:lnRef idx="1">
+            <a:schemeClr val="accent1"/>
+          </a:lnRef>
+          <a:fillRef idx="0">
+            <a:schemeClr val="accent1"/>
+          </a:fillRef>
+          <a:effectRef idx="0">
+            <a:schemeClr val="accent1"/>
+          </a:effectRef>
+          <a:fontRef idx="minor">
+            <a:schemeClr val="tx1"/>
+          </a:fontRef>
+        </p:style>
+      </p:cxnSp>
+      <p:cxnSp>
+        <p:nvCxnSpPr>
+          <p:cNvPr id="53" name="직선 화살표 연결선 52">
+            <a:extLst>
+              <a:ext uri="{FF2B5EF4-FFF2-40B4-BE49-F238E27FC236}">
+                <a16:creationId xmlns:a16="http://schemas.microsoft.com/office/drawing/2014/main" id="{B48E3304-0DA9-42B7-A102-AC0603A92D79}"/>
+              </a:ext>
+            </a:extLst>
+          </p:cNvPr>
+          <p:cNvCxnSpPr>
+            <a:cxnSpLocks/>
+            <a:stCxn id="2" idx="2"/>
+            <a:endCxn id="113" idx="1"/>
+          </p:cNvCxnSpPr>
+          <p:nvPr/>
+        </p:nvCxnSpPr>
+        <p:spPr>
+          <a:xfrm>
+            <a:off x="4572000" y="2067694"/>
+            <a:ext cx="1078215" cy="1619711"/>
+          </a:xfrm>
+          <a:prstGeom prst="straightConnector1">
+            <a:avLst/>
+          </a:prstGeom>
+          <a:ln w="19050">
+            <a:solidFill>
+              <a:schemeClr val="tx2"/>
+            </a:solidFill>
+            <a:headEnd type="arrow" w="med" len="med"/>
+            <a:tailEnd type="none" w="med" len="med"/>
+          </a:ln>
+        </p:spPr>
+        <p:style>
+          <a:lnRef idx="1">
+            <a:schemeClr val="accent1"/>
+          </a:lnRef>
+          <a:fillRef idx="0">
+            <a:schemeClr val="accent1"/>
+          </a:fillRef>
+          <a:effectRef idx="0">
+            <a:schemeClr val="accent1"/>
+          </a:effectRef>
+          <a:fontRef idx="minor">
+            <a:schemeClr val="tx1"/>
+          </a:fontRef>
+        </p:style>
+      </p:cxnSp>
+      <p:cxnSp>
+        <p:nvCxnSpPr>
           <p:cNvPr id="32" name="직선 화살표 연결선 31">
             <a:extLst>
               <a:ext uri="{FF2B5EF4-FFF2-40B4-BE49-F238E27FC236}">
@@ -4732,14 +5623,14 @@
           <p:cNvCxnSpPr>
             <a:cxnSpLocks/>
             <a:stCxn id="21" idx="2"/>
-            <a:endCxn id="14" idx="0"/>
+            <a:endCxn id="112" idx="0"/>
           </p:cNvCxnSpPr>
           <p:nvPr/>
         </p:nvCxnSpPr>
         <p:spPr>
           <a:xfrm>
             <a:off x="2915816" y="2270453"/>
-            <a:ext cx="3169380" cy="868245"/>
+            <a:ext cx="3311470" cy="948431"/>
           </a:xfrm>
           <a:prstGeom prst="straightConnector1">
             <a:avLst/>
@@ -4769,24 +5660,24 @@
       </p:cxnSp>
       <p:cxnSp>
         <p:nvCxnSpPr>
-          <p:cNvPr id="37" name="직선 화살표 연결선 36">
-            <a:extLst>
-              <a:ext uri="{FF2B5EF4-FFF2-40B4-BE49-F238E27FC236}">
-                <a16:creationId xmlns:a16="http://schemas.microsoft.com/office/drawing/2014/main" id="{1A8559E0-BB7B-498E-81C5-E1B803048D10}"/>
+          <p:cNvPr id="31" name="직선 화살표 연결선 30">
+            <a:extLst>
+              <a:ext uri="{FF2B5EF4-FFF2-40B4-BE49-F238E27FC236}">
+                <a16:creationId xmlns:a16="http://schemas.microsoft.com/office/drawing/2014/main" id="{9A2D860F-4A9B-42E1-9A92-7F92F85826E6}"/>
               </a:ext>
             </a:extLst>
           </p:cNvPr>
           <p:cNvCxnSpPr>
             <a:cxnSpLocks/>
             <a:stCxn id="22" idx="2"/>
-            <a:endCxn id="11" idx="0"/>
+            <a:endCxn id="112" idx="0"/>
           </p:cNvCxnSpPr>
           <p:nvPr/>
         </p:nvCxnSpPr>
         <p:spPr>
           <a:xfrm flipH="1">
-            <a:off x="3068668" y="2270453"/>
-            <a:ext cx="3159516" cy="868245"/>
+            <a:off x="6227286" y="2270453"/>
+            <a:ext cx="898" cy="948431"/>
           </a:xfrm>
           <a:prstGeom prst="straightConnector1">
             <a:avLst/>
@@ -4816,70 +5707,33 @@
           </a:fontRef>
         </p:style>
       </p:cxnSp>
-      <p:sp>
-        <p:nvSpPr>
-          <p:cNvPr id="40" name="TextBox 39">
-            <a:extLst>
-              <a:ext uri="{FF2B5EF4-FFF2-40B4-BE49-F238E27FC236}">
-                <a16:creationId xmlns:a16="http://schemas.microsoft.com/office/drawing/2014/main" id="{CA986F38-8E99-4A3C-9761-6D727CD90436}"/>
-              </a:ext>
-            </a:extLst>
-          </p:cNvPr>
-          <p:cNvSpPr txBox="1"/>
-          <p:nvPr/>
-        </p:nvSpPr>
-        <p:spPr>
-          <a:xfrm>
-            <a:off x="3322680" y="1302028"/>
-            <a:ext cx="1937650" cy="261610"/>
-          </a:xfrm>
-          <a:prstGeom prst="rect">
-            <a:avLst/>
-          </a:prstGeom>
-          <a:noFill/>
-        </p:spPr>
-        <p:txBody>
-          <a:bodyPr wrap="square" rtlCol="0" anchor="ctr">
-            <a:spAutoFit/>
-          </a:bodyPr>
-          <a:lstStyle/>
-          <a:p>
-            <a:pPr algn="ctr"/>
-            <a:r>
-              <a:rPr lang="en-US" altLang="ko-KR" sz="1100"/>
-              <a:t>Config </a:t>
-            </a:r>
-            <a:endParaRPr lang="ko-KR" altLang="en-US" sz="1100"/>
-          </a:p>
-        </p:txBody>
-      </p:sp>
       <p:cxnSp>
         <p:nvCxnSpPr>
-          <p:cNvPr id="41" name="직선 화살표 연결선 40">
-            <a:extLst>
-              <a:ext uri="{FF2B5EF4-FFF2-40B4-BE49-F238E27FC236}">
-                <a16:creationId xmlns:a16="http://schemas.microsoft.com/office/drawing/2014/main" id="{7AD3A802-D381-4ED5-8EB6-29CF31FBD044}"/>
+          <p:cNvPr id="120" name="직선 화살표 연결선 119">
+            <a:extLst>
+              <a:ext uri="{FF2B5EF4-FFF2-40B4-BE49-F238E27FC236}">
+                <a16:creationId xmlns:a16="http://schemas.microsoft.com/office/drawing/2014/main" id="{EE7DEC37-A3CC-455B-9D91-0016AD25CC74}"/>
               </a:ext>
             </a:extLst>
           </p:cNvPr>
           <p:cNvCxnSpPr>
             <a:cxnSpLocks/>
-            <a:stCxn id="10" idx="2"/>
-            <a:endCxn id="2" idx="0"/>
+            <a:stCxn id="2" idx="2"/>
+            <a:endCxn id="112" idx="0"/>
           </p:cNvCxnSpPr>
           <p:nvPr/>
         </p:nvCxnSpPr>
         <p:spPr>
           <a:xfrm>
-            <a:off x="4572000" y="1136016"/>
-            <a:ext cx="0" cy="567212"/>
+            <a:off x="4572000" y="2067694"/>
+            <a:ext cx="1655286" cy="1151190"/>
           </a:xfrm>
           <a:prstGeom prst="straightConnector1">
             <a:avLst/>
           </a:prstGeom>
           <a:ln w="19050">
             <a:solidFill>
-              <a:schemeClr val="tx1"/>
+              <a:schemeClr val="accent6"/>
             </a:solidFill>
             <a:headEnd type="none" w="med" len="med"/>
             <a:tailEnd type="arrow" w="med" len="med"/>
@@ -4902,31 +5756,29 @@
       </p:cxnSp>
       <p:cxnSp>
         <p:nvCxnSpPr>
-          <p:cNvPr id="45" name="직선 화살표 연결선 44">
-            <a:extLst>
-              <a:ext uri="{FF2B5EF4-FFF2-40B4-BE49-F238E27FC236}">
-                <a16:creationId xmlns:a16="http://schemas.microsoft.com/office/drawing/2014/main" id="{241E5EE8-630C-4AC2-B5EF-5C4F70B3AABC}"/>
+          <p:cNvPr id="123" name="직선 화살표 연결선 122">
+            <a:extLst>
+              <a:ext uri="{FF2B5EF4-FFF2-40B4-BE49-F238E27FC236}">
+                <a16:creationId xmlns:a16="http://schemas.microsoft.com/office/drawing/2014/main" id="{429EF041-E13D-4846-A668-272F2DEEF5C6}"/>
               </a:ext>
             </a:extLst>
           </p:cNvPr>
           <p:cNvCxnSpPr>
             <a:cxnSpLocks/>
-            <a:stCxn id="10" idx="2"/>
-            <a:endCxn id="21" idx="0"/>
           </p:cNvCxnSpPr>
           <p:nvPr/>
         </p:nvCxnSpPr>
         <p:spPr>
-          <a:xfrm flipH="1">
-            <a:off x="2915816" y="1136016"/>
-            <a:ext cx="1656184" cy="769971"/>
+          <a:xfrm>
+            <a:off x="2852669" y="3435846"/>
+            <a:ext cx="0" cy="143078"/>
           </a:xfrm>
           <a:prstGeom prst="straightConnector1">
             <a:avLst/>
           </a:prstGeom>
           <a:ln w="19050">
             <a:solidFill>
-              <a:schemeClr val="tx1"/>
+              <a:srgbClr val="C00000"/>
             </a:solidFill>
             <a:headEnd type="none" w="med" len="med"/>
             <a:tailEnd type="arrow" w="med" len="med"/>
@@ -4947,131 +5799,255 @@
           </a:fontRef>
         </p:style>
       </p:cxnSp>
-      <p:sp>
-        <p:nvSpPr>
-          <p:cNvPr id="48" name="TextBox 47">
-            <a:extLst>
-              <a:ext uri="{FF2B5EF4-FFF2-40B4-BE49-F238E27FC236}">
-                <a16:creationId xmlns:a16="http://schemas.microsoft.com/office/drawing/2014/main" id="{32A6DA01-6CF3-428C-B318-828BF9D4A40C}"/>
-              </a:ext>
-            </a:extLst>
-          </p:cNvPr>
-          <p:cNvSpPr txBox="1"/>
-          <p:nvPr/>
-        </p:nvSpPr>
-        <p:spPr>
-          <a:xfrm>
-            <a:off x="1563092" y="2283717"/>
-            <a:ext cx="1857834" cy="430887"/>
-          </a:xfrm>
-          <a:prstGeom prst="rect">
-            <a:avLst/>
-          </a:prstGeom>
-          <a:noFill/>
-        </p:spPr>
-        <p:txBody>
-          <a:bodyPr wrap="square" rtlCol="0" anchor="ctr">
-            <a:spAutoFit/>
-          </a:bodyPr>
-          <a:lstStyle/>
-          <a:p>
-            <a:pPr algn="ctr"/>
-            <a:r>
-              <a:rPr lang="en-US" altLang="ko-KR" sz="1100">
-                <a:solidFill>
-                  <a:srgbClr val="C00000"/>
-                </a:solidFill>
-              </a:rPr>
-              <a:t>Service Info,</a:t>
-            </a:r>
-          </a:p>
-          <a:p>
-            <a:pPr algn="ctr"/>
-            <a:r>
-              <a:rPr lang="en-US" altLang="ko-KR" sz="1100">
-                <a:solidFill>
-                  <a:srgbClr val="C00000"/>
-                </a:solidFill>
-              </a:rPr>
-              <a:t>Routing Info</a:t>
-            </a:r>
-            <a:endParaRPr lang="ko-KR" altLang="en-US" sz="1100">
-              <a:solidFill>
-                <a:srgbClr val="C00000"/>
-              </a:solidFill>
-            </a:endParaRPr>
-          </a:p>
-        </p:txBody>
-      </p:sp>
-      <p:sp>
-        <p:nvSpPr>
-          <p:cNvPr id="49" name="TextBox 48">
-            <a:extLst>
-              <a:ext uri="{FF2B5EF4-FFF2-40B4-BE49-F238E27FC236}">
-                <a16:creationId xmlns:a16="http://schemas.microsoft.com/office/drawing/2014/main" id="{24A20AA7-25C9-453E-B64D-59058FB36796}"/>
-              </a:ext>
-            </a:extLst>
-          </p:cNvPr>
-          <p:cNvSpPr txBox="1"/>
-          <p:nvPr/>
-        </p:nvSpPr>
-        <p:spPr>
-          <a:xfrm>
-            <a:off x="5802702" y="2262776"/>
-            <a:ext cx="1503332" cy="261610"/>
-          </a:xfrm>
-          <a:prstGeom prst="rect">
-            <a:avLst/>
-          </a:prstGeom>
-          <a:noFill/>
-        </p:spPr>
-        <p:txBody>
-          <a:bodyPr wrap="square" rtlCol="0" anchor="ctr">
-            <a:spAutoFit/>
-          </a:bodyPr>
-          <a:lstStyle/>
-          <a:p>
-            <a:pPr algn="ctr"/>
-            <a:r>
-              <a:rPr lang="en-US" altLang="ko-KR" sz="1100">
-                <a:solidFill>
-                  <a:schemeClr val="accent3">
-                    <a:lumMod val="75000"/>
-                  </a:schemeClr>
-                </a:solidFill>
-              </a:rPr>
-              <a:t>TLS Cert</a:t>
-            </a:r>
-            <a:endParaRPr lang="ko-KR" altLang="en-US" sz="1100">
-              <a:solidFill>
-                <a:schemeClr val="accent3">
-                  <a:lumMod val="75000"/>
-                </a:schemeClr>
-              </a:solidFill>
-            </a:endParaRPr>
-          </a:p>
-        </p:txBody>
-      </p:sp>
       <p:cxnSp>
         <p:nvCxnSpPr>
-          <p:cNvPr id="53" name="직선 화살표 연결선 52">
-            <a:extLst>
-              <a:ext uri="{FF2B5EF4-FFF2-40B4-BE49-F238E27FC236}">
-                <a16:creationId xmlns:a16="http://schemas.microsoft.com/office/drawing/2014/main" id="{B48E3304-0DA9-42B7-A102-AC0603A92D79}"/>
+          <p:cNvPr id="126" name="직선 화살표 연결선 125">
+            <a:extLst>
+              <a:ext uri="{FF2B5EF4-FFF2-40B4-BE49-F238E27FC236}">
+                <a16:creationId xmlns:a16="http://schemas.microsoft.com/office/drawing/2014/main" id="{9BC9F3D3-21F8-4E3D-847F-07EFB8884417}"/>
+              </a:ext>
+            </a:extLst>
+          </p:cNvPr>
+          <p:cNvCxnSpPr>
+            <a:cxnSpLocks/>
+          </p:cNvCxnSpPr>
+          <p:nvPr/>
+        </p:nvCxnSpPr>
+        <p:spPr>
+          <a:xfrm>
+            <a:off x="2915816" y="3435846"/>
+            <a:ext cx="0" cy="143078"/>
+          </a:xfrm>
+          <a:prstGeom prst="straightConnector1">
+            <a:avLst/>
+          </a:prstGeom>
+          <a:ln w="19050">
+            <a:solidFill>
+              <a:schemeClr val="accent6"/>
+            </a:solidFill>
+            <a:headEnd type="none" w="med" len="med"/>
+            <a:tailEnd type="arrow" w="med" len="med"/>
+          </a:ln>
+        </p:spPr>
+        <p:style>
+          <a:lnRef idx="1">
+            <a:schemeClr val="accent1"/>
+          </a:lnRef>
+          <a:fillRef idx="0">
+            <a:schemeClr val="accent1"/>
+          </a:fillRef>
+          <a:effectRef idx="0">
+            <a:schemeClr val="accent1"/>
+          </a:effectRef>
+          <a:fontRef idx="minor">
+            <a:schemeClr val="tx1"/>
+          </a:fontRef>
+        </p:style>
+      </p:cxnSp>
+      <p:cxnSp>
+        <p:nvCxnSpPr>
+          <p:cNvPr id="129" name="직선 화살표 연결선 128">
+            <a:extLst>
+              <a:ext uri="{FF2B5EF4-FFF2-40B4-BE49-F238E27FC236}">
+                <a16:creationId xmlns:a16="http://schemas.microsoft.com/office/drawing/2014/main" id="{C69015EE-95E3-4A5A-B8A5-F969FE5C78A3}"/>
+              </a:ext>
+            </a:extLst>
+          </p:cNvPr>
+          <p:cNvCxnSpPr>
+            <a:cxnSpLocks/>
+          </p:cNvCxnSpPr>
+          <p:nvPr/>
+        </p:nvCxnSpPr>
+        <p:spPr>
+          <a:xfrm>
+            <a:off x="2987824" y="3435846"/>
+            <a:ext cx="0" cy="143078"/>
+          </a:xfrm>
+          <a:prstGeom prst="straightConnector1">
+            <a:avLst/>
+          </a:prstGeom>
+          <a:ln w="19050">
+            <a:solidFill>
+              <a:schemeClr val="accent3">
+                <a:lumMod val="75000"/>
+              </a:schemeClr>
+            </a:solidFill>
+            <a:headEnd type="none" w="med" len="med"/>
+            <a:tailEnd type="arrow" w="med" len="med"/>
+          </a:ln>
+        </p:spPr>
+        <p:style>
+          <a:lnRef idx="1">
+            <a:schemeClr val="accent1"/>
+          </a:lnRef>
+          <a:fillRef idx="0">
+            <a:schemeClr val="accent1"/>
+          </a:fillRef>
+          <a:effectRef idx="0">
+            <a:schemeClr val="accent1"/>
+          </a:effectRef>
+          <a:fontRef idx="minor">
+            <a:schemeClr val="tx1"/>
+          </a:fontRef>
+        </p:style>
+      </p:cxnSp>
+      <p:cxnSp>
+        <p:nvCxnSpPr>
+          <p:cNvPr id="132" name="직선 화살표 연결선 131">
+            <a:extLst>
+              <a:ext uri="{FF2B5EF4-FFF2-40B4-BE49-F238E27FC236}">
+                <a16:creationId xmlns:a16="http://schemas.microsoft.com/office/drawing/2014/main" id="{DC5A5138-8F60-4796-9B80-6E55090704FF}"/>
+              </a:ext>
+            </a:extLst>
+          </p:cNvPr>
+          <p:cNvCxnSpPr>
+            <a:cxnSpLocks/>
+          </p:cNvCxnSpPr>
+          <p:nvPr/>
+        </p:nvCxnSpPr>
+        <p:spPr>
+          <a:xfrm>
+            <a:off x="6156176" y="3435846"/>
+            <a:ext cx="0" cy="143078"/>
+          </a:xfrm>
+          <a:prstGeom prst="straightConnector1">
+            <a:avLst/>
+          </a:prstGeom>
+          <a:ln w="19050">
+            <a:solidFill>
+              <a:srgbClr val="C00000"/>
+            </a:solidFill>
+            <a:headEnd type="none" w="med" len="med"/>
+            <a:tailEnd type="arrow" w="med" len="med"/>
+          </a:ln>
+        </p:spPr>
+        <p:style>
+          <a:lnRef idx="1">
+            <a:schemeClr val="accent1"/>
+          </a:lnRef>
+          <a:fillRef idx="0">
+            <a:schemeClr val="accent1"/>
+          </a:fillRef>
+          <a:effectRef idx="0">
+            <a:schemeClr val="accent1"/>
+          </a:effectRef>
+          <a:fontRef idx="minor">
+            <a:schemeClr val="tx1"/>
+          </a:fontRef>
+        </p:style>
+      </p:cxnSp>
+      <p:cxnSp>
+        <p:nvCxnSpPr>
+          <p:cNvPr id="133" name="직선 화살표 연결선 132">
+            <a:extLst>
+              <a:ext uri="{FF2B5EF4-FFF2-40B4-BE49-F238E27FC236}">
+                <a16:creationId xmlns:a16="http://schemas.microsoft.com/office/drawing/2014/main" id="{F363FAB2-E451-404D-9441-A8617FD687A0}"/>
+              </a:ext>
+            </a:extLst>
+          </p:cNvPr>
+          <p:cNvCxnSpPr>
+            <a:cxnSpLocks/>
+          </p:cNvCxnSpPr>
+          <p:nvPr/>
+        </p:nvCxnSpPr>
+        <p:spPr>
+          <a:xfrm>
+            <a:off x="6219323" y="3435846"/>
+            <a:ext cx="0" cy="143078"/>
+          </a:xfrm>
+          <a:prstGeom prst="straightConnector1">
+            <a:avLst/>
+          </a:prstGeom>
+          <a:ln w="19050">
+            <a:solidFill>
+              <a:schemeClr val="accent6"/>
+            </a:solidFill>
+            <a:headEnd type="none" w="med" len="med"/>
+            <a:tailEnd type="arrow" w="med" len="med"/>
+          </a:ln>
+        </p:spPr>
+        <p:style>
+          <a:lnRef idx="1">
+            <a:schemeClr val="accent1"/>
+          </a:lnRef>
+          <a:fillRef idx="0">
+            <a:schemeClr val="accent1"/>
+          </a:fillRef>
+          <a:effectRef idx="0">
+            <a:schemeClr val="accent1"/>
+          </a:effectRef>
+          <a:fontRef idx="minor">
+            <a:schemeClr val="tx1"/>
+          </a:fontRef>
+        </p:style>
+      </p:cxnSp>
+      <p:cxnSp>
+        <p:nvCxnSpPr>
+          <p:cNvPr id="134" name="직선 화살표 연결선 133">
+            <a:extLst>
+              <a:ext uri="{FF2B5EF4-FFF2-40B4-BE49-F238E27FC236}">
+                <a16:creationId xmlns:a16="http://schemas.microsoft.com/office/drawing/2014/main" id="{1E8C7B47-BF2C-4FA4-8214-85499D59D98B}"/>
+              </a:ext>
+            </a:extLst>
+          </p:cNvPr>
+          <p:cNvCxnSpPr>
+            <a:cxnSpLocks/>
+          </p:cNvCxnSpPr>
+          <p:nvPr/>
+        </p:nvCxnSpPr>
+        <p:spPr>
+          <a:xfrm>
+            <a:off x="6291331" y="3435846"/>
+            <a:ext cx="0" cy="143078"/>
+          </a:xfrm>
+          <a:prstGeom prst="straightConnector1">
+            <a:avLst/>
+          </a:prstGeom>
+          <a:ln w="19050">
+            <a:solidFill>
+              <a:schemeClr val="accent3">
+                <a:lumMod val="75000"/>
+              </a:schemeClr>
+            </a:solidFill>
+            <a:headEnd type="none" w="med" len="med"/>
+            <a:tailEnd type="arrow" w="med" len="med"/>
+          </a:ln>
+        </p:spPr>
+        <p:style>
+          <a:lnRef idx="1">
+            <a:schemeClr val="accent1"/>
+          </a:lnRef>
+          <a:fillRef idx="0">
+            <a:schemeClr val="accent1"/>
+          </a:fillRef>
+          <a:effectRef idx="0">
+            <a:schemeClr val="accent1"/>
+          </a:effectRef>
+          <a:fontRef idx="minor">
+            <a:schemeClr val="tx1"/>
+          </a:fontRef>
+        </p:style>
+      </p:cxnSp>
+      <p:cxnSp>
+        <p:nvCxnSpPr>
+          <p:cNvPr id="135" name="직선 화살표 연결선 134">
+            <a:extLst>
+              <a:ext uri="{FF2B5EF4-FFF2-40B4-BE49-F238E27FC236}">
+                <a16:creationId xmlns:a16="http://schemas.microsoft.com/office/drawing/2014/main" id="{04F42738-3CE8-462F-B8A9-FB08FCF19F2F}"/>
               </a:ext>
             </a:extLst>
           </p:cNvPr>
           <p:cNvCxnSpPr>
             <a:cxnSpLocks/>
             <a:stCxn id="2" idx="2"/>
-            <a:endCxn id="14" idx="0"/>
+            <a:endCxn id="72" idx="3"/>
           </p:cNvCxnSpPr>
           <p:nvPr/>
         </p:nvCxnSpPr>
         <p:spPr>
-          <a:xfrm>
-            <a:off x="4572000" y="2067694"/>
-            <a:ext cx="1513196" cy="1071004"/>
+          <a:xfrm flipH="1">
+            <a:off x="3501747" y="2067694"/>
+            <a:ext cx="1070253" cy="1259671"/>
           </a:xfrm>
           <a:prstGeom prst="straightConnector1">
             <a:avLst/>
@@ -5081,7 +6057,7 @@
               <a:schemeClr val="tx2"/>
             </a:solidFill>
             <a:headEnd type="arrow" w="med" len="med"/>
-            <a:tailEnd type="arrow" w="med" len="med"/>
+            <a:tailEnd type="none" w="med" len="med"/>
           </a:ln>
         </p:spPr>
         <p:style>
@@ -5101,24 +6077,24 @@
       </p:cxnSp>
       <p:cxnSp>
         <p:nvCxnSpPr>
-          <p:cNvPr id="56" name="직선 화살표 연결선 55">
-            <a:extLst>
-              <a:ext uri="{FF2B5EF4-FFF2-40B4-BE49-F238E27FC236}">
-                <a16:creationId xmlns:a16="http://schemas.microsoft.com/office/drawing/2014/main" id="{AD2B73C4-82B3-41D5-A1F2-4EE03938FF53}"/>
+          <p:cNvPr id="138" name="직선 화살표 연결선 137">
+            <a:extLst>
+              <a:ext uri="{FF2B5EF4-FFF2-40B4-BE49-F238E27FC236}">
+                <a16:creationId xmlns:a16="http://schemas.microsoft.com/office/drawing/2014/main" id="{ACE45695-BDFB-4646-B267-3E4DD7F9F5AA}"/>
               </a:ext>
             </a:extLst>
           </p:cNvPr>
           <p:cNvCxnSpPr>
             <a:cxnSpLocks/>
             <a:stCxn id="2" idx="2"/>
-            <a:endCxn id="11" idx="0"/>
+            <a:endCxn id="112" idx="1"/>
           </p:cNvCxnSpPr>
           <p:nvPr/>
         </p:nvCxnSpPr>
         <p:spPr>
-          <a:xfrm flipH="1">
-            <a:off x="3068668" y="2067694"/>
-            <a:ext cx="1503332" cy="1071004"/>
+          <a:xfrm>
+            <a:off x="4572000" y="2067694"/>
+            <a:ext cx="1078215" cy="1259671"/>
           </a:xfrm>
           <a:prstGeom prst="straightConnector1">
             <a:avLst/>
@@ -5128,7 +6104,7 @@
               <a:schemeClr val="tx2"/>
             </a:solidFill>
             <a:headEnd type="arrow" w="med" len="med"/>
-            <a:tailEnd type="arrow" w="med" len="med"/>
+            <a:tailEnd type="none" w="med" len="med"/>
           </a:ln>
         </p:spPr>
         <p:style>
@@ -5146,302 +6122,6 @@
           </a:fontRef>
         </p:style>
       </p:cxnSp>
-      <p:sp>
-        <p:nvSpPr>
-          <p:cNvPr id="59" name="TextBox 58">
-            <a:extLst>
-              <a:ext uri="{FF2B5EF4-FFF2-40B4-BE49-F238E27FC236}">
-                <a16:creationId xmlns:a16="http://schemas.microsoft.com/office/drawing/2014/main" id="{47478D2F-0AF1-4E2E-8745-10256E11F7F9}"/>
-              </a:ext>
-            </a:extLst>
-          </p:cNvPr>
-          <p:cNvSpPr txBox="1"/>
-          <p:nvPr/>
-        </p:nvSpPr>
-        <p:spPr>
-          <a:xfrm>
-            <a:off x="3885539" y="2200240"/>
-            <a:ext cx="1370536" cy="430887"/>
-          </a:xfrm>
-          <a:prstGeom prst="rect">
-            <a:avLst/>
-          </a:prstGeom>
-          <a:noFill/>
-        </p:spPr>
-        <p:txBody>
-          <a:bodyPr wrap="square" rtlCol="0" anchor="ctr">
-            <a:spAutoFit/>
-          </a:bodyPr>
-          <a:lstStyle/>
-          <a:p>
-            <a:pPr algn="ctr"/>
-            <a:r>
-              <a:rPr lang="en-US" altLang="ko-KR" sz="1100">
-                <a:solidFill>
-                  <a:schemeClr val="tx2"/>
-                </a:solidFill>
-              </a:rPr>
-              <a:t>Policy, </a:t>
-            </a:r>
-          </a:p>
-          <a:p>
-            <a:pPr algn="ctr"/>
-            <a:r>
-              <a:rPr lang="en-US" altLang="ko-KR" sz="1100">
-                <a:solidFill>
-                  <a:schemeClr val="tx2"/>
-                </a:solidFill>
-              </a:rPr>
-              <a:t>Metric</a:t>
-            </a:r>
-            <a:endParaRPr lang="ko-KR" altLang="en-US" sz="1100">
-              <a:solidFill>
-                <a:schemeClr val="tx2"/>
-              </a:solidFill>
-            </a:endParaRPr>
-          </a:p>
-        </p:txBody>
-      </p:sp>
-      <p:sp>
-        <p:nvSpPr>
-          <p:cNvPr id="34" name="사각형: 둥근 모서리 33">
-            <a:extLst>
-              <a:ext uri="{FF2B5EF4-FFF2-40B4-BE49-F238E27FC236}">
-                <a16:creationId xmlns:a16="http://schemas.microsoft.com/office/drawing/2014/main" id="{6ADCB343-2E87-464D-9DF0-35FDA54CAD91}"/>
-              </a:ext>
-            </a:extLst>
-          </p:cNvPr>
-          <p:cNvSpPr/>
-          <p:nvPr/>
-        </p:nvSpPr>
-        <p:spPr>
-          <a:xfrm>
-            <a:off x="5767104" y="976424"/>
-            <a:ext cx="1109152" cy="335861"/>
-          </a:xfrm>
-          <a:prstGeom prst="roundRect">
-            <a:avLst/>
-          </a:prstGeom>
-        </p:spPr>
-        <p:style>
-          <a:lnRef idx="2">
-            <a:schemeClr val="dk1"/>
-          </a:lnRef>
-          <a:fillRef idx="1">
-            <a:schemeClr val="lt1"/>
-          </a:fillRef>
-          <a:effectRef idx="0">
-            <a:schemeClr val="dk1"/>
-          </a:effectRef>
-          <a:fontRef idx="minor">
-            <a:schemeClr val="dk1"/>
-          </a:fontRef>
-        </p:style>
-        <p:txBody>
-          <a:bodyPr rtlCol="0" anchor="ctr"/>
-          <a:lstStyle/>
-          <a:p>
-            <a:pPr algn="ctr"/>
-            <a:r>
-              <a:rPr lang="en-US" altLang="ko-KR" sz="1100"/>
-              <a:t>Prometheus</a:t>
-            </a:r>
-          </a:p>
-          <a:p>
-            <a:pPr algn="ctr"/>
-            <a:r>
-              <a:rPr lang="en-US" altLang="ko-KR" sz="1100"/>
-              <a:t>(Adaptor)</a:t>
-            </a:r>
-          </a:p>
-        </p:txBody>
-      </p:sp>
-      <p:sp>
-        <p:nvSpPr>
-          <p:cNvPr id="35" name="사각형: 둥근 모서리 34">
-            <a:extLst>
-              <a:ext uri="{FF2B5EF4-FFF2-40B4-BE49-F238E27FC236}">
-                <a16:creationId xmlns:a16="http://schemas.microsoft.com/office/drawing/2014/main" id="{0E4A5F02-280A-457E-9827-0FB1C6A130D7}"/>
-              </a:ext>
-            </a:extLst>
-          </p:cNvPr>
-          <p:cNvSpPr/>
-          <p:nvPr/>
-        </p:nvSpPr>
-        <p:spPr>
-          <a:xfrm>
-            <a:off x="5767104" y="1430535"/>
-            <a:ext cx="1109152" cy="335861"/>
-          </a:xfrm>
-          <a:prstGeom prst="roundRect">
-            <a:avLst/>
-          </a:prstGeom>
-        </p:spPr>
-        <p:style>
-          <a:lnRef idx="2">
-            <a:schemeClr val="dk1"/>
-          </a:lnRef>
-          <a:fillRef idx="1">
-            <a:schemeClr val="lt1"/>
-          </a:fillRef>
-          <a:effectRef idx="0">
-            <a:schemeClr val="dk1"/>
-          </a:effectRef>
-          <a:fontRef idx="minor">
-            <a:schemeClr val="dk1"/>
-          </a:fontRef>
-        </p:style>
-        <p:txBody>
-          <a:bodyPr rtlCol="0" anchor="ctr"/>
-          <a:lstStyle/>
-          <a:p>
-            <a:pPr algn="ctr"/>
-            <a:r>
-              <a:rPr lang="en-US" altLang="ko-KR" sz="1100"/>
-              <a:t>Stackdriver</a:t>
-            </a:r>
-          </a:p>
-          <a:p>
-            <a:pPr algn="ctr"/>
-            <a:r>
-              <a:rPr lang="en-US" altLang="ko-KR" sz="1100"/>
-              <a:t>(Adaptor)</a:t>
-            </a:r>
-            <a:endParaRPr lang="ko-KR" altLang="en-US" sz="1100"/>
-          </a:p>
-        </p:txBody>
-      </p:sp>
-      <p:cxnSp>
-        <p:nvCxnSpPr>
-          <p:cNvPr id="36" name="직선 화살표 연결선 35">
-            <a:extLst>
-              <a:ext uri="{FF2B5EF4-FFF2-40B4-BE49-F238E27FC236}">
-                <a16:creationId xmlns:a16="http://schemas.microsoft.com/office/drawing/2014/main" id="{1FC8ED53-0AD3-4A0C-8B9A-851B8F610457}"/>
-              </a:ext>
-            </a:extLst>
-          </p:cNvPr>
-          <p:cNvCxnSpPr>
-            <a:cxnSpLocks/>
-            <a:stCxn id="2" idx="3"/>
-            <a:endCxn id="34" idx="1"/>
-          </p:cNvCxnSpPr>
-          <p:nvPr/>
-        </p:nvCxnSpPr>
-        <p:spPr>
-          <a:xfrm flipV="1">
-            <a:off x="5220072" y="1144355"/>
-            <a:ext cx="547032" cy="741106"/>
-          </a:xfrm>
-          <a:prstGeom prst="straightConnector1">
-            <a:avLst/>
-          </a:prstGeom>
-          <a:ln w="19050">
-            <a:solidFill>
-              <a:schemeClr val="tx1"/>
-            </a:solidFill>
-            <a:headEnd type="none" w="med" len="med"/>
-            <a:tailEnd type="arrow" w="med" len="med"/>
-          </a:ln>
-        </p:spPr>
-        <p:style>
-          <a:lnRef idx="1">
-            <a:schemeClr val="accent1"/>
-          </a:lnRef>
-          <a:fillRef idx="0">
-            <a:schemeClr val="accent1"/>
-          </a:fillRef>
-          <a:effectRef idx="0">
-            <a:schemeClr val="accent1"/>
-          </a:effectRef>
-          <a:fontRef idx="minor">
-            <a:schemeClr val="tx1"/>
-          </a:fontRef>
-        </p:style>
-      </p:cxnSp>
-      <p:cxnSp>
-        <p:nvCxnSpPr>
-          <p:cNvPr id="39" name="직선 화살표 연결선 38">
-            <a:extLst>
-              <a:ext uri="{FF2B5EF4-FFF2-40B4-BE49-F238E27FC236}">
-                <a16:creationId xmlns:a16="http://schemas.microsoft.com/office/drawing/2014/main" id="{CFE0763D-4732-447B-B7BE-B88FF1BAF656}"/>
-              </a:ext>
-            </a:extLst>
-          </p:cNvPr>
-          <p:cNvCxnSpPr>
-            <a:cxnSpLocks/>
-            <a:stCxn id="2" idx="3"/>
-            <a:endCxn id="35" idx="1"/>
-          </p:cNvCxnSpPr>
-          <p:nvPr/>
-        </p:nvCxnSpPr>
-        <p:spPr>
-          <a:xfrm flipV="1">
-            <a:off x="5220072" y="1598466"/>
-            <a:ext cx="547032" cy="286995"/>
-          </a:xfrm>
-          <a:prstGeom prst="straightConnector1">
-            <a:avLst/>
-          </a:prstGeom>
-          <a:ln w="19050">
-            <a:solidFill>
-              <a:schemeClr val="tx1"/>
-            </a:solidFill>
-            <a:headEnd type="none" w="med" len="med"/>
-            <a:tailEnd type="arrow" w="med" len="med"/>
-          </a:ln>
-        </p:spPr>
-        <p:style>
-          <a:lnRef idx="1">
-            <a:schemeClr val="accent1"/>
-          </a:lnRef>
-          <a:fillRef idx="0">
-            <a:schemeClr val="accent1"/>
-          </a:fillRef>
-          <a:effectRef idx="0">
-            <a:schemeClr val="accent1"/>
-          </a:effectRef>
-          <a:fontRef idx="minor">
-            <a:schemeClr val="tx1"/>
-          </a:fontRef>
-        </p:style>
-      </p:cxnSp>
-      <p:sp>
-        <p:nvSpPr>
-          <p:cNvPr id="42" name="TextBox 41">
-            <a:extLst>
-              <a:ext uri="{FF2B5EF4-FFF2-40B4-BE49-F238E27FC236}">
-                <a16:creationId xmlns:a16="http://schemas.microsoft.com/office/drawing/2014/main" id="{1FC1BA85-0000-4E67-B51B-6CB3207E4E2F}"/>
-              </a:ext>
-            </a:extLst>
-          </p:cNvPr>
-          <p:cNvSpPr txBox="1"/>
-          <p:nvPr/>
-        </p:nvSpPr>
-        <p:spPr>
-          <a:xfrm>
-            <a:off x="4858051" y="1400971"/>
-            <a:ext cx="641506" cy="261610"/>
-          </a:xfrm>
-          <a:prstGeom prst="rect">
-            <a:avLst/>
-          </a:prstGeom>
-          <a:noFill/>
-        </p:spPr>
-        <p:txBody>
-          <a:bodyPr wrap="square" rtlCol="0" anchor="ctr">
-            <a:spAutoFit/>
-          </a:bodyPr>
-          <a:lstStyle/>
-          <a:p>
-            <a:pPr algn="ctr"/>
-            <a:r>
-              <a:rPr lang="en-US" altLang="ko-KR" sz="1100"/>
-              <a:t>Metric</a:t>
-            </a:r>
-            <a:endParaRPr lang="ko-KR" altLang="en-US" sz="1100"/>
-          </a:p>
-        </p:txBody>
-      </p:sp>
     </p:spTree>
     <p:extLst>
       <p:ext uri="{BB962C8B-B14F-4D97-AF65-F5344CB8AC3E}">
@@ -5474,6 +6154,784 @@
       </p:grpSpPr>
       <p:sp>
         <p:nvSpPr>
+          <p:cNvPr id="35" name="TextBox 34">
+            <a:extLst>
+              <a:ext uri="{FF2B5EF4-FFF2-40B4-BE49-F238E27FC236}">
+                <a16:creationId xmlns:a16="http://schemas.microsoft.com/office/drawing/2014/main" id="{4399AF51-4EF1-480C-B3BB-8BFE1C117772}"/>
+              </a:ext>
+            </a:extLst>
+          </p:cNvPr>
+          <p:cNvSpPr txBox="1"/>
+          <p:nvPr/>
+        </p:nvSpPr>
+        <p:spPr>
+          <a:xfrm>
+            <a:off x="3603175" y="3674724"/>
+            <a:ext cx="1937650" cy="430887"/>
+          </a:xfrm>
+          <a:prstGeom prst="rect">
+            <a:avLst/>
+          </a:prstGeom>
+          <a:noFill/>
+        </p:spPr>
+        <p:txBody>
+          <a:bodyPr wrap="square" rtlCol="0" anchor="ctr">
+            <a:spAutoFit/>
+          </a:bodyPr>
+          <a:lstStyle/>
+          <a:p>
+            <a:pPr algn="ctr"/>
+            <a:r>
+              <a:rPr lang="en-US" altLang="ko-KR" sz="1100"/>
+              <a:t>HTTP/1.1, HTTP/2 </a:t>
+            </a:r>
+          </a:p>
+          <a:p>
+            <a:pPr algn="ctr"/>
+            <a:r>
+              <a:rPr lang="en-US" altLang="ko-KR" sz="1100"/>
+              <a:t>gRPC, TCP (with TLS)</a:t>
+            </a:r>
+            <a:endParaRPr lang="ko-KR" altLang="en-US" sz="1100"/>
+          </a:p>
+        </p:txBody>
+      </p:sp>
+      <p:sp>
+        <p:nvSpPr>
+          <p:cNvPr id="36" name="사각형: 둥근 모서리 35">
+            <a:extLst>
+              <a:ext uri="{FF2B5EF4-FFF2-40B4-BE49-F238E27FC236}">
+                <a16:creationId xmlns:a16="http://schemas.microsoft.com/office/drawing/2014/main" id="{CDB17C72-45A8-44AD-98E4-28E613894C79}"/>
+              </a:ext>
+            </a:extLst>
+          </p:cNvPr>
+          <p:cNvSpPr/>
+          <p:nvPr/>
+        </p:nvSpPr>
+        <p:spPr>
+          <a:xfrm>
+            <a:off x="2051720" y="3032497"/>
+            <a:ext cx="1745914" cy="1987522"/>
+          </a:xfrm>
+          <a:prstGeom prst="roundRect">
+            <a:avLst>
+              <a:gd name="adj" fmla="val 5660"/>
+            </a:avLst>
+          </a:prstGeom>
+        </p:spPr>
+        <p:style>
+          <a:lnRef idx="2">
+            <a:schemeClr val="dk1"/>
+          </a:lnRef>
+          <a:fillRef idx="1">
+            <a:schemeClr val="lt1"/>
+          </a:fillRef>
+          <a:effectRef idx="0">
+            <a:schemeClr val="dk1"/>
+          </a:effectRef>
+          <a:fontRef idx="minor">
+            <a:schemeClr val="dk1"/>
+          </a:fontRef>
+        </p:style>
+        <p:txBody>
+          <a:bodyPr rtlCol="0" anchor="b"/>
+          <a:lstStyle/>
+          <a:p>
+            <a:pPr algn="ctr"/>
+            <a:r>
+              <a:rPr lang="en-US" altLang="ko-KR" sz="1400"/>
+              <a:t>App Pod</a:t>
+            </a:r>
+            <a:endParaRPr lang="ko-KR" altLang="en-US" sz="1400"/>
+          </a:p>
+        </p:txBody>
+      </p:sp>
+      <p:sp>
+        <p:nvSpPr>
+          <p:cNvPr id="37" name="사각형: 둥근 모서리 36">
+            <a:extLst>
+              <a:ext uri="{FF2B5EF4-FFF2-40B4-BE49-F238E27FC236}">
+                <a16:creationId xmlns:a16="http://schemas.microsoft.com/office/drawing/2014/main" id="{1AE9833A-A511-421A-875D-9F069E91A3BF}"/>
+              </a:ext>
+            </a:extLst>
+          </p:cNvPr>
+          <p:cNvSpPr/>
+          <p:nvPr/>
+        </p:nvSpPr>
+        <p:spPr>
+          <a:xfrm>
+            <a:off x="2165163" y="3138701"/>
+            <a:ext cx="1519029" cy="947539"/>
+          </a:xfrm>
+          <a:prstGeom prst="roundRect">
+            <a:avLst>
+              <a:gd name="adj" fmla="val 7777"/>
+            </a:avLst>
+          </a:prstGeom>
+        </p:spPr>
+        <p:style>
+          <a:lnRef idx="2">
+            <a:schemeClr val="dk1"/>
+          </a:lnRef>
+          <a:fillRef idx="1">
+            <a:schemeClr val="lt1"/>
+          </a:fillRef>
+          <a:effectRef idx="0">
+            <a:schemeClr val="dk1"/>
+          </a:effectRef>
+          <a:fontRef idx="minor">
+            <a:schemeClr val="dk1"/>
+          </a:fontRef>
+        </p:style>
+        <p:txBody>
+          <a:bodyPr rtlCol="0" anchor="b"/>
+          <a:lstStyle/>
+          <a:p>
+            <a:pPr algn="ctr"/>
+            <a:r>
+              <a:rPr lang="en-US" altLang="ko-KR" sz="1200"/>
+              <a:t>Sidecar Container</a:t>
+            </a:r>
+            <a:endParaRPr lang="ko-KR" altLang="en-US" sz="1200"/>
+          </a:p>
+        </p:txBody>
+      </p:sp>
+      <p:sp>
+        <p:nvSpPr>
+          <p:cNvPr id="38" name="사각형: 둥근 모서리 37">
+            <a:extLst>
+              <a:ext uri="{FF2B5EF4-FFF2-40B4-BE49-F238E27FC236}">
+                <a16:creationId xmlns:a16="http://schemas.microsoft.com/office/drawing/2014/main" id="{8FE4E86C-21B6-403E-ABE7-DDA2A1B1F57E}"/>
+              </a:ext>
+            </a:extLst>
+          </p:cNvPr>
+          <p:cNvSpPr/>
+          <p:nvPr/>
+        </p:nvSpPr>
+        <p:spPr>
+          <a:xfrm>
+            <a:off x="2165163" y="4301102"/>
+            <a:ext cx="1519029" cy="430888"/>
+          </a:xfrm>
+          <a:prstGeom prst="roundRect">
+            <a:avLst>
+              <a:gd name="adj" fmla="val 8434"/>
+            </a:avLst>
+          </a:prstGeom>
+        </p:spPr>
+        <p:style>
+          <a:lnRef idx="2">
+            <a:schemeClr val="dk1"/>
+          </a:lnRef>
+          <a:fillRef idx="1">
+            <a:schemeClr val="lt1"/>
+          </a:fillRef>
+          <a:effectRef idx="0">
+            <a:schemeClr val="dk1"/>
+          </a:effectRef>
+          <a:fontRef idx="minor">
+            <a:schemeClr val="dk1"/>
+          </a:fontRef>
+        </p:style>
+        <p:txBody>
+          <a:bodyPr rtlCol="0" anchor="ctr"/>
+          <a:lstStyle/>
+          <a:p>
+            <a:pPr algn="ctr"/>
+            <a:r>
+              <a:rPr lang="en-US" altLang="ko-KR" sz="1200"/>
+              <a:t>App Container (Service)</a:t>
+            </a:r>
+            <a:endParaRPr lang="ko-KR" altLang="en-US" sz="1200"/>
+          </a:p>
+        </p:txBody>
+      </p:sp>
+      <p:cxnSp>
+        <p:nvCxnSpPr>
+          <p:cNvPr id="39" name="직선 화살표 연결선 38">
+            <a:extLst>
+              <a:ext uri="{FF2B5EF4-FFF2-40B4-BE49-F238E27FC236}">
+                <a16:creationId xmlns:a16="http://schemas.microsoft.com/office/drawing/2014/main" id="{A2186B62-6822-4FFE-AACD-76532DEDDE08}"/>
+              </a:ext>
+            </a:extLst>
+          </p:cNvPr>
+          <p:cNvCxnSpPr>
+            <a:cxnSpLocks/>
+            <a:stCxn id="37" idx="2"/>
+            <a:endCxn id="38" idx="0"/>
+          </p:cNvCxnSpPr>
+          <p:nvPr/>
+        </p:nvCxnSpPr>
+        <p:spPr>
+          <a:xfrm>
+            <a:off x="2924678" y="4086240"/>
+            <a:ext cx="0" cy="214862"/>
+          </a:xfrm>
+          <a:prstGeom prst="straightConnector1">
+            <a:avLst/>
+          </a:prstGeom>
+          <a:ln w="19050">
+            <a:solidFill>
+              <a:schemeClr val="tx1"/>
+            </a:solidFill>
+            <a:headEnd type="arrow" w="med" len="med"/>
+            <a:tailEnd type="arrow" w="med" len="med"/>
+          </a:ln>
+        </p:spPr>
+        <p:style>
+          <a:lnRef idx="1">
+            <a:schemeClr val="accent1"/>
+          </a:lnRef>
+          <a:fillRef idx="0">
+            <a:schemeClr val="accent1"/>
+          </a:fillRef>
+          <a:effectRef idx="0">
+            <a:schemeClr val="accent1"/>
+          </a:effectRef>
+          <a:fontRef idx="minor">
+            <a:schemeClr val="tx1"/>
+          </a:fontRef>
+        </p:style>
+      </p:cxnSp>
+      <p:sp>
+        <p:nvSpPr>
+          <p:cNvPr id="40" name="사각형: 둥근 모서리 39">
+            <a:extLst>
+              <a:ext uri="{FF2B5EF4-FFF2-40B4-BE49-F238E27FC236}">
+                <a16:creationId xmlns:a16="http://schemas.microsoft.com/office/drawing/2014/main" id="{A84AE39B-23FC-4D50-8897-5422E56132E4}"/>
+              </a:ext>
+            </a:extLst>
+          </p:cNvPr>
+          <p:cNvSpPr/>
+          <p:nvPr/>
+        </p:nvSpPr>
+        <p:spPr>
+          <a:xfrm>
+            <a:off x="2347606" y="3218888"/>
+            <a:ext cx="1154141" cy="216962"/>
+          </a:xfrm>
+          <a:prstGeom prst="roundRect">
+            <a:avLst>
+              <a:gd name="adj" fmla="val 19315"/>
+            </a:avLst>
+          </a:prstGeom>
+        </p:spPr>
+        <p:style>
+          <a:lnRef idx="2">
+            <a:schemeClr val="dk1"/>
+          </a:lnRef>
+          <a:fillRef idx="1">
+            <a:schemeClr val="lt1"/>
+          </a:fillRef>
+          <a:effectRef idx="0">
+            <a:schemeClr val="dk1"/>
+          </a:effectRef>
+          <a:fontRef idx="minor">
+            <a:schemeClr val="dk1"/>
+          </a:fontRef>
+        </p:style>
+        <p:txBody>
+          <a:bodyPr rtlCol="0" anchor="ctr"/>
+          <a:lstStyle/>
+          <a:p>
+            <a:pPr algn="ctr"/>
+            <a:r>
+              <a:rPr lang="en-US" altLang="ko-KR" sz="1200"/>
+              <a:t>pilot-agent</a:t>
+            </a:r>
+            <a:endParaRPr lang="ko-KR" altLang="en-US" sz="1100"/>
+          </a:p>
+        </p:txBody>
+      </p:sp>
+      <p:sp>
+        <p:nvSpPr>
+          <p:cNvPr id="41" name="사각형: 둥근 모서리 40">
+            <a:extLst>
+              <a:ext uri="{FF2B5EF4-FFF2-40B4-BE49-F238E27FC236}">
+                <a16:creationId xmlns:a16="http://schemas.microsoft.com/office/drawing/2014/main" id="{F402AF76-5ED2-4E02-8989-392D437920CA}"/>
+              </a:ext>
+            </a:extLst>
+          </p:cNvPr>
+          <p:cNvSpPr/>
+          <p:nvPr/>
+        </p:nvSpPr>
+        <p:spPr>
+          <a:xfrm>
+            <a:off x="2347606" y="3578928"/>
+            <a:ext cx="1154141" cy="216962"/>
+          </a:xfrm>
+          <a:prstGeom prst="roundRect">
+            <a:avLst>
+              <a:gd name="adj" fmla="val 19315"/>
+            </a:avLst>
+          </a:prstGeom>
+        </p:spPr>
+        <p:style>
+          <a:lnRef idx="2">
+            <a:schemeClr val="dk1"/>
+          </a:lnRef>
+          <a:fillRef idx="1">
+            <a:schemeClr val="lt1"/>
+          </a:fillRef>
+          <a:effectRef idx="0">
+            <a:schemeClr val="dk1"/>
+          </a:effectRef>
+          <a:fontRef idx="minor">
+            <a:schemeClr val="dk1"/>
+          </a:fontRef>
+        </p:style>
+        <p:txBody>
+          <a:bodyPr rtlCol="0" anchor="ctr"/>
+          <a:lstStyle/>
+          <a:p>
+            <a:pPr algn="ctr"/>
+            <a:r>
+              <a:rPr lang="en-US" altLang="ko-KR" sz="1200"/>
+              <a:t>Envoy</a:t>
+            </a:r>
+            <a:endParaRPr lang="ko-KR" altLang="en-US" sz="1100"/>
+          </a:p>
+        </p:txBody>
+      </p:sp>
+      <p:sp>
+        <p:nvSpPr>
+          <p:cNvPr id="42" name="사각형: 둥근 모서리 41">
+            <a:extLst>
+              <a:ext uri="{FF2B5EF4-FFF2-40B4-BE49-F238E27FC236}">
+                <a16:creationId xmlns:a16="http://schemas.microsoft.com/office/drawing/2014/main" id="{09D80621-7488-4718-A3B3-01916E3EF3C2}"/>
+              </a:ext>
+            </a:extLst>
+          </p:cNvPr>
+          <p:cNvSpPr/>
+          <p:nvPr/>
+        </p:nvSpPr>
+        <p:spPr>
+          <a:xfrm>
+            <a:off x="5354329" y="3032497"/>
+            <a:ext cx="1745914" cy="1987519"/>
+          </a:xfrm>
+          <a:prstGeom prst="roundRect">
+            <a:avLst>
+              <a:gd name="adj" fmla="val 5660"/>
+            </a:avLst>
+          </a:prstGeom>
+        </p:spPr>
+        <p:style>
+          <a:lnRef idx="2">
+            <a:schemeClr val="dk1"/>
+          </a:lnRef>
+          <a:fillRef idx="1">
+            <a:schemeClr val="lt1"/>
+          </a:fillRef>
+          <a:effectRef idx="0">
+            <a:schemeClr val="dk1"/>
+          </a:effectRef>
+          <a:fontRef idx="minor">
+            <a:schemeClr val="dk1"/>
+          </a:fontRef>
+        </p:style>
+        <p:txBody>
+          <a:bodyPr rtlCol="0" anchor="b"/>
+          <a:lstStyle/>
+          <a:p>
+            <a:pPr algn="ctr"/>
+            <a:r>
+              <a:rPr lang="en-US" altLang="ko-KR" sz="1400"/>
+              <a:t>App Pod</a:t>
+            </a:r>
+            <a:endParaRPr lang="ko-KR" altLang="en-US" sz="1400"/>
+          </a:p>
+        </p:txBody>
+      </p:sp>
+      <p:sp>
+        <p:nvSpPr>
+          <p:cNvPr id="44" name="사각형: 둥근 모서리 43">
+            <a:extLst>
+              <a:ext uri="{FF2B5EF4-FFF2-40B4-BE49-F238E27FC236}">
+                <a16:creationId xmlns:a16="http://schemas.microsoft.com/office/drawing/2014/main" id="{A9F0A57B-C048-4971-8E3E-AACD8A28999E}"/>
+              </a:ext>
+            </a:extLst>
+          </p:cNvPr>
+          <p:cNvSpPr/>
+          <p:nvPr/>
+        </p:nvSpPr>
+        <p:spPr>
+          <a:xfrm>
+            <a:off x="5467772" y="3138701"/>
+            <a:ext cx="1519029" cy="947539"/>
+          </a:xfrm>
+          <a:prstGeom prst="roundRect">
+            <a:avLst>
+              <a:gd name="adj" fmla="val 7777"/>
+            </a:avLst>
+          </a:prstGeom>
+        </p:spPr>
+        <p:style>
+          <a:lnRef idx="2">
+            <a:schemeClr val="dk1"/>
+          </a:lnRef>
+          <a:fillRef idx="1">
+            <a:schemeClr val="lt1"/>
+          </a:fillRef>
+          <a:effectRef idx="0">
+            <a:schemeClr val="dk1"/>
+          </a:effectRef>
+          <a:fontRef idx="minor">
+            <a:schemeClr val="dk1"/>
+          </a:fontRef>
+        </p:style>
+        <p:txBody>
+          <a:bodyPr rtlCol="0" anchor="b"/>
+          <a:lstStyle/>
+          <a:p>
+            <a:pPr algn="ctr"/>
+            <a:r>
+              <a:rPr lang="en-US" altLang="ko-KR" sz="1200"/>
+              <a:t>Sidecar Container</a:t>
+            </a:r>
+            <a:endParaRPr lang="ko-KR" altLang="en-US" sz="1200"/>
+          </a:p>
+        </p:txBody>
+      </p:sp>
+      <p:sp>
+        <p:nvSpPr>
+          <p:cNvPr id="45" name="사각형: 둥근 모서리 44">
+            <a:extLst>
+              <a:ext uri="{FF2B5EF4-FFF2-40B4-BE49-F238E27FC236}">
+                <a16:creationId xmlns:a16="http://schemas.microsoft.com/office/drawing/2014/main" id="{510D8ADD-115F-451D-901E-F543CB824467}"/>
+              </a:ext>
+            </a:extLst>
+          </p:cNvPr>
+          <p:cNvSpPr/>
+          <p:nvPr/>
+        </p:nvSpPr>
+        <p:spPr>
+          <a:xfrm>
+            <a:off x="5467772" y="4301102"/>
+            <a:ext cx="1519029" cy="430888"/>
+          </a:xfrm>
+          <a:prstGeom prst="roundRect">
+            <a:avLst>
+              <a:gd name="adj" fmla="val 8434"/>
+            </a:avLst>
+          </a:prstGeom>
+        </p:spPr>
+        <p:style>
+          <a:lnRef idx="2">
+            <a:schemeClr val="dk1"/>
+          </a:lnRef>
+          <a:fillRef idx="1">
+            <a:schemeClr val="lt1"/>
+          </a:fillRef>
+          <a:effectRef idx="0">
+            <a:schemeClr val="dk1"/>
+          </a:effectRef>
+          <a:fontRef idx="minor">
+            <a:schemeClr val="dk1"/>
+          </a:fontRef>
+        </p:style>
+        <p:txBody>
+          <a:bodyPr rtlCol="0" anchor="ctr"/>
+          <a:lstStyle/>
+          <a:p>
+            <a:pPr algn="ctr"/>
+            <a:r>
+              <a:rPr lang="en-US" altLang="ko-KR" sz="1200"/>
+              <a:t>App Container (Service)</a:t>
+            </a:r>
+            <a:endParaRPr lang="ko-KR" altLang="en-US" sz="1200"/>
+          </a:p>
+        </p:txBody>
+      </p:sp>
+      <p:cxnSp>
+        <p:nvCxnSpPr>
+          <p:cNvPr id="46" name="직선 화살표 연결선 45">
+            <a:extLst>
+              <a:ext uri="{FF2B5EF4-FFF2-40B4-BE49-F238E27FC236}">
+                <a16:creationId xmlns:a16="http://schemas.microsoft.com/office/drawing/2014/main" id="{60F07E5F-693D-4F4B-9190-251245679A40}"/>
+              </a:ext>
+            </a:extLst>
+          </p:cNvPr>
+          <p:cNvCxnSpPr>
+            <a:cxnSpLocks/>
+            <a:stCxn id="44" idx="2"/>
+            <a:endCxn id="45" idx="0"/>
+          </p:cNvCxnSpPr>
+          <p:nvPr/>
+        </p:nvCxnSpPr>
+        <p:spPr>
+          <a:xfrm>
+            <a:off x="6227287" y="4086240"/>
+            <a:ext cx="0" cy="214862"/>
+          </a:xfrm>
+          <a:prstGeom prst="straightConnector1">
+            <a:avLst/>
+          </a:prstGeom>
+          <a:ln w="19050">
+            <a:solidFill>
+              <a:schemeClr val="tx1"/>
+            </a:solidFill>
+            <a:headEnd type="arrow" w="med" len="med"/>
+            <a:tailEnd type="arrow" w="med" len="med"/>
+          </a:ln>
+        </p:spPr>
+        <p:style>
+          <a:lnRef idx="1">
+            <a:schemeClr val="accent1"/>
+          </a:lnRef>
+          <a:fillRef idx="0">
+            <a:schemeClr val="accent1"/>
+          </a:fillRef>
+          <a:effectRef idx="0">
+            <a:schemeClr val="accent1"/>
+          </a:effectRef>
+          <a:fontRef idx="minor">
+            <a:schemeClr val="tx1"/>
+          </a:fontRef>
+        </p:style>
+      </p:cxnSp>
+      <p:sp>
+        <p:nvSpPr>
+          <p:cNvPr id="47" name="사각형: 둥근 모서리 46">
+            <a:extLst>
+              <a:ext uri="{FF2B5EF4-FFF2-40B4-BE49-F238E27FC236}">
+                <a16:creationId xmlns:a16="http://schemas.microsoft.com/office/drawing/2014/main" id="{B1117B7D-D4F6-434E-A68C-CC195842D684}"/>
+              </a:ext>
+            </a:extLst>
+          </p:cNvPr>
+          <p:cNvSpPr/>
+          <p:nvPr/>
+        </p:nvSpPr>
+        <p:spPr>
+          <a:xfrm>
+            <a:off x="5650215" y="3218888"/>
+            <a:ext cx="1154141" cy="216962"/>
+          </a:xfrm>
+          <a:prstGeom prst="roundRect">
+            <a:avLst>
+              <a:gd name="adj" fmla="val 19315"/>
+            </a:avLst>
+          </a:prstGeom>
+        </p:spPr>
+        <p:style>
+          <a:lnRef idx="2">
+            <a:schemeClr val="dk1"/>
+          </a:lnRef>
+          <a:fillRef idx="1">
+            <a:schemeClr val="lt1"/>
+          </a:fillRef>
+          <a:effectRef idx="0">
+            <a:schemeClr val="dk1"/>
+          </a:effectRef>
+          <a:fontRef idx="minor">
+            <a:schemeClr val="dk1"/>
+          </a:fontRef>
+        </p:style>
+        <p:txBody>
+          <a:bodyPr rtlCol="0" anchor="ctr"/>
+          <a:lstStyle/>
+          <a:p>
+            <a:pPr algn="ctr"/>
+            <a:r>
+              <a:rPr lang="en-US" altLang="ko-KR" sz="1200"/>
+              <a:t>pilot-agent</a:t>
+            </a:r>
+            <a:endParaRPr lang="ko-KR" altLang="en-US" sz="1100"/>
+          </a:p>
+        </p:txBody>
+      </p:sp>
+      <p:sp>
+        <p:nvSpPr>
+          <p:cNvPr id="49" name="사각형: 둥근 모서리 48">
+            <a:extLst>
+              <a:ext uri="{FF2B5EF4-FFF2-40B4-BE49-F238E27FC236}">
+                <a16:creationId xmlns:a16="http://schemas.microsoft.com/office/drawing/2014/main" id="{20CA1243-B40D-4688-9189-F5C24FADA84E}"/>
+              </a:ext>
+            </a:extLst>
+          </p:cNvPr>
+          <p:cNvSpPr/>
+          <p:nvPr/>
+        </p:nvSpPr>
+        <p:spPr>
+          <a:xfrm>
+            <a:off x="5650215" y="3578928"/>
+            <a:ext cx="1154141" cy="216962"/>
+          </a:xfrm>
+          <a:prstGeom prst="roundRect">
+            <a:avLst>
+              <a:gd name="adj" fmla="val 19315"/>
+            </a:avLst>
+          </a:prstGeom>
+        </p:spPr>
+        <p:style>
+          <a:lnRef idx="2">
+            <a:schemeClr val="dk1"/>
+          </a:lnRef>
+          <a:fillRef idx="1">
+            <a:schemeClr val="lt1"/>
+          </a:fillRef>
+          <a:effectRef idx="0">
+            <a:schemeClr val="dk1"/>
+          </a:effectRef>
+          <a:fontRef idx="minor">
+            <a:schemeClr val="dk1"/>
+          </a:fontRef>
+        </p:style>
+        <p:txBody>
+          <a:bodyPr rtlCol="0" anchor="ctr"/>
+          <a:lstStyle/>
+          <a:p>
+            <a:pPr algn="ctr"/>
+            <a:r>
+              <a:rPr lang="en-US" altLang="ko-KR" sz="1200"/>
+              <a:t>Envoy</a:t>
+            </a:r>
+            <a:endParaRPr lang="ko-KR" altLang="en-US" sz="1100"/>
+          </a:p>
+        </p:txBody>
+      </p:sp>
+      <p:cxnSp>
+        <p:nvCxnSpPr>
+          <p:cNvPr id="50" name="직선 화살표 연결선 49">
+            <a:extLst>
+              <a:ext uri="{FF2B5EF4-FFF2-40B4-BE49-F238E27FC236}">
+                <a16:creationId xmlns:a16="http://schemas.microsoft.com/office/drawing/2014/main" id="{D24E0006-EE5D-44A9-BDF7-86D793FF8522}"/>
+              </a:ext>
+            </a:extLst>
+          </p:cNvPr>
+          <p:cNvCxnSpPr>
+            <a:cxnSpLocks/>
+            <a:endCxn id="49" idx="1"/>
+          </p:cNvCxnSpPr>
+          <p:nvPr/>
+        </p:nvCxnSpPr>
+        <p:spPr>
+          <a:xfrm>
+            <a:off x="3501747" y="3684099"/>
+            <a:ext cx="2148468" cy="3310"/>
+          </a:xfrm>
+          <a:prstGeom prst="straightConnector1">
+            <a:avLst/>
+          </a:prstGeom>
+          <a:ln w="19050">
+            <a:solidFill>
+              <a:schemeClr val="tx1"/>
+            </a:solidFill>
+            <a:headEnd type="arrow" w="med" len="med"/>
+            <a:tailEnd type="arrow" w="med" len="med"/>
+          </a:ln>
+        </p:spPr>
+        <p:style>
+          <a:lnRef idx="1">
+            <a:schemeClr val="accent1"/>
+          </a:lnRef>
+          <a:fillRef idx="0">
+            <a:schemeClr val="accent1"/>
+          </a:fillRef>
+          <a:effectRef idx="0">
+            <a:schemeClr val="accent1"/>
+          </a:effectRef>
+          <a:fontRef idx="minor">
+            <a:schemeClr val="tx1"/>
+          </a:fontRef>
+        </p:style>
+      </p:cxnSp>
+      <p:cxnSp>
+        <p:nvCxnSpPr>
+          <p:cNvPr id="51" name="직선 화살표 연결선 50">
+            <a:extLst>
+              <a:ext uri="{FF2B5EF4-FFF2-40B4-BE49-F238E27FC236}">
+                <a16:creationId xmlns:a16="http://schemas.microsoft.com/office/drawing/2014/main" id="{A798CAE9-465F-4508-864F-C30725062785}"/>
+              </a:ext>
+            </a:extLst>
+          </p:cNvPr>
+          <p:cNvCxnSpPr>
+            <a:cxnSpLocks/>
+            <a:stCxn id="40" idx="2"/>
+            <a:endCxn id="41" idx="0"/>
+          </p:cNvCxnSpPr>
+          <p:nvPr/>
+        </p:nvCxnSpPr>
+        <p:spPr>
+          <a:xfrm>
+            <a:off x="2924677" y="3435850"/>
+            <a:ext cx="0" cy="143078"/>
+          </a:xfrm>
+          <a:prstGeom prst="straightConnector1">
+            <a:avLst/>
+          </a:prstGeom>
+          <a:ln w="19050">
+            <a:solidFill>
+              <a:srgbClr val="C00000"/>
+            </a:solidFill>
+            <a:headEnd type="none" w="med" len="med"/>
+            <a:tailEnd type="arrow" w="med" len="med"/>
+          </a:ln>
+        </p:spPr>
+        <p:style>
+          <a:lnRef idx="1">
+            <a:schemeClr val="accent1"/>
+          </a:lnRef>
+          <a:fillRef idx="0">
+            <a:schemeClr val="accent1"/>
+          </a:fillRef>
+          <a:effectRef idx="0">
+            <a:schemeClr val="accent1"/>
+          </a:effectRef>
+          <a:fontRef idx="minor">
+            <a:schemeClr val="tx1"/>
+          </a:fontRef>
+        </p:style>
+      </p:cxnSp>
+      <p:cxnSp>
+        <p:nvCxnSpPr>
+          <p:cNvPr id="57" name="직선 화살표 연결선 56">
+            <a:extLst>
+              <a:ext uri="{FF2B5EF4-FFF2-40B4-BE49-F238E27FC236}">
+                <a16:creationId xmlns:a16="http://schemas.microsoft.com/office/drawing/2014/main" id="{E2C783CA-1056-4BF9-BD58-081CF82B2859}"/>
+              </a:ext>
+            </a:extLst>
+          </p:cNvPr>
+          <p:cNvCxnSpPr>
+            <a:cxnSpLocks/>
+            <a:stCxn id="47" idx="2"/>
+            <a:endCxn id="49" idx="0"/>
+          </p:cNvCxnSpPr>
+          <p:nvPr/>
+        </p:nvCxnSpPr>
+        <p:spPr>
+          <a:xfrm>
+            <a:off x="6227286" y="3435850"/>
+            <a:ext cx="0" cy="143078"/>
+          </a:xfrm>
+          <a:prstGeom prst="straightConnector1">
+            <a:avLst/>
+          </a:prstGeom>
+          <a:ln w="19050">
+            <a:solidFill>
+              <a:srgbClr val="C00000"/>
+            </a:solidFill>
+            <a:headEnd type="none" w="med" len="med"/>
+            <a:tailEnd type="arrow" w="med" len="med"/>
+          </a:ln>
+        </p:spPr>
+        <p:style>
+          <a:lnRef idx="1">
+            <a:schemeClr val="accent1"/>
+          </a:lnRef>
+          <a:fillRef idx="0">
+            <a:schemeClr val="accent1"/>
+          </a:fillRef>
+          <a:effectRef idx="0">
+            <a:schemeClr val="accent1"/>
+          </a:effectRef>
+          <a:fontRef idx="minor">
+            <a:schemeClr val="tx1"/>
+          </a:fontRef>
+        </p:style>
+      </p:cxnSp>
+      <p:sp>
+        <p:nvSpPr>
           <p:cNvPr id="43" name="사각형: 둥근 모서리 42">
             <a:extLst>
               <a:ext uri="{FF2B5EF4-FFF2-40B4-BE49-F238E27FC236}">
@@ -5774,10 +7232,10 @@
       </p:sp>
       <p:sp>
         <p:nvSpPr>
-          <p:cNvPr id="30" name="사각형: 둥근 모서리 29">
-            <a:extLst>
-              <a:ext uri="{FF2B5EF4-FFF2-40B4-BE49-F238E27FC236}">
-                <a16:creationId xmlns:a16="http://schemas.microsoft.com/office/drawing/2014/main" id="{FDAB993D-810A-43AF-B447-9826BD957539}"/>
+          <p:cNvPr id="10" name="사각형: 둥근 모서리 9">
+            <a:extLst>
+              <a:ext uri="{FF2B5EF4-FFF2-40B4-BE49-F238E27FC236}">
+                <a16:creationId xmlns:a16="http://schemas.microsoft.com/office/drawing/2014/main" id="{61193B69-8AE4-46C8-8DE5-9DC6FFEAD8BA}"/>
               </a:ext>
             </a:extLst>
           </p:cNvPr>
@@ -5786,13 +7244,11 @@
         </p:nvSpPr>
         <p:spPr>
           <a:xfrm>
-            <a:off x="2267742" y="3032493"/>
-            <a:ext cx="1584178" cy="1699485"/>
+            <a:off x="3931021" y="1854777"/>
+            <a:ext cx="1296144" cy="364466"/>
           </a:xfrm>
           <a:prstGeom prst="roundRect">
-            <a:avLst>
-              <a:gd name="adj" fmla="val 5660"/>
-            </a:avLst>
+            <a:avLst/>
           </a:prstGeom>
         </p:spPr>
         <p:style>
@@ -5810,54 +7266,6 @@
           </a:fontRef>
         </p:style>
         <p:txBody>
-          <a:bodyPr rtlCol="0" anchor="b"/>
-          <a:lstStyle/>
-          <a:p>
-            <a:pPr algn="ctr"/>
-            <a:r>
-              <a:rPr lang="en-US" altLang="ko-KR" sz="1400"/>
-              <a:t>Pod</a:t>
-            </a:r>
-            <a:endParaRPr lang="ko-KR" altLang="en-US" sz="1400"/>
-          </a:p>
-        </p:txBody>
-      </p:sp>
-      <p:sp>
-        <p:nvSpPr>
-          <p:cNvPr id="10" name="사각형: 둥근 모서리 9">
-            <a:extLst>
-              <a:ext uri="{FF2B5EF4-FFF2-40B4-BE49-F238E27FC236}">
-                <a16:creationId xmlns:a16="http://schemas.microsoft.com/office/drawing/2014/main" id="{61193B69-8AE4-46C8-8DE5-9DC6FFEAD8BA}"/>
-              </a:ext>
-            </a:extLst>
-          </p:cNvPr>
-          <p:cNvSpPr/>
-          <p:nvPr/>
-        </p:nvSpPr>
-        <p:spPr>
-          <a:xfrm>
-            <a:off x="3931021" y="1854777"/>
-            <a:ext cx="1296144" cy="364466"/>
-          </a:xfrm>
-          <a:prstGeom prst="roundRect">
-            <a:avLst/>
-          </a:prstGeom>
-        </p:spPr>
-        <p:style>
-          <a:lnRef idx="2">
-            <a:schemeClr val="dk1"/>
-          </a:lnRef>
-          <a:fillRef idx="1">
-            <a:schemeClr val="lt1"/>
-          </a:fillRef>
-          <a:effectRef idx="0">
-            <a:schemeClr val="dk1"/>
-          </a:effectRef>
-          <a:fontRef idx="minor">
-            <a:schemeClr val="dk1"/>
-          </a:fontRef>
-        </p:style>
-        <p:txBody>
           <a:bodyPr rtlCol="0" anchor="ctr"/>
           <a:lstStyle/>
           <a:p>
@@ -5870,451 +7278,6 @@
           </a:p>
         </p:txBody>
       </p:sp>
-      <p:sp>
-        <p:nvSpPr>
-          <p:cNvPr id="11" name="사각형: 둥근 모서리 10">
-            <a:extLst>
-              <a:ext uri="{FF2B5EF4-FFF2-40B4-BE49-F238E27FC236}">
-                <a16:creationId xmlns:a16="http://schemas.microsoft.com/office/drawing/2014/main" id="{D8946450-F94A-47A3-A7A0-768126968021}"/>
-              </a:ext>
-            </a:extLst>
-          </p:cNvPr>
-          <p:cNvSpPr/>
-          <p:nvPr/>
-        </p:nvSpPr>
-        <p:spPr>
-          <a:xfrm>
-            <a:off x="2379512" y="3138698"/>
-            <a:ext cx="1378311" cy="430822"/>
-          </a:xfrm>
-          <a:prstGeom prst="roundRect">
-            <a:avLst/>
-          </a:prstGeom>
-        </p:spPr>
-        <p:style>
-          <a:lnRef idx="2">
-            <a:schemeClr val="dk1"/>
-          </a:lnRef>
-          <a:fillRef idx="1">
-            <a:schemeClr val="lt1"/>
-          </a:fillRef>
-          <a:effectRef idx="0">
-            <a:schemeClr val="dk1"/>
-          </a:effectRef>
-          <a:fontRef idx="minor">
-            <a:schemeClr val="dk1"/>
-          </a:fontRef>
-        </p:style>
-        <p:txBody>
-          <a:bodyPr rtlCol="0" anchor="ctr"/>
-          <a:lstStyle/>
-          <a:p>
-            <a:pPr algn="ctr"/>
-            <a:r>
-              <a:rPr lang="en-US" altLang="ko-KR" sz="1400"/>
-              <a:t>Envoy Sidecar</a:t>
-            </a:r>
-          </a:p>
-          <a:p>
-            <a:pPr algn="ctr"/>
-            <a:r>
-              <a:rPr lang="en-US" altLang="ko-KR" sz="1400"/>
-              <a:t>Container</a:t>
-            </a:r>
-            <a:endParaRPr lang="ko-KR" altLang="en-US" sz="1400"/>
-          </a:p>
-        </p:txBody>
-      </p:sp>
-      <p:sp>
-        <p:nvSpPr>
-          <p:cNvPr id="12" name="사각형: 둥근 모서리 11">
-            <a:extLst>
-              <a:ext uri="{FF2B5EF4-FFF2-40B4-BE49-F238E27FC236}">
-                <a16:creationId xmlns:a16="http://schemas.microsoft.com/office/drawing/2014/main" id="{A05FEBB3-9237-4C4A-BBEA-ACF2D32063B2}"/>
-              </a:ext>
-            </a:extLst>
-          </p:cNvPr>
-          <p:cNvSpPr/>
-          <p:nvPr/>
-        </p:nvSpPr>
-        <p:spPr>
-          <a:xfrm>
-            <a:off x="2379512" y="3795886"/>
-            <a:ext cx="1378311" cy="648072"/>
-          </a:xfrm>
-          <a:prstGeom prst="roundRect">
-            <a:avLst>
-              <a:gd name="adj" fmla="val 8434"/>
-            </a:avLst>
-          </a:prstGeom>
-        </p:spPr>
-        <p:style>
-          <a:lnRef idx="2">
-            <a:schemeClr val="dk1"/>
-          </a:lnRef>
-          <a:fillRef idx="1">
-            <a:schemeClr val="lt1"/>
-          </a:fillRef>
-          <a:effectRef idx="0">
-            <a:schemeClr val="dk1"/>
-          </a:effectRef>
-          <a:fontRef idx="minor">
-            <a:schemeClr val="dk1"/>
-          </a:fontRef>
-        </p:style>
-        <p:txBody>
-          <a:bodyPr rtlCol="0" anchor="ctr"/>
-          <a:lstStyle/>
-          <a:p>
-            <a:pPr algn="ctr"/>
-            <a:r>
-              <a:rPr lang="en-US" altLang="ko-KR" sz="1400"/>
-              <a:t>App Container (Service)</a:t>
-            </a:r>
-            <a:endParaRPr lang="ko-KR" altLang="en-US" sz="1400"/>
-          </a:p>
-        </p:txBody>
-      </p:sp>
-      <p:sp>
-        <p:nvSpPr>
-          <p:cNvPr id="13" name="사각형: 둥근 모서리 12">
-            <a:extLst>
-              <a:ext uri="{FF2B5EF4-FFF2-40B4-BE49-F238E27FC236}">
-                <a16:creationId xmlns:a16="http://schemas.microsoft.com/office/drawing/2014/main" id="{5CBB8B62-D9CC-4293-8B0D-4DD838D053B7}"/>
-              </a:ext>
-            </a:extLst>
-          </p:cNvPr>
-          <p:cNvSpPr/>
-          <p:nvPr/>
-        </p:nvSpPr>
-        <p:spPr>
-          <a:xfrm>
-            <a:off x="5292080" y="3032493"/>
-            <a:ext cx="1584178" cy="1699485"/>
-          </a:xfrm>
-          <a:prstGeom prst="roundRect">
-            <a:avLst>
-              <a:gd name="adj" fmla="val 5660"/>
-            </a:avLst>
-          </a:prstGeom>
-        </p:spPr>
-        <p:style>
-          <a:lnRef idx="2">
-            <a:schemeClr val="dk1"/>
-          </a:lnRef>
-          <a:fillRef idx="1">
-            <a:schemeClr val="lt1"/>
-          </a:fillRef>
-          <a:effectRef idx="0">
-            <a:schemeClr val="dk1"/>
-          </a:effectRef>
-          <a:fontRef idx="minor">
-            <a:schemeClr val="dk1"/>
-          </a:fontRef>
-        </p:style>
-        <p:txBody>
-          <a:bodyPr rtlCol="0" anchor="b"/>
-          <a:lstStyle/>
-          <a:p>
-            <a:pPr algn="ctr"/>
-            <a:r>
-              <a:rPr lang="en-US" altLang="ko-KR" sz="1400"/>
-              <a:t>Pod</a:t>
-            </a:r>
-            <a:endParaRPr lang="ko-KR" altLang="en-US" sz="1400"/>
-          </a:p>
-        </p:txBody>
-      </p:sp>
-      <p:sp>
-        <p:nvSpPr>
-          <p:cNvPr id="14" name="사각형: 둥근 모서리 13">
-            <a:extLst>
-              <a:ext uri="{FF2B5EF4-FFF2-40B4-BE49-F238E27FC236}">
-                <a16:creationId xmlns:a16="http://schemas.microsoft.com/office/drawing/2014/main" id="{5C84BC6B-636B-4C3B-86BA-31EECC0CB58A}"/>
-              </a:ext>
-            </a:extLst>
-          </p:cNvPr>
-          <p:cNvSpPr/>
-          <p:nvPr/>
-        </p:nvSpPr>
-        <p:spPr>
-          <a:xfrm>
-            <a:off x="5396040" y="3138698"/>
-            <a:ext cx="1378311" cy="430822"/>
-          </a:xfrm>
-          <a:prstGeom prst="roundRect">
-            <a:avLst/>
-          </a:prstGeom>
-        </p:spPr>
-        <p:style>
-          <a:lnRef idx="2">
-            <a:schemeClr val="dk1"/>
-          </a:lnRef>
-          <a:fillRef idx="1">
-            <a:schemeClr val="lt1"/>
-          </a:fillRef>
-          <a:effectRef idx="0">
-            <a:schemeClr val="dk1"/>
-          </a:effectRef>
-          <a:fontRef idx="minor">
-            <a:schemeClr val="dk1"/>
-          </a:fontRef>
-        </p:style>
-        <p:txBody>
-          <a:bodyPr rtlCol="0" anchor="ctr"/>
-          <a:lstStyle/>
-          <a:p>
-            <a:pPr algn="ctr"/>
-            <a:r>
-              <a:rPr lang="en-US" altLang="ko-KR" sz="1400"/>
-              <a:t>Envoy Sidecar</a:t>
-            </a:r>
-          </a:p>
-          <a:p>
-            <a:pPr algn="ctr"/>
-            <a:r>
-              <a:rPr lang="en-US" altLang="ko-KR" sz="1400"/>
-              <a:t>Container</a:t>
-            </a:r>
-            <a:endParaRPr lang="ko-KR" altLang="en-US" sz="1400"/>
-          </a:p>
-        </p:txBody>
-      </p:sp>
-      <p:sp>
-        <p:nvSpPr>
-          <p:cNvPr id="15" name="사각형: 둥근 모서리 14">
-            <a:extLst>
-              <a:ext uri="{FF2B5EF4-FFF2-40B4-BE49-F238E27FC236}">
-                <a16:creationId xmlns:a16="http://schemas.microsoft.com/office/drawing/2014/main" id="{82C8FB89-6702-4694-82CD-216649078B59}"/>
-              </a:ext>
-            </a:extLst>
-          </p:cNvPr>
-          <p:cNvSpPr/>
-          <p:nvPr/>
-        </p:nvSpPr>
-        <p:spPr>
-          <a:xfrm>
-            <a:off x="5396040" y="3795886"/>
-            <a:ext cx="1378311" cy="648072"/>
-          </a:xfrm>
-          <a:prstGeom prst="roundRect">
-            <a:avLst>
-              <a:gd name="adj" fmla="val 8434"/>
-            </a:avLst>
-          </a:prstGeom>
-        </p:spPr>
-        <p:style>
-          <a:lnRef idx="2">
-            <a:schemeClr val="dk1"/>
-          </a:lnRef>
-          <a:fillRef idx="1">
-            <a:schemeClr val="lt1"/>
-          </a:fillRef>
-          <a:effectRef idx="0">
-            <a:schemeClr val="dk1"/>
-          </a:effectRef>
-          <a:fontRef idx="minor">
-            <a:schemeClr val="dk1"/>
-          </a:fontRef>
-        </p:style>
-        <p:txBody>
-          <a:bodyPr rtlCol="0" anchor="ctr"/>
-          <a:lstStyle/>
-          <a:p>
-            <a:pPr algn="ctr"/>
-            <a:r>
-              <a:rPr lang="en-US" altLang="ko-KR" sz="1400"/>
-              <a:t>App Container (Service)</a:t>
-            </a:r>
-            <a:endParaRPr lang="ko-KR" altLang="en-US" sz="1400"/>
-          </a:p>
-        </p:txBody>
-      </p:sp>
-      <p:cxnSp>
-        <p:nvCxnSpPr>
-          <p:cNvPr id="4" name="직선 화살표 연결선 3">
-            <a:extLst>
-              <a:ext uri="{FF2B5EF4-FFF2-40B4-BE49-F238E27FC236}">
-                <a16:creationId xmlns:a16="http://schemas.microsoft.com/office/drawing/2014/main" id="{730910B9-BECA-44DA-B857-FD6B9700E337}"/>
-              </a:ext>
-            </a:extLst>
-          </p:cNvPr>
-          <p:cNvCxnSpPr>
-            <a:cxnSpLocks/>
-            <a:stCxn id="11" idx="3"/>
-            <a:endCxn id="14" idx="1"/>
-          </p:cNvCxnSpPr>
-          <p:nvPr/>
-        </p:nvCxnSpPr>
-        <p:spPr>
-          <a:xfrm>
-            <a:off x="3757823" y="3354109"/>
-            <a:ext cx="1638217" cy="0"/>
-          </a:xfrm>
-          <a:prstGeom prst="straightConnector1">
-            <a:avLst/>
-          </a:prstGeom>
-          <a:ln w="19050">
-            <a:solidFill>
-              <a:schemeClr val="tx1"/>
-            </a:solidFill>
-            <a:headEnd type="arrow" w="med" len="med"/>
-            <a:tailEnd type="arrow" w="med" len="med"/>
-          </a:ln>
-        </p:spPr>
-        <p:style>
-          <a:lnRef idx="1">
-            <a:schemeClr val="accent1"/>
-          </a:lnRef>
-          <a:fillRef idx="0">
-            <a:schemeClr val="accent1"/>
-          </a:fillRef>
-          <a:effectRef idx="0">
-            <a:schemeClr val="accent1"/>
-          </a:effectRef>
-          <a:fontRef idx="minor">
-            <a:schemeClr val="tx1"/>
-          </a:fontRef>
-        </p:style>
-      </p:cxnSp>
-      <p:sp>
-        <p:nvSpPr>
-          <p:cNvPr id="18" name="TextBox 17">
-            <a:extLst>
-              <a:ext uri="{FF2B5EF4-FFF2-40B4-BE49-F238E27FC236}">
-                <a16:creationId xmlns:a16="http://schemas.microsoft.com/office/drawing/2014/main" id="{84669EE0-4BA2-435A-9F05-ACD4C5D654A3}"/>
-              </a:ext>
-            </a:extLst>
-          </p:cNvPr>
-          <p:cNvSpPr txBox="1"/>
-          <p:nvPr/>
-        </p:nvSpPr>
-        <p:spPr>
-          <a:xfrm>
-            <a:off x="3603175" y="3320117"/>
-            <a:ext cx="1937650" cy="430887"/>
-          </a:xfrm>
-          <a:prstGeom prst="rect">
-            <a:avLst/>
-          </a:prstGeom>
-          <a:noFill/>
-        </p:spPr>
-        <p:txBody>
-          <a:bodyPr wrap="square" rtlCol="0" anchor="ctr">
-            <a:spAutoFit/>
-          </a:bodyPr>
-          <a:lstStyle/>
-          <a:p>
-            <a:pPr algn="ctr"/>
-            <a:r>
-              <a:rPr lang="en-US" altLang="ko-KR" sz="1100"/>
-              <a:t>HTTP/1.1, HTTP/2 </a:t>
-            </a:r>
-          </a:p>
-          <a:p>
-            <a:pPr algn="ctr"/>
-            <a:r>
-              <a:rPr lang="en-US" altLang="ko-KR" sz="1100"/>
-              <a:t>gRPC, TCP (with TLS)</a:t>
-            </a:r>
-            <a:endParaRPr lang="ko-KR" altLang="en-US" sz="1100"/>
-          </a:p>
-        </p:txBody>
-      </p:sp>
-      <p:cxnSp>
-        <p:nvCxnSpPr>
-          <p:cNvPr id="20" name="직선 화살표 연결선 19">
-            <a:extLst>
-              <a:ext uri="{FF2B5EF4-FFF2-40B4-BE49-F238E27FC236}">
-                <a16:creationId xmlns:a16="http://schemas.microsoft.com/office/drawing/2014/main" id="{FF296AC7-043E-4283-A0B2-C4601D195B9D}"/>
-              </a:ext>
-            </a:extLst>
-          </p:cNvPr>
-          <p:cNvCxnSpPr>
-            <a:cxnSpLocks/>
-            <a:stCxn id="11" idx="2"/>
-            <a:endCxn id="12" idx="0"/>
-          </p:cNvCxnSpPr>
-          <p:nvPr/>
-        </p:nvCxnSpPr>
-        <p:spPr>
-          <a:xfrm>
-            <a:off x="3068668" y="3569520"/>
-            <a:ext cx="0" cy="226366"/>
-          </a:xfrm>
-          <a:prstGeom prst="straightConnector1">
-            <a:avLst/>
-          </a:prstGeom>
-          <a:ln w="19050">
-            <a:solidFill>
-              <a:schemeClr val="tx1"/>
-            </a:solidFill>
-            <a:headEnd type="arrow" w="med" len="med"/>
-            <a:tailEnd type="arrow" w="med" len="med"/>
-          </a:ln>
-        </p:spPr>
-        <p:style>
-          <a:lnRef idx="1">
-            <a:schemeClr val="accent1"/>
-          </a:lnRef>
-          <a:fillRef idx="0">
-            <a:schemeClr val="accent1"/>
-          </a:fillRef>
-          <a:effectRef idx="0">
-            <a:schemeClr val="accent1"/>
-          </a:effectRef>
-          <a:fontRef idx="minor">
-            <a:schemeClr val="tx1"/>
-          </a:fontRef>
-        </p:style>
-      </p:cxnSp>
-      <p:cxnSp>
-        <p:nvCxnSpPr>
-          <p:cNvPr id="24" name="직선 화살표 연결선 23">
-            <a:extLst>
-              <a:ext uri="{FF2B5EF4-FFF2-40B4-BE49-F238E27FC236}">
-                <a16:creationId xmlns:a16="http://schemas.microsoft.com/office/drawing/2014/main" id="{79A52169-39C4-4BD1-8DE6-B4CE804C4B4E}"/>
-              </a:ext>
-            </a:extLst>
-          </p:cNvPr>
-          <p:cNvCxnSpPr>
-            <a:cxnSpLocks/>
-            <a:stCxn id="14" idx="2"/>
-            <a:endCxn id="15" idx="0"/>
-          </p:cNvCxnSpPr>
-          <p:nvPr/>
-        </p:nvCxnSpPr>
-        <p:spPr>
-          <a:xfrm>
-            <a:off x="6085196" y="3569520"/>
-            <a:ext cx="0" cy="226366"/>
-          </a:xfrm>
-          <a:prstGeom prst="straightConnector1">
-            <a:avLst/>
-          </a:prstGeom>
-          <a:ln w="19050">
-            <a:solidFill>
-              <a:schemeClr val="tx1"/>
-            </a:solidFill>
-            <a:headEnd type="arrow" w="med" len="med"/>
-            <a:tailEnd type="arrow" w="med" len="med"/>
-          </a:ln>
-        </p:spPr>
-        <p:style>
-          <a:lnRef idx="1">
-            <a:schemeClr val="accent1"/>
-          </a:lnRef>
-          <a:fillRef idx="0">
-            <a:schemeClr val="accent1"/>
-          </a:fillRef>
-          <a:effectRef idx="0">
-            <a:schemeClr val="accent1"/>
-          </a:effectRef>
-          <a:fontRef idx="minor">
-            <a:schemeClr val="tx1"/>
-          </a:fontRef>
-        </p:style>
-      </p:cxnSp>
       <p:cxnSp>
         <p:nvCxnSpPr>
           <p:cNvPr id="26" name="직선 화살표 연결선 25">
@@ -6326,13 +7289,14 @@
           </p:cNvPr>
           <p:cNvCxnSpPr>
             <a:cxnSpLocks/>
+            <a:endCxn id="40" idx="0"/>
           </p:cNvCxnSpPr>
           <p:nvPr/>
         </p:nvCxnSpPr>
         <p:spPr>
           <a:xfrm>
-            <a:off x="2915816" y="2831207"/>
-            <a:ext cx="0" cy="307491"/>
+            <a:off x="2924677" y="2831207"/>
+            <a:ext cx="0" cy="387681"/>
           </a:xfrm>
           <a:prstGeom prst="straightConnector1">
             <a:avLst/>
@@ -6374,7 +7338,7 @@
         </p:nvSpPr>
         <p:spPr>
           <a:xfrm>
-            <a:off x="2714166" y="2283718"/>
+            <a:off x="3059832" y="2283718"/>
             <a:ext cx="1857834" cy="430887"/>
           </a:xfrm>
           <a:prstGeom prst="rect">
@@ -6395,7 +7359,7 @@
                   <a:srgbClr val="C00000"/>
                 </a:solidFill>
               </a:rPr>
-              <a:t>Service Info, Routing Info,</a:t>
+              <a:t>Service Info, </a:t>
             </a:r>
           </a:p>
           <a:p>
@@ -6526,8 +7490,8 @@
         </p:nvCxnSpPr>
         <p:spPr>
           <a:xfrm>
-            <a:off x="2915816" y="2831207"/>
-            <a:ext cx="3016528" cy="0"/>
+            <a:off x="2924677" y="2831207"/>
+            <a:ext cx="3303507" cy="0"/>
           </a:xfrm>
           <a:prstGeom prst="straightConnector1">
             <a:avLst/>
@@ -6566,13 +7530,14 @@
           </p:cNvPr>
           <p:cNvCxnSpPr>
             <a:cxnSpLocks/>
+            <a:endCxn id="47" idx="0"/>
           </p:cNvCxnSpPr>
           <p:nvPr/>
         </p:nvCxnSpPr>
         <p:spPr>
           <a:xfrm>
-            <a:off x="5932344" y="2831207"/>
-            <a:ext cx="0" cy="307491"/>
+            <a:off x="6219324" y="2831207"/>
+            <a:ext cx="7962" cy="387681"/>
           </a:xfrm>
           <a:prstGeom prst="straightConnector1">
             <a:avLst/>
@@ -6662,8 +7627,8 @@
         </p:nvCxnSpPr>
         <p:spPr>
           <a:xfrm>
-            <a:off x="3211656" y="2912331"/>
-            <a:ext cx="0" cy="226367"/>
+            <a:off x="3275856" y="2912331"/>
+            <a:ext cx="0" cy="306557"/>
           </a:xfrm>
           <a:prstGeom prst="straightConnector1">
             <a:avLst/>
@@ -6707,8 +7672,8 @@
         </p:nvCxnSpPr>
         <p:spPr>
           <a:xfrm>
-            <a:off x="3211656" y="2912331"/>
-            <a:ext cx="3952632" cy="0"/>
+            <a:off x="3275856" y="2912331"/>
+            <a:ext cx="3888432" cy="0"/>
           </a:xfrm>
           <a:prstGeom prst="straightConnector1">
             <a:avLst/>
@@ -6752,8 +7717,8 @@
         </p:nvCxnSpPr>
         <p:spPr>
           <a:xfrm>
-            <a:off x="6228184" y="2912331"/>
-            <a:ext cx="0" cy="226367"/>
+            <a:off x="6588224" y="2921021"/>
+            <a:ext cx="0" cy="297867"/>
           </a:xfrm>
           <a:prstGeom prst="straightConnector1">
             <a:avLst/>
@@ -6963,6 +7928,96 @@
           </a:p>
         </p:txBody>
       </p:sp>
+      <p:cxnSp>
+        <p:nvCxnSpPr>
+          <p:cNvPr id="68" name="직선 화살표 연결선 67">
+            <a:extLst>
+              <a:ext uri="{FF2B5EF4-FFF2-40B4-BE49-F238E27FC236}">
+                <a16:creationId xmlns:a16="http://schemas.microsoft.com/office/drawing/2014/main" id="{FFFE1576-3441-4B70-97C4-BC8981838773}"/>
+              </a:ext>
+            </a:extLst>
+          </p:cNvPr>
+          <p:cNvCxnSpPr>
+            <a:cxnSpLocks/>
+          </p:cNvCxnSpPr>
+          <p:nvPr/>
+        </p:nvCxnSpPr>
+        <p:spPr>
+          <a:xfrm>
+            <a:off x="3419872" y="2912331"/>
+            <a:ext cx="0" cy="666597"/>
+          </a:xfrm>
+          <a:prstGeom prst="straightConnector1">
+            <a:avLst/>
+          </a:prstGeom>
+          <a:ln w="19050">
+            <a:solidFill>
+              <a:schemeClr val="tx2"/>
+            </a:solidFill>
+            <a:headEnd type="none" w="med" len="med"/>
+            <a:tailEnd type="none" w="med" len="med"/>
+          </a:ln>
+        </p:spPr>
+        <p:style>
+          <a:lnRef idx="1">
+            <a:schemeClr val="accent1"/>
+          </a:lnRef>
+          <a:fillRef idx="0">
+            <a:schemeClr val="accent1"/>
+          </a:fillRef>
+          <a:effectRef idx="0">
+            <a:schemeClr val="accent1"/>
+          </a:effectRef>
+          <a:fontRef idx="minor">
+            <a:schemeClr val="tx1"/>
+          </a:fontRef>
+        </p:style>
+      </p:cxnSp>
+      <p:cxnSp>
+        <p:nvCxnSpPr>
+          <p:cNvPr id="71" name="직선 화살표 연결선 70">
+            <a:extLst>
+              <a:ext uri="{FF2B5EF4-FFF2-40B4-BE49-F238E27FC236}">
+                <a16:creationId xmlns:a16="http://schemas.microsoft.com/office/drawing/2014/main" id="{BE772E59-E503-4A39-92D9-08F75BA455E3}"/>
+              </a:ext>
+            </a:extLst>
+          </p:cNvPr>
+          <p:cNvCxnSpPr>
+            <a:cxnSpLocks/>
+          </p:cNvCxnSpPr>
+          <p:nvPr/>
+        </p:nvCxnSpPr>
+        <p:spPr>
+          <a:xfrm>
+            <a:off x="6732240" y="2912331"/>
+            <a:ext cx="0" cy="666597"/>
+          </a:xfrm>
+          <a:prstGeom prst="straightConnector1">
+            <a:avLst/>
+          </a:prstGeom>
+          <a:ln w="19050">
+            <a:solidFill>
+              <a:schemeClr val="tx2"/>
+            </a:solidFill>
+            <a:headEnd type="none" w="med" len="med"/>
+            <a:tailEnd type="none" w="med" len="med"/>
+          </a:ln>
+        </p:spPr>
+        <p:style>
+          <a:lnRef idx="1">
+            <a:schemeClr val="accent1"/>
+          </a:lnRef>
+          <a:fillRef idx="0">
+            <a:schemeClr val="accent1"/>
+          </a:fillRef>
+          <a:effectRef idx="0">
+            <a:schemeClr val="accent1"/>
+          </a:effectRef>
+          <a:fontRef idx="minor">
+            <a:schemeClr val="tx1"/>
+          </a:fontRef>
+        </p:style>
+      </p:cxnSp>
     </p:spTree>
     <p:extLst>
       <p:ext uri="{BB962C8B-B14F-4D97-AF65-F5344CB8AC3E}">
